--- a/Day 4/Slides/5. Templates, Interpolation, and Directives/templates-interpolation-and-directives-slides.pptx
+++ b/Day 4/Slides/5. Templates, Interpolation, and Directives/templates-interpolation-and-directives-slides.pptx
@@ -5,7 +5,7 @@
     <p:sldMasterId id="2147483648" r:id="rId1"/>
   </p:sldMasterIdLst>
   <p:notesMasterIdLst>
-    <p:notesMasterId r:id="rId46"/>
+    <p:notesMasterId r:id="rId47"/>
   </p:notesMasterIdLst>
   <p:sldIdLst>
     <p:sldId id="256" r:id="rId3"/>
@@ -41,16 +41,17 @@
     <p:sldId id="296" r:id="rId33"/>
     <p:sldId id="297" r:id="rId34"/>
     <p:sldId id="308" r:id="rId35"/>
-    <p:sldId id="283" r:id="rId36"/>
-    <p:sldId id="284" r:id="rId37"/>
-    <p:sldId id="285" r:id="rId38"/>
-    <p:sldId id="286" r:id="rId39"/>
-    <p:sldId id="287" r:id="rId40"/>
-    <p:sldId id="288" r:id="rId41"/>
-    <p:sldId id="289" r:id="rId42"/>
-    <p:sldId id="290" r:id="rId43"/>
-    <p:sldId id="291" r:id="rId44"/>
-    <p:sldId id="292" r:id="rId45"/>
+    <p:sldId id="319" r:id="rId36"/>
+    <p:sldId id="283" r:id="rId37"/>
+    <p:sldId id="284" r:id="rId38"/>
+    <p:sldId id="285" r:id="rId39"/>
+    <p:sldId id="286" r:id="rId40"/>
+    <p:sldId id="287" r:id="rId41"/>
+    <p:sldId id="288" r:id="rId42"/>
+    <p:sldId id="289" r:id="rId43"/>
+    <p:sldId id="290" r:id="rId44"/>
+    <p:sldId id="291" r:id="rId45"/>
+    <p:sldId id="292" r:id="rId46"/>
   </p:sldIdLst>
   <p:sldSz cx="18288000" cy="10287000"/>
   <p:notesSz cx="18288000" cy="10287000"/>
@@ -23434,6 +23435,120 @@
 </file>
 
 <file path=ppt/slides/slide34.xml><?xml version="1.0" encoding="utf-8"?>
+<p:sld xmlns:a="http://schemas.openxmlformats.org/drawingml/2006/main" xmlns:r="http://schemas.openxmlformats.org/officeDocument/2006/relationships" xmlns:p="http://schemas.openxmlformats.org/presentationml/2006/main">
+  <p:cSld>
+    <p:spTree>
+      <p:nvGrpSpPr>
+        <p:cNvPr id="1" name=""/>
+        <p:cNvGrpSpPr/>
+        <p:nvPr/>
+      </p:nvGrpSpPr>
+      <p:grpSpPr/>
+      <p:sp>
+        <p:nvSpPr>
+          <p:cNvPr id="4" name="Slide Number Placeholder 3"/>
+          <p:cNvSpPr>
+            <a:spLocks noGrp="1"/>
+          </p:cNvSpPr>
+          <p:nvPr>
+            <p:ph type="sldNum" sz="quarter" idx="7"/>
+          </p:nvPr>
+        </p:nvSpPr>
+        <p:spPr/>
+        <p:txBody>
+          <a:bodyPr/>
+          <a:p>
+            <a:fld id="{B6F15528-21DE-4FAA-801E-634DDDAF4B2B}" type="slidenum">
+              <a:rPr/>
+            </a:fld>
+            <a:endParaRPr/>
+          </a:p>
+        </p:txBody>
+      </p:sp>
+      <p:pic>
+        <p:nvPicPr>
+          <p:cNvPr id="100" name="Picture 99"/>
+          <p:cNvPicPr/>
+          <p:nvPr/>
+        </p:nvPicPr>
+        <p:blipFill>
+          <a:blip r:embed="rId1"/>
+          <a:stretch>
+            <a:fillRect/>
+          </a:stretch>
+        </p:blipFill>
+        <p:spPr>
+          <a:xfrm>
+            <a:off x="9144000" y="5143500"/>
+            <a:ext cx="0" cy="0"/>
+          </a:xfrm>
+          <a:prstGeom prst="rect">
+            <a:avLst/>
+          </a:prstGeom>
+          <a:noFill/>
+          <a:ln w="9525">
+            <a:noFill/>
+          </a:ln>
+        </p:spPr>
+      </p:pic>
+      <p:graphicFrame>
+        <p:nvGraphicFramePr>
+          <p:cNvPr id="10" name="Object 9"/>
+          <p:cNvGraphicFramePr/>
+          <p:nvPr/>
+        </p:nvGraphicFramePr>
+        <p:xfrm>
+          <a:off x="726440" y="2064385"/>
+          <a:ext cx="16834485" cy="6158230"/>
+        </p:xfrm>
+        <a:graphic>
+          <a:graphicData uri="http://schemas.openxmlformats.org/presentationml/2006/ole">
+            <mc:AlternateContent xmlns:mc="http://schemas.openxmlformats.org/markup-compatibility/2006">
+              <mc:Choice xmlns:v="urn:schemas-microsoft-com:vml" Requires="v">
+                <p:oleObj spid="_x0000_s11" name="" r:id="rId2" imgW="6772275" imgH="6153150" progId="Paint.Picture">
+                  <p:embed/>
+                </p:oleObj>
+              </mc:Choice>
+              <mc:Fallback>
+                <p:oleObj name="" r:id="rId2" imgW="6772275" imgH="6153150" progId="Paint.Picture">
+                  <p:embed/>
+                  <p:pic>
+                    <p:nvPicPr>
+                      <p:cNvPr id="0" name="Picture 10"/>
+                      <p:cNvPicPr/>
+                      <p:nvPr/>
+                    </p:nvPicPr>
+                    <p:blipFill>
+                      <a:blip r:embed="rId3"/>
+                      <a:stretch>
+                        <a:fillRect/>
+                      </a:stretch>
+                    </p:blipFill>
+                    <p:spPr>
+                      <a:xfrm>
+                        <a:off x="726440" y="2064385"/>
+                        <a:ext cx="16834485" cy="6158230"/>
+                      </a:xfrm>
+                      <a:prstGeom prst="rect">
+                        <a:avLst/>
+                      </a:prstGeom>
+                    </p:spPr>
+                  </p:pic>
+                </p:oleObj>
+              </mc:Fallback>
+            </mc:AlternateContent>
+          </a:graphicData>
+        </a:graphic>
+      </p:graphicFrame>
+    </p:spTree>
+  </p:cSld>
+  <p:clrMapOvr>
+    <a:masterClrMapping/>
+  </p:clrMapOvr>
+</p:sld>
+</file>
+
+<file path=ppt/slides/slide35.xml><?xml version="1.0" encoding="utf-8"?>
 <p:sld xmlns:a="http://schemas.openxmlformats.org/drawingml/2006/main" xmlns:r="http://schemas.openxmlformats.org/officeDocument/2006/relationships" xmlns:p="http://schemas.openxmlformats.org/presentationml/2006/main" showMasterSp="0">
   <p:cSld>
     <p:spTree>
@@ -24749,7 +24864,7 @@
 </p:sld>
 </file>
 
-<file path=ppt/slides/slide35.xml><?xml version="1.0" encoding="utf-8"?>
+<file path=ppt/slides/slide36.xml><?xml version="1.0" encoding="utf-8"?>
 <p:sld xmlns:a="http://schemas.openxmlformats.org/drawingml/2006/main" xmlns:r="http://schemas.openxmlformats.org/officeDocument/2006/relationships" xmlns:p="http://schemas.openxmlformats.org/presentationml/2006/main" showMasterSp="0">
   <p:cSld>
     <p:spTree>
@@ -25605,7 +25720,7 @@
 </p:sld>
 </file>
 
-<file path=ppt/slides/slide36.xml><?xml version="1.0" encoding="utf-8"?>
+<file path=ppt/slides/slide37.xml><?xml version="1.0" encoding="utf-8"?>
 <p:sld xmlns:a="http://schemas.openxmlformats.org/drawingml/2006/main" xmlns:r="http://schemas.openxmlformats.org/officeDocument/2006/relationships" xmlns:p="http://schemas.openxmlformats.org/presentationml/2006/main" showMasterSp="0">
   <p:cSld>
     <p:spTree>
@@ -27308,1051 +27423,6 @@
       <p:sp>
         <p:nvSpPr>
           <p:cNvPr id="15" name="Slide Number Placeholder 14"/>
-          <p:cNvSpPr>
-            <a:spLocks noGrp="1"/>
-          </p:cNvSpPr>
-          <p:nvPr>
-            <p:ph type="sldNum" sz="quarter" idx="7"/>
-          </p:nvPr>
-        </p:nvSpPr>
-        <p:spPr/>
-        <p:txBody>
-          <a:bodyPr/>
-          <a:lstStyle/>
-          <a:p>
-            <a:fld id="{B6F15528-21DE-4FAA-801E-634DDDAF4B2B}" type="slidenum">
-              <a:rPr/>
-            </a:fld>
-            <a:endParaRPr/>
-          </a:p>
-        </p:txBody>
-      </p:sp>
-    </p:spTree>
-  </p:cSld>
-  <p:clrMapOvr>
-    <a:masterClrMapping/>
-  </p:clrMapOvr>
-</p:sld>
-</file>
-
-<file path=ppt/slides/slide37.xml><?xml version="1.0" encoding="utf-8"?>
-<p:sld xmlns:a="http://schemas.openxmlformats.org/drawingml/2006/main" xmlns:r="http://schemas.openxmlformats.org/officeDocument/2006/relationships" xmlns:p="http://schemas.openxmlformats.org/presentationml/2006/main" showMasterSp="0">
-  <p:cSld>
-    <p:spTree>
-      <p:nvGrpSpPr>
-        <p:cNvPr id="1" name=""/>
-        <p:cNvGrpSpPr/>
-        <p:nvPr/>
-      </p:nvGrpSpPr>
-      <p:grpSpPr>
-        <a:xfrm>
-          <a:off x="0" y="0"/>
-          <a:ext cx="0" cy="0"/>
-          <a:chOff x="0" y="0"/>
-          <a:chExt cx="0" cy="0"/>
-        </a:xfrm>
-      </p:grpSpPr>
-      <p:grpSp>
-        <p:nvGrpSpPr>
-          <p:cNvPr id="2" name="object 2"/>
-          <p:cNvGrpSpPr/>
-          <p:nvPr/>
-        </p:nvGrpSpPr>
-        <p:grpSpPr>
-          <a:xfrm>
-            <a:off x="0" y="0"/>
-            <a:ext cx="3657600" cy="10287000"/>
-            <a:chOff x="0" y="0"/>
-            <a:chExt cx="3657600" cy="10287000"/>
-          </a:xfrm>
-        </p:grpSpPr>
-        <p:sp>
-          <p:nvSpPr>
-            <p:cNvPr id="3" name="object 3"/>
-            <p:cNvSpPr/>
-            <p:nvPr/>
-          </p:nvSpPr>
-          <p:spPr>
-            <a:xfrm>
-              <a:off x="0" y="0"/>
-              <a:ext cx="3657600" cy="10287000"/>
-            </a:xfrm>
-            <a:custGeom>
-              <a:avLst/>
-              <a:gdLst/>
-              <a:ahLst/>
-              <a:cxnLst/>
-              <a:rect l="l" t="t" r="r" b="b"/>
-              <a:pathLst>
-                <a:path w="3657600" h="10287000">
-                  <a:moveTo>
-                    <a:pt x="3657600" y="0"/>
-                  </a:moveTo>
-                  <a:lnTo>
-                    <a:pt x="0" y="0"/>
-                  </a:lnTo>
-                  <a:lnTo>
-                    <a:pt x="0" y="10286999"/>
-                  </a:lnTo>
-                  <a:lnTo>
-                    <a:pt x="3657600" y="10286999"/>
-                  </a:lnTo>
-                  <a:lnTo>
-                    <a:pt x="3657600" y="0"/>
-                  </a:lnTo>
-                  <a:close/>
-                </a:path>
-              </a:pathLst>
-            </a:custGeom>
-            <a:solidFill>
-              <a:srgbClr val="9BC850"/>
-            </a:solidFill>
-          </p:spPr>
-          <p:txBody>
-            <a:bodyPr wrap="square" lIns="0" tIns="0" rIns="0" bIns="0" rtlCol="0"/>
-            <a:lstStyle/>
-            <a:p/>
-          </p:txBody>
-        </p:sp>
-        <p:sp>
-          <p:nvSpPr>
-            <p:cNvPr id="4" name="object 4"/>
-            <p:cNvSpPr/>
-            <p:nvPr/>
-          </p:nvSpPr>
-          <p:spPr>
-            <a:xfrm>
-              <a:off x="320736" y="4016010"/>
-              <a:ext cx="2689225" cy="2255520"/>
-            </a:xfrm>
-            <a:custGeom>
-              <a:avLst/>
-              <a:gdLst/>
-              <a:ahLst/>
-              <a:cxnLst/>
-              <a:rect l="l" t="t" r="r" b="b"/>
-              <a:pathLst>
-                <a:path w="2689225" h="2255520">
-                  <a:moveTo>
-                    <a:pt x="2688950" y="0"/>
-                  </a:moveTo>
-                  <a:lnTo>
-                    <a:pt x="0" y="0"/>
-                  </a:lnTo>
-                  <a:lnTo>
-                    <a:pt x="0" y="2254977"/>
-                  </a:lnTo>
-                  <a:lnTo>
-                    <a:pt x="2688950" y="2254977"/>
-                  </a:lnTo>
-                  <a:lnTo>
-                    <a:pt x="2688950" y="0"/>
-                  </a:lnTo>
-                  <a:close/>
-                </a:path>
-              </a:pathLst>
-            </a:custGeom>
-            <a:solidFill>
-              <a:srgbClr val="FFFFFF"/>
-            </a:solidFill>
-          </p:spPr>
-          <p:txBody>
-            <a:bodyPr wrap="square" lIns="0" tIns="0" rIns="0" bIns="0" rtlCol="0"/>
-            <a:lstStyle/>
-            <a:p/>
-          </p:txBody>
-        </p:sp>
-        <p:sp>
-          <p:nvSpPr>
-            <p:cNvPr id="5" name="object 5"/>
-            <p:cNvSpPr/>
-            <p:nvPr/>
-          </p:nvSpPr>
-          <p:spPr>
-            <a:xfrm>
-              <a:off x="320736" y="4016010"/>
-              <a:ext cx="2689225" cy="2255520"/>
-            </a:xfrm>
-            <a:custGeom>
-              <a:avLst/>
-              <a:gdLst/>
-              <a:ahLst/>
-              <a:cxnLst/>
-              <a:rect l="l" t="t" r="r" b="b"/>
-              <a:pathLst>
-                <a:path w="2689225" h="2255520">
-                  <a:moveTo>
-                    <a:pt x="0" y="0"/>
-                  </a:moveTo>
-                  <a:lnTo>
-                    <a:pt x="2688951" y="0"/>
-                  </a:lnTo>
-                  <a:lnTo>
-                    <a:pt x="2688951" y="2254977"/>
-                  </a:lnTo>
-                  <a:lnTo>
-                    <a:pt x="0" y="2254977"/>
-                  </a:lnTo>
-                  <a:lnTo>
-                    <a:pt x="0" y="0"/>
-                  </a:lnTo>
-                  <a:close/>
-                </a:path>
-              </a:pathLst>
-            </a:custGeom>
-            <a:ln w="50800">
-              <a:solidFill>
-                <a:srgbClr val="9BC850"/>
-              </a:solidFill>
-            </a:ln>
-          </p:spPr>
-          <p:txBody>
-            <a:bodyPr wrap="square" lIns="0" tIns="0" rIns="0" bIns="0" rtlCol="0"/>
-            <a:lstStyle/>
-            <a:p/>
-          </p:txBody>
-        </p:sp>
-        <p:pic>
-          <p:nvPicPr>
-            <p:cNvPr id="6" name="object 6"/>
-            <p:cNvPicPr/>
-            <p:nvPr/>
-          </p:nvPicPr>
-          <p:blipFill>
-            <a:blip r:embed="rId1" cstate="print"/>
-            <a:stretch>
-              <a:fillRect/>
-            </a:stretch>
-          </p:blipFill>
-          <p:spPr>
-            <a:xfrm>
-              <a:off x="729004" y="4411124"/>
-              <a:ext cx="1872414" cy="1464749"/>
-            </a:xfrm>
-            <a:prstGeom prst="rect">
-              <a:avLst/>
-            </a:prstGeom>
-          </p:spPr>
-        </p:pic>
-      </p:grpSp>
-      <p:sp>
-        <p:nvSpPr>
-          <p:cNvPr id="7" name="object 7"/>
-          <p:cNvSpPr txBox="1">
-            <a:spLocks noGrp="1"/>
-          </p:cNvSpPr>
-          <p:nvPr>
-            <p:ph type="title"/>
-          </p:nvPr>
-        </p:nvSpPr>
-        <p:spPr>
-          <a:xfrm>
-            <a:off x="291896" y="374395"/>
-            <a:ext cx="2830830" cy="1619885"/>
-          </a:xfrm>
-          <a:prstGeom prst="rect">
-            <a:avLst/>
-          </a:prstGeom>
-        </p:spPr>
-        <p:txBody>
-          <a:bodyPr vert="horz" wrap="square" lIns="0" tIns="38100" rIns="0" bIns="0" rtlCol="0">
-            <a:spAutoFit/>
-          </a:bodyPr>
-          <a:lstStyle/>
-          <a:p>
-            <a:pPr marL="12700" marR="5080">
-              <a:lnSpc>
-                <a:spcPct val="95000"/>
-              </a:lnSpc>
-              <a:spcBef>
-                <a:spcPts val="300"/>
-              </a:spcBef>
-            </a:pPr>
-            <a:r>
-              <a:rPr sz="3600" b="1" spc="-10" dirty="0">
-                <a:solidFill>
-                  <a:srgbClr val="727272"/>
-                </a:solidFill>
-                <a:latin typeface="Arial" panose="020B0604020202020204"/>
-                <a:cs typeface="Arial" panose="020B0604020202020204"/>
-              </a:rPr>
-              <a:t>Template </a:t>
-            </a:r>
-            <a:r>
-              <a:rPr sz="3600" b="1" spc="-5" dirty="0">
-                <a:solidFill>
-                  <a:srgbClr val="727272"/>
-                </a:solidFill>
-                <a:latin typeface="Arial" panose="020B0604020202020204"/>
-                <a:cs typeface="Arial" panose="020B0604020202020204"/>
-              </a:rPr>
-              <a:t> </a:t>
-            </a:r>
-            <a:r>
-              <a:rPr sz="3600" b="1" spc="-40" dirty="0">
-                <a:solidFill>
-                  <a:srgbClr val="727272"/>
-                </a:solidFill>
-                <a:latin typeface="Arial" panose="020B0604020202020204"/>
-                <a:cs typeface="Arial" panose="020B0604020202020204"/>
-              </a:rPr>
-              <a:t>Checklist: </a:t>
-            </a:r>
-            <a:r>
-              <a:rPr sz="3600" b="1" spc="-35" dirty="0">
-                <a:solidFill>
-                  <a:srgbClr val="727272"/>
-                </a:solidFill>
-                <a:latin typeface="Arial" panose="020B0604020202020204"/>
-                <a:cs typeface="Arial" panose="020B0604020202020204"/>
-              </a:rPr>
-              <a:t> </a:t>
-            </a:r>
-            <a:r>
-              <a:rPr sz="3600" b="1" spc="35" dirty="0">
-                <a:solidFill>
-                  <a:srgbClr val="FFFFFF"/>
-                </a:solidFill>
-                <a:latin typeface="Arial" panose="020B0604020202020204"/>
-                <a:cs typeface="Arial" panose="020B0604020202020204"/>
-              </a:rPr>
-              <a:t>I</a:t>
-            </a:r>
-            <a:r>
-              <a:rPr sz="3600" b="1" spc="-15" dirty="0">
-                <a:solidFill>
-                  <a:srgbClr val="FFFFFF"/>
-                </a:solidFill>
-                <a:latin typeface="Arial" panose="020B0604020202020204"/>
-                <a:cs typeface="Arial" panose="020B0604020202020204"/>
-              </a:rPr>
-              <a:t>n</a:t>
-            </a:r>
-            <a:r>
-              <a:rPr sz="3600" b="1" spc="190" dirty="0">
-                <a:solidFill>
-                  <a:srgbClr val="FFFFFF"/>
-                </a:solidFill>
-                <a:latin typeface="Arial" panose="020B0604020202020204"/>
-                <a:cs typeface="Arial" panose="020B0604020202020204"/>
-              </a:rPr>
-              <a:t>t</a:t>
-            </a:r>
-            <a:r>
-              <a:rPr sz="3600" b="1" spc="114" dirty="0">
-                <a:solidFill>
-                  <a:srgbClr val="FFFFFF"/>
-                </a:solidFill>
-                <a:latin typeface="Arial" panose="020B0604020202020204"/>
-                <a:cs typeface="Arial" panose="020B0604020202020204"/>
-              </a:rPr>
-              <a:t>e</a:t>
-            </a:r>
-            <a:r>
-              <a:rPr sz="3600" b="1" spc="-15" dirty="0">
-                <a:solidFill>
-                  <a:srgbClr val="FFFFFF"/>
-                </a:solidFill>
-                <a:latin typeface="Arial" panose="020B0604020202020204"/>
-                <a:cs typeface="Arial" panose="020B0604020202020204"/>
-              </a:rPr>
-              <a:t>rp</a:t>
-            </a:r>
-            <a:r>
-              <a:rPr sz="3600" b="1" spc="-45" dirty="0">
-                <a:solidFill>
-                  <a:srgbClr val="FFFFFF"/>
-                </a:solidFill>
-                <a:latin typeface="Arial" panose="020B0604020202020204"/>
-                <a:cs typeface="Arial" panose="020B0604020202020204"/>
-              </a:rPr>
-              <a:t>o</a:t>
-            </a:r>
-            <a:r>
-              <a:rPr sz="3600" b="1" spc="-65" dirty="0">
-                <a:solidFill>
-                  <a:srgbClr val="FFFFFF"/>
-                </a:solidFill>
-                <a:latin typeface="Arial" panose="020B0604020202020204"/>
-                <a:cs typeface="Arial" panose="020B0604020202020204"/>
-              </a:rPr>
-              <a:t>l</a:t>
-            </a:r>
-            <a:r>
-              <a:rPr sz="3600" b="1" spc="-75" dirty="0">
-                <a:solidFill>
-                  <a:srgbClr val="FFFFFF"/>
-                </a:solidFill>
-                <a:latin typeface="Arial" panose="020B0604020202020204"/>
-                <a:cs typeface="Arial" panose="020B0604020202020204"/>
-              </a:rPr>
-              <a:t>a</a:t>
-            </a:r>
-            <a:r>
-              <a:rPr sz="3600" b="1" spc="229" dirty="0">
-                <a:solidFill>
-                  <a:srgbClr val="FFFFFF"/>
-                </a:solidFill>
-                <a:latin typeface="Arial" panose="020B0604020202020204"/>
-                <a:cs typeface="Arial" panose="020B0604020202020204"/>
-              </a:rPr>
-              <a:t>t</a:t>
-            </a:r>
-            <a:r>
-              <a:rPr sz="3600" b="1" spc="-65" dirty="0">
-                <a:solidFill>
-                  <a:srgbClr val="FFFFFF"/>
-                </a:solidFill>
-                <a:latin typeface="Arial" panose="020B0604020202020204"/>
-                <a:cs typeface="Arial" panose="020B0604020202020204"/>
-              </a:rPr>
-              <a:t>i</a:t>
-            </a:r>
-            <a:r>
-              <a:rPr sz="3600" b="1" spc="-45" dirty="0">
-                <a:solidFill>
-                  <a:srgbClr val="FFFFFF"/>
-                </a:solidFill>
-                <a:latin typeface="Arial" panose="020B0604020202020204"/>
-                <a:cs typeface="Arial" panose="020B0604020202020204"/>
-              </a:rPr>
-              <a:t>o</a:t>
-            </a:r>
-            <a:r>
-              <a:rPr sz="3600" b="1" spc="-20" dirty="0">
-                <a:solidFill>
-                  <a:srgbClr val="FFFFFF"/>
-                </a:solidFill>
-                <a:latin typeface="Arial" panose="020B0604020202020204"/>
-                <a:cs typeface="Arial" panose="020B0604020202020204"/>
-              </a:rPr>
-              <a:t>n</a:t>
-            </a:r>
-            <a:endParaRPr sz="3600">
-              <a:latin typeface="Arial" panose="020B0604020202020204"/>
-              <a:cs typeface="Arial" panose="020B0604020202020204"/>
-            </a:endParaRPr>
-          </a:p>
-        </p:txBody>
-      </p:sp>
-      <p:sp>
-        <p:nvSpPr>
-          <p:cNvPr id="8" name="object 8"/>
-          <p:cNvSpPr txBox="1"/>
-          <p:nvPr/>
-        </p:nvSpPr>
-        <p:spPr>
-          <a:xfrm>
-            <a:off x="4072049" y="3129788"/>
-            <a:ext cx="12852400" cy="3101340"/>
-          </a:xfrm>
-          <a:prstGeom prst="rect">
-            <a:avLst/>
-          </a:prstGeom>
-        </p:spPr>
-        <p:txBody>
-          <a:bodyPr vert="horz" wrap="square" lIns="0" tIns="12700" rIns="0" bIns="0" rtlCol="0">
-            <a:spAutoFit/>
-          </a:bodyPr>
-          <a:lstStyle/>
-          <a:p>
-            <a:pPr marL="12700">
-              <a:lnSpc>
-                <a:spcPts val="4310"/>
-              </a:lnSpc>
-              <a:spcBef>
-                <a:spcPts val="100"/>
-              </a:spcBef>
-            </a:pPr>
-            <a:r>
-              <a:rPr sz="3600" b="1" spc="25" dirty="0">
-                <a:solidFill>
-                  <a:srgbClr val="9BC850"/>
-                </a:solidFill>
-                <a:latin typeface="Arial" panose="020B0604020202020204"/>
-                <a:cs typeface="Arial" panose="020B0604020202020204"/>
-              </a:rPr>
-              <a:t>One</a:t>
-            </a:r>
-            <a:r>
-              <a:rPr sz="3600" b="1" spc="-80" dirty="0">
-                <a:solidFill>
-                  <a:srgbClr val="9BC850"/>
-                </a:solidFill>
-                <a:latin typeface="Arial" panose="020B0604020202020204"/>
-                <a:cs typeface="Arial" panose="020B0604020202020204"/>
-              </a:rPr>
-              <a:t> </a:t>
-            </a:r>
-            <a:r>
-              <a:rPr sz="3600" b="1" spc="-20" dirty="0">
-                <a:solidFill>
-                  <a:srgbClr val="9BC850"/>
-                </a:solidFill>
-                <a:latin typeface="Arial" panose="020B0604020202020204"/>
-                <a:cs typeface="Arial" panose="020B0604020202020204"/>
-              </a:rPr>
-              <a:t>way</a:t>
-            </a:r>
-            <a:r>
-              <a:rPr sz="3600" b="1" spc="-85" dirty="0">
-                <a:solidFill>
-                  <a:srgbClr val="9BC850"/>
-                </a:solidFill>
-                <a:latin typeface="Arial" panose="020B0604020202020204"/>
-                <a:cs typeface="Arial" panose="020B0604020202020204"/>
-              </a:rPr>
-              <a:t> </a:t>
-            </a:r>
-            <a:r>
-              <a:rPr sz="3600" b="1" spc="-20" dirty="0">
-                <a:solidFill>
-                  <a:srgbClr val="9BC850"/>
-                </a:solidFill>
-                <a:latin typeface="Arial" panose="020B0604020202020204"/>
-                <a:cs typeface="Arial" panose="020B0604020202020204"/>
-              </a:rPr>
-              <a:t>binding</a:t>
-            </a:r>
-            <a:endParaRPr sz="3600">
-              <a:latin typeface="Arial" panose="020B0604020202020204"/>
-              <a:cs typeface="Arial" panose="020B0604020202020204"/>
-            </a:endParaRPr>
-          </a:p>
-          <a:p>
-            <a:pPr marL="797560" indent="-433705">
-              <a:lnSpc>
-                <a:spcPts val="4310"/>
-              </a:lnSpc>
-              <a:buSzPct val="75000"/>
-              <a:buFont typeface="Lucida Sans Unicode" panose="020B0602030504020204"/>
-              <a:buChar char="-"/>
-              <a:tabLst>
-                <a:tab pos="797560" algn="l"/>
-                <a:tab pos="798195" algn="l"/>
-              </a:tabLst>
-            </a:pPr>
-            <a:r>
-              <a:rPr sz="3600" b="1" spc="-85" dirty="0">
-                <a:solidFill>
-                  <a:srgbClr val="9BC850"/>
-                </a:solidFill>
-                <a:latin typeface="Arial" panose="020B0604020202020204"/>
-                <a:cs typeface="Arial" panose="020B0604020202020204"/>
-              </a:rPr>
-              <a:t>From</a:t>
-            </a:r>
-            <a:r>
-              <a:rPr sz="3600" b="1" spc="-75" dirty="0">
-                <a:solidFill>
-                  <a:srgbClr val="9BC850"/>
-                </a:solidFill>
-                <a:latin typeface="Arial" panose="020B0604020202020204"/>
-                <a:cs typeface="Arial" panose="020B0604020202020204"/>
-              </a:rPr>
-              <a:t> </a:t>
-            </a:r>
-            <a:r>
-              <a:rPr sz="3600" b="1" spc="25" dirty="0">
-                <a:solidFill>
-                  <a:srgbClr val="9BC850"/>
-                </a:solidFill>
-                <a:latin typeface="Arial" panose="020B0604020202020204"/>
-                <a:cs typeface="Arial" panose="020B0604020202020204"/>
-              </a:rPr>
-              <a:t>component</a:t>
-            </a:r>
-            <a:r>
-              <a:rPr sz="3600" b="1" spc="-60" dirty="0">
-                <a:solidFill>
-                  <a:srgbClr val="9BC850"/>
-                </a:solidFill>
-                <a:latin typeface="Arial" panose="020B0604020202020204"/>
-                <a:cs typeface="Arial" panose="020B0604020202020204"/>
-              </a:rPr>
-              <a:t> </a:t>
-            </a:r>
-            <a:r>
-              <a:rPr sz="3600" b="1" spc="-110" dirty="0">
-                <a:solidFill>
-                  <a:srgbClr val="9BC850"/>
-                </a:solidFill>
-                <a:latin typeface="Arial" panose="020B0604020202020204"/>
-                <a:cs typeface="Arial" panose="020B0604020202020204"/>
-              </a:rPr>
-              <a:t>class</a:t>
-            </a:r>
-            <a:r>
-              <a:rPr sz="3600" b="1" spc="-60" dirty="0">
-                <a:solidFill>
-                  <a:srgbClr val="9BC850"/>
-                </a:solidFill>
-                <a:latin typeface="Arial" panose="020B0604020202020204"/>
-                <a:cs typeface="Arial" panose="020B0604020202020204"/>
-              </a:rPr>
-              <a:t> </a:t>
-            </a:r>
-            <a:r>
-              <a:rPr sz="3600" b="1" spc="25" dirty="0">
-                <a:solidFill>
-                  <a:srgbClr val="9BC850"/>
-                </a:solidFill>
-                <a:latin typeface="Arial" panose="020B0604020202020204"/>
-                <a:cs typeface="Arial" panose="020B0604020202020204"/>
-              </a:rPr>
-              <a:t>property</a:t>
-            </a:r>
-            <a:r>
-              <a:rPr sz="3600" b="1" spc="-75" dirty="0">
-                <a:solidFill>
-                  <a:srgbClr val="9BC850"/>
-                </a:solidFill>
-                <a:latin typeface="Arial" panose="020B0604020202020204"/>
-                <a:cs typeface="Arial" panose="020B0604020202020204"/>
-              </a:rPr>
-              <a:t> </a:t>
-            </a:r>
-            <a:r>
-              <a:rPr sz="3600" b="1" spc="75" dirty="0">
-                <a:solidFill>
-                  <a:srgbClr val="9BC850"/>
-                </a:solidFill>
-                <a:latin typeface="Arial" panose="020B0604020202020204"/>
-                <a:cs typeface="Arial" panose="020B0604020202020204"/>
-              </a:rPr>
-              <a:t>to</a:t>
-            </a:r>
-            <a:r>
-              <a:rPr sz="3600" b="1" spc="-65" dirty="0">
-                <a:solidFill>
-                  <a:srgbClr val="9BC850"/>
-                </a:solidFill>
-                <a:latin typeface="Arial" panose="020B0604020202020204"/>
-                <a:cs typeface="Arial" panose="020B0604020202020204"/>
-              </a:rPr>
-              <a:t> </a:t>
-            </a:r>
-            <a:r>
-              <a:rPr sz="3600" b="1" spc="-25" dirty="0">
-                <a:solidFill>
-                  <a:srgbClr val="9BC850"/>
-                </a:solidFill>
-                <a:latin typeface="Arial" panose="020B0604020202020204"/>
-                <a:cs typeface="Arial" panose="020B0604020202020204"/>
-              </a:rPr>
-              <a:t>an</a:t>
-            </a:r>
-            <a:r>
-              <a:rPr sz="3600" b="1" spc="-60" dirty="0">
-                <a:solidFill>
-                  <a:srgbClr val="9BC850"/>
-                </a:solidFill>
-                <a:latin typeface="Arial" panose="020B0604020202020204"/>
-                <a:cs typeface="Arial" panose="020B0604020202020204"/>
-              </a:rPr>
-              <a:t> </a:t>
-            </a:r>
-            <a:r>
-              <a:rPr sz="3600" b="1" spc="60" dirty="0">
-                <a:solidFill>
-                  <a:srgbClr val="9BC850"/>
-                </a:solidFill>
-                <a:latin typeface="Arial" panose="020B0604020202020204"/>
-                <a:cs typeface="Arial" panose="020B0604020202020204"/>
-              </a:rPr>
-              <a:t>element</a:t>
-            </a:r>
-            <a:r>
-              <a:rPr sz="3600" b="1" spc="-60" dirty="0">
-                <a:solidFill>
-                  <a:srgbClr val="9BC850"/>
-                </a:solidFill>
-                <a:latin typeface="Arial" panose="020B0604020202020204"/>
-                <a:cs typeface="Arial" panose="020B0604020202020204"/>
-              </a:rPr>
-              <a:t> </a:t>
-            </a:r>
-            <a:r>
-              <a:rPr sz="3600" b="1" spc="25" dirty="0">
-                <a:solidFill>
-                  <a:srgbClr val="9BC850"/>
-                </a:solidFill>
-                <a:latin typeface="Arial" panose="020B0604020202020204"/>
-                <a:cs typeface="Arial" panose="020B0604020202020204"/>
-              </a:rPr>
-              <a:t>property</a:t>
-            </a:r>
-            <a:endParaRPr sz="3600">
-              <a:latin typeface="Arial" panose="020B0604020202020204"/>
-              <a:cs typeface="Arial" panose="020B0604020202020204"/>
-            </a:endParaRPr>
-          </a:p>
-          <a:p>
-            <a:pPr marL="12700">
-              <a:lnSpc>
-                <a:spcPts val="4310"/>
-              </a:lnSpc>
-              <a:spcBef>
-                <a:spcPts val="2685"/>
-              </a:spcBef>
-            </a:pPr>
-            <a:r>
-              <a:rPr sz="3600" b="1" spc="20" dirty="0">
-                <a:solidFill>
-                  <a:srgbClr val="9BC850"/>
-                </a:solidFill>
-                <a:latin typeface="Arial" panose="020B0604020202020204"/>
-                <a:cs typeface="Arial" panose="020B0604020202020204"/>
-              </a:rPr>
-              <a:t>Defined</a:t>
-            </a:r>
-            <a:r>
-              <a:rPr sz="3600" b="1" spc="-75" dirty="0">
-                <a:solidFill>
-                  <a:srgbClr val="9BC850"/>
-                </a:solidFill>
-                <a:latin typeface="Arial" panose="020B0604020202020204"/>
-                <a:cs typeface="Arial" panose="020B0604020202020204"/>
-              </a:rPr>
-              <a:t> </a:t>
-            </a:r>
-            <a:r>
-              <a:rPr sz="3600" b="1" spc="40" dirty="0">
-                <a:solidFill>
-                  <a:srgbClr val="9BC850"/>
-                </a:solidFill>
-                <a:latin typeface="Arial" panose="020B0604020202020204"/>
-                <a:cs typeface="Arial" panose="020B0604020202020204"/>
-              </a:rPr>
-              <a:t>with</a:t>
-            </a:r>
-            <a:r>
-              <a:rPr sz="3600" b="1" spc="-65" dirty="0">
-                <a:solidFill>
-                  <a:srgbClr val="9BC850"/>
-                </a:solidFill>
-                <a:latin typeface="Arial" panose="020B0604020202020204"/>
-                <a:cs typeface="Arial" panose="020B0604020202020204"/>
-              </a:rPr>
-              <a:t> </a:t>
-            </a:r>
-            <a:r>
-              <a:rPr sz="3600" b="1" spc="10" dirty="0">
-                <a:solidFill>
-                  <a:srgbClr val="9BC850"/>
-                </a:solidFill>
-                <a:latin typeface="Arial" panose="020B0604020202020204"/>
-                <a:cs typeface="Arial" panose="020B0604020202020204"/>
-              </a:rPr>
-              <a:t>double</a:t>
-            </a:r>
-            <a:r>
-              <a:rPr sz="3600" b="1" spc="-65" dirty="0">
-                <a:solidFill>
-                  <a:srgbClr val="9BC850"/>
-                </a:solidFill>
-                <a:latin typeface="Arial" panose="020B0604020202020204"/>
-                <a:cs typeface="Arial" panose="020B0604020202020204"/>
-              </a:rPr>
-              <a:t> </a:t>
-            </a:r>
-            <a:r>
-              <a:rPr sz="3600" b="1" spc="-20" dirty="0">
-                <a:solidFill>
-                  <a:srgbClr val="9BC850"/>
-                </a:solidFill>
-                <a:latin typeface="Arial" panose="020B0604020202020204"/>
-                <a:cs typeface="Arial" panose="020B0604020202020204"/>
-              </a:rPr>
-              <a:t>curly</a:t>
-            </a:r>
-            <a:r>
-              <a:rPr sz="3600" b="1" spc="-75" dirty="0">
-                <a:solidFill>
-                  <a:srgbClr val="9BC850"/>
-                </a:solidFill>
-                <a:latin typeface="Arial" panose="020B0604020202020204"/>
-                <a:cs typeface="Arial" panose="020B0604020202020204"/>
-              </a:rPr>
-              <a:t> </a:t>
-            </a:r>
-            <a:r>
-              <a:rPr sz="3600" b="1" spc="-25" dirty="0">
-                <a:solidFill>
-                  <a:srgbClr val="9BC850"/>
-                </a:solidFill>
-                <a:latin typeface="Arial" panose="020B0604020202020204"/>
-                <a:cs typeface="Arial" panose="020B0604020202020204"/>
-              </a:rPr>
-              <a:t>braces</a:t>
-            </a:r>
-            <a:endParaRPr sz="3600">
-              <a:latin typeface="Arial" panose="020B0604020202020204"/>
-              <a:cs typeface="Arial" panose="020B0604020202020204"/>
-            </a:endParaRPr>
-          </a:p>
-          <a:p>
-            <a:pPr marL="797560" indent="-433705">
-              <a:lnSpc>
-                <a:spcPts val="4295"/>
-              </a:lnSpc>
-              <a:buSzPct val="75000"/>
-              <a:buFont typeface="Lucida Sans Unicode" panose="020B0602030504020204"/>
-              <a:buChar char="-"/>
-              <a:tabLst>
-                <a:tab pos="797560" algn="l"/>
-                <a:tab pos="798195" algn="l"/>
-              </a:tabLst>
-            </a:pPr>
-            <a:r>
-              <a:rPr sz="3600" b="1" spc="-20" dirty="0">
-                <a:solidFill>
-                  <a:srgbClr val="9BC850"/>
-                </a:solidFill>
-                <a:latin typeface="Arial" panose="020B0604020202020204"/>
-                <a:cs typeface="Arial" panose="020B0604020202020204"/>
-              </a:rPr>
-              <a:t>Contains</a:t>
-            </a:r>
-            <a:r>
-              <a:rPr sz="3600" b="1" spc="-60" dirty="0">
-                <a:solidFill>
-                  <a:srgbClr val="9BC850"/>
-                </a:solidFill>
-                <a:latin typeface="Arial" panose="020B0604020202020204"/>
-                <a:cs typeface="Arial" panose="020B0604020202020204"/>
-              </a:rPr>
-              <a:t> </a:t>
-            </a:r>
-            <a:r>
-              <a:rPr sz="3600" b="1" spc="-30" dirty="0">
-                <a:solidFill>
-                  <a:srgbClr val="9BC850"/>
-                </a:solidFill>
-                <a:latin typeface="Arial" panose="020B0604020202020204"/>
-                <a:cs typeface="Arial" panose="020B0604020202020204"/>
-              </a:rPr>
-              <a:t>a</a:t>
-            </a:r>
-            <a:r>
-              <a:rPr sz="3600" b="1" spc="-65" dirty="0">
-                <a:solidFill>
-                  <a:srgbClr val="9BC850"/>
-                </a:solidFill>
-                <a:latin typeface="Arial" panose="020B0604020202020204"/>
-                <a:cs typeface="Arial" panose="020B0604020202020204"/>
-              </a:rPr>
-              <a:t> </a:t>
-            </a:r>
-            <a:r>
-              <a:rPr sz="3600" b="1" spc="50" dirty="0">
-                <a:solidFill>
-                  <a:srgbClr val="9BC850"/>
-                </a:solidFill>
-                <a:latin typeface="Arial" panose="020B0604020202020204"/>
-                <a:cs typeface="Arial" panose="020B0604020202020204"/>
-              </a:rPr>
-              <a:t>template</a:t>
-            </a:r>
-            <a:r>
-              <a:rPr sz="3600" b="1" spc="-60" dirty="0">
-                <a:solidFill>
-                  <a:srgbClr val="9BC850"/>
-                </a:solidFill>
-                <a:latin typeface="Arial" panose="020B0604020202020204"/>
-                <a:cs typeface="Arial" panose="020B0604020202020204"/>
-              </a:rPr>
-              <a:t> expression</a:t>
-            </a:r>
-            <a:endParaRPr sz="3600">
-              <a:latin typeface="Arial" panose="020B0604020202020204"/>
-              <a:cs typeface="Arial" panose="020B0604020202020204"/>
-            </a:endParaRPr>
-          </a:p>
-          <a:p>
-            <a:pPr marL="797560" indent="-433705">
-              <a:lnSpc>
-                <a:spcPts val="4310"/>
-              </a:lnSpc>
-              <a:buSzPct val="75000"/>
-              <a:buFont typeface="Lucida Sans Unicode" panose="020B0602030504020204"/>
-              <a:buChar char="-"/>
-              <a:tabLst>
-                <a:tab pos="797560" algn="l"/>
-                <a:tab pos="798195" algn="l"/>
-              </a:tabLst>
-            </a:pPr>
-            <a:r>
-              <a:rPr sz="3600" b="1" spc="-5" dirty="0">
-                <a:solidFill>
-                  <a:srgbClr val="9BC850"/>
-                </a:solidFill>
-                <a:latin typeface="Arial" panose="020B0604020202020204"/>
-                <a:cs typeface="Arial" panose="020B0604020202020204"/>
-              </a:rPr>
-              <a:t>No</a:t>
-            </a:r>
-            <a:r>
-              <a:rPr sz="3600" b="1" spc="-85" dirty="0">
-                <a:solidFill>
-                  <a:srgbClr val="9BC850"/>
-                </a:solidFill>
-                <a:latin typeface="Arial" panose="020B0604020202020204"/>
-                <a:cs typeface="Arial" panose="020B0604020202020204"/>
-              </a:rPr>
-              <a:t> </a:t>
-            </a:r>
-            <a:r>
-              <a:rPr sz="3600" b="1" spc="55" dirty="0">
-                <a:solidFill>
-                  <a:srgbClr val="9BC850"/>
-                </a:solidFill>
-                <a:latin typeface="Arial" panose="020B0604020202020204"/>
-                <a:cs typeface="Arial" panose="020B0604020202020204"/>
-              </a:rPr>
-              <a:t>quote</a:t>
-            </a:r>
-            <a:r>
-              <a:rPr sz="3600" b="1" spc="-75" dirty="0">
-                <a:solidFill>
-                  <a:srgbClr val="9BC850"/>
-                </a:solidFill>
-                <a:latin typeface="Arial" panose="020B0604020202020204"/>
-                <a:cs typeface="Arial" panose="020B0604020202020204"/>
-              </a:rPr>
-              <a:t> </a:t>
-            </a:r>
-            <a:r>
-              <a:rPr sz="3600" b="1" spc="65" dirty="0">
-                <a:solidFill>
-                  <a:srgbClr val="9BC850"/>
-                </a:solidFill>
-                <a:latin typeface="Arial" panose="020B0604020202020204"/>
-                <a:cs typeface="Arial" panose="020B0604020202020204"/>
-              </a:rPr>
-              <a:t>needed</a:t>
-            </a:r>
-            <a:endParaRPr sz="3600">
-              <a:latin typeface="Arial" panose="020B0604020202020204"/>
-              <a:cs typeface="Arial" panose="020B0604020202020204"/>
-            </a:endParaRPr>
-          </a:p>
-        </p:txBody>
-      </p:sp>
-      <p:sp>
-        <p:nvSpPr>
-          <p:cNvPr id="9" name="object 9"/>
-          <p:cNvSpPr txBox="1"/>
-          <p:nvPr/>
-        </p:nvSpPr>
-        <p:spPr>
-          <a:xfrm>
-            <a:off x="4038600" y="6430509"/>
-            <a:ext cx="8763000" cy="677545"/>
-          </a:xfrm>
-          <a:prstGeom prst="rect">
-            <a:avLst/>
-          </a:prstGeom>
-          <a:ln w="9525">
-            <a:solidFill>
-              <a:srgbClr val="9BC850"/>
-            </a:solidFill>
-          </a:ln>
-        </p:spPr>
-        <p:txBody>
-          <a:bodyPr vert="horz" wrap="square" lIns="0" tIns="81915" rIns="0" bIns="0" rtlCol="0">
-            <a:spAutoFit/>
-          </a:bodyPr>
-          <a:lstStyle/>
-          <a:p>
-            <a:pPr marL="182245">
-              <a:lnSpc>
-                <a:spcPct val="100000"/>
-              </a:lnSpc>
-              <a:spcBef>
-                <a:spcPts val="645"/>
-              </a:spcBef>
-            </a:pPr>
-            <a:r>
-              <a:rPr sz="3200" dirty="0">
-                <a:solidFill>
-                  <a:srgbClr val="800000"/>
-                </a:solidFill>
-                <a:latin typeface="Courier New" panose="02070309020205020404"/>
-                <a:cs typeface="Courier New" panose="02070309020205020404"/>
-              </a:rPr>
-              <a:t>&lt;td&gt;</a:t>
-            </a:r>
-            <a:r>
-              <a:rPr sz="3200" dirty="0">
-                <a:solidFill>
-                  <a:srgbClr val="404040"/>
-                </a:solidFill>
-                <a:latin typeface="Courier New" panose="02070309020205020404"/>
-                <a:cs typeface="Courier New" panose="02070309020205020404"/>
-              </a:rPr>
-              <a:t>{{</a:t>
-            </a:r>
-            <a:r>
-              <a:rPr sz="3200" spc="-35" dirty="0">
-                <a:solidFill>
-                  <a:srgbClr val="404040"/>
-                </a:solidFill>
-                <a:latin typeface="Courier New" panose="02070309020205020404"/>
-                <a:cs typeface="Courier New" panose="02070309020205020404"/>
-              </a:rPr>
-              <a:t> </a:t>
-            </a:r>
-            <a:r>
-              <a:rPr sz="3200" dirty="0">
-                <a:solidFill>
-                  <a:srgbClr val="404040"/>
-                </a:solidFill>
-                <a:latin typeface="Courier New" panose="02070309020205020404"/>
-                <a:cs typeface="Courier New" panose="02070309020205020404"/>
-              </a:rPr>
-              <a:t>product.productName</a:t>
-            </a:r>
-            <a:r>
-              <a:rPr sz="3200" spc="-35" dirty="0">
-                <a:solidFill>
-                  <a:srgbClr val="404040"/>
-                </a:solidFill>
-                <a:latin typeface="Courier New" panose="02070309020205020404"/>
-                <a:cs typeface="Courier New" panose="02070309020205020404"/>
-              </a:rPr>
-              <a:t> </a:t>
-            </a:r>
-            <a:r>
-              <a:rPr sz="3200" dirty="0">
-                <a:solidFill>
-                  <a:srgbClr val="404040"/>
-                </a:solidFill>
-                <a:latin typeface="Courier New" panose="02070309020205020404"/>
-                <a:cs typeface="Courier New" panose="02070309020205020404"/>
-              </a:rPr>
-              <a:t>}}</a:t>
-            </a:r>
-            <a:r>
-              <a:rPr sz="3200" dirty="0">
-                <a:solidFill>
-                  <a:srgbClr val="800000"/>
-                </a:solidFill>
-                <a:latin typeface="Courier New" panose="02070309020205020404"/>
-                <a:cs typeface="Courier New" panose="02070309020205020404"/>
-              </a:rPr>
-              <a:t>&lt;/td&gt;</a:t>
-            </a:r>
-            <a:endParaRPr sz="3200">
-              <a:latin typeface="Courier New" panose="02070309020205020404"/>
-              <a:cs typeface="Courier New" panose="02070309020205020404"/>
-            </a:endParaRPr>
-          </a:p>
-        </p:txBody>
-      </p:sp>
-      <p:sp>
-        <p:nvSpPr>
-          <p:cNvPr id="10" name="Slide Number Placeholder 9"/>
           <p:cNvSpPr>
             <a:spLocks noGrp="1"/>
           </p:cNvSpPr>
@@ -28592,25 +27662,25 @@
         </p:nvSpPr>
         <p:spPr>
           <a:xfrm>
-            <a:off x="286181" y="374395"/>
-            <a:ext cx="2209800" cy="2165350"/>
+            <a:off x="291896" y="374395"/>
+            <a:ext cx="2830830" cy="1619885"/>
           </a:xfrm>
           <a:prstGeom prst="rect">
             <a:avLst/>
           </a:prstGeom>
         </p:spPr>
         <p:txBody>
-          <a:bodyPr vert="horz" wrap="square" lIns="0" tIns="30480" rIns="0" bIns="0" rtlCol="0">
+          <a:bodyPr vert="horz" wrap="square" lIns="0" tIns="38100" rIns="0" bIns="0" rtlCol="0">
             <a:spAutoFit/>
           </a:bodyPr>
           <a:lstStyle/>
           <a:p>
-            <a:pPr marL="12700" marR="5080" indent="5715">
+            <a:pPr marL="12700" marR="5080">
               <a:lnSpc>
-                <a:spcPct val="97000"/>
+                <a:spcPct val="95000"/>
               </a:lnSpc>
               <a:spcBef>
-                <a:spcPts val="240"/>
+                <a:spcPts val="300"/>
               </a:spcBef>
             </a:pPr>
             <a:r>
@@ -28644,7 +27714,7 @@
               <a:t>Checklist: </a:t>
             </a:r>
             <a:r>
-              <a:rPr sz="3600" b="1" spc="-990" dirty="0">
+              <a:rPr sz="3600" b="1" spc="-35" dirty="0">
                 <a:solidFill>
                   <a:srgbClr val="727272"/>
                 </a:solidFill>
@@ -28654,34 +27724,64 @@
               <a:t> </a:t>
             </a:r>
             <a:r>
-              <a:rPr sz="3600" b="1" spc="5" dirty="0">
+              <a:rPr sz="3600" b="1" spc="35" dirty="0">
                 <a:solidFill>
                   <a:srgbClr val="FFFFFF"/>
                 </a:solidFill>
                 <a:latin typeface="Arial" panose="020B0604020202020204"/>
                 <a:cs typeface="Arial" panose="020B0604020202020204"/>
               </a:rPr>
-              <a:t>Structural </a:t>
-            </a:r>
-            <a:r>
-              <a:rPr sz="3600" b="1" spc="-990" dirty="0">
+              <a:t>I</a:t>
+            </a:r>
+            <a:r>
+              <a:rPr sz="3600" b="1" spc="-15" dirty="0">
                 <a:solidFill>
                   <a:srgbClr val="FFFFFF"/>
                 </a:solidFill>
                 <a:latin typeface="Arial" panose="020B0604020202020204"/>
                 <a:cs typeface="Arial" panose="020B0604020202020204"/>
               </a:rPr>
-              <a:t> </a:t>
-            </a:r>
-            <a:r>
-              <a:rPr sz="3600" b="1" spc="-90" dirty="0">
+              <a:t>n</a:t>
+            </a:r>
+            <a:r>
+              <a:rPr sz="3600" b="1" spc="190" dirty="0">
                 <a:solidFill>
                   <a:srgbClr val="FFFFFF"/>
                 </a:solidFill>
                 <a:latin typeface="Arial" panose="020B0604020202020204"/>
                 <a:cs typeface="Arial" panose="020B0604020202020204"/>
               </a:rPr>
-              <a:t>D</a:t>
+              <a:t>t</a:t>
+            </a:r>
+            <a:r>
+              <a:rPr sz="3600" b="1" spc="114" dirty="0">
+                <a:solidFill>
+                  <a:srgbClr val="FFFFFF"/>
+                </a:solidFill>
+                <a:latin typeface="Arial" panose="020B0604020202020204"/>
+                <a:cs typeface="Arial" panose="020B0604020202020204"/>
+              </a:rPr>
+              <a:t>e</a:t>
+            </a:r>
+            <a:r>
+              <a:rPr sz="3600" b="1" spc="-15" dirty="0">
+                <a:solidFill>
+                  <a:srgbClr val="FFFFFF"/>
+                </a:solidFill>
+                <a:latin typeface="Arial" panose="020B0604020202020204"/>
+                <a:cs typeface="Arial" panose="020B0604020202020204"/>
+              </a:rPr>
+              <a:t>rp</a:t>
+            </a:r>
+            <a:r>
+              <a:rPr sz="3600" b="1" spc="-45" dirty="0">
+                <a:solidFill>
+                  <a:srgbClr val="FFFFFF"/>
+                </a:solidFill>
+                <a:latin typeface="Arial" panose="020B0604020202020204"/>
+                <a:cs typeface="Arial" panose="020B0604020202020204"/>
+              </a:rPr>
+              <a:t>o</a:t>
             </a:r>
             <a:r>
               <a:rPr sz="3600" b="1" spc="-65" dirty="0">
@@ -28691,77 +27791,57 @@
                 <a:latin typeface="Arial" panose="020B0604020202020204"/>
                 <a:cs typeface="Arial" panose="020B0604020202020204"/>
               </a:rPr>
+              <a:t>l</a:t>
+            </a:r>
+            <a:r>
+              <a:rPr sz="3600" b="1" spc="-75" dirty="0">
+                <a:solidFill>
+                  <a:srgbClr val="FFFFFF"/>
+                </a:solidFill>
+                <a:latin typeface="Arial" panose="020B0604020202020204"/>
+                <a:cs typeface="Arial" panose="020B0604020202020204"/>
+              </a:rPr>
+              <a:t>a</a:t>
+            </a:r>
+            <a:r>
+              <a:rPr sz="3600" b="1" spc="229" dirty="0">
+                <a:solidFill>
+                  <a:srgbClr val="FFFFFF"/>
+                </a:solidFill>
+                <a:latin typeface="Arial" panose="020B0604020202020204"/>
+                <a:cs typeface="Arial" panose="020B0604020202020204"/>
+              </a:rPr>
+              <a:t>t</a:t>
+            </a:r>
+            <a:r>
+              <a:rPr sz="3600" b="1" spc="-65" dirty="0">
+                <a:solidFill>
+                  <a:srgbClr val="FFFFFF"/>
+                </a:solidFill>
+                <a:latin typeface="Arial" panose="020B0604020202020204"/>
+                <a:cs typeface="Arial" panose="020B0604020202020204"/>
+              </a:rPr>
               <a:t>i</a:t>
             </a:r>
             <a:r>
-              <a:rPr sz="3600" b="1" spc="30" dirty="0">
+              <a:rPr sz="3600" b="1" spc="-45" dirty="0">
                 <a:solidFill>
                   <a:srgbClr val="FFFFFF"/>
                 </a:solidFill>
                 <a:latin typeface="Arial" panose="020B0604020202020204"/>
                 <a:cs typeface="Arial" panose="020B0604020202020204"/>
               </a:rPr>
-              <a:t>re</a:t>
-            </a:r>
-            <a:r>
-              <a:rPr sz="3600" b="1" spc="70" dirty="0">
+              <a:t>o</a:t>
+            </a:r>
+            <a:r>
+              <a:rPr sz="3600" b="1" spc="-20" dirty="0">
                 <a:solidFill>
                   <a:srgbClr val="FFFFFF"/>
                 </a:solidFill>
                 <a:latin typeface="Arial" panose="020B0604020202020204"/>
                 <a:cs typeface="Arial" panose="020B0604020202020204"/>
               </a:rPr>
-              <a:t>c</a:t>
-            </a:r>
-            <a:r>
-              <a:rPr sz="3600" b="1" spc="229" dirty="0">
-                <a:solidFill>
-                  <a:srgbClr val="FFFFFF"/>
-                </a:solidFill>
-                <a:latin typeface="Arial" panose="020B0604020202020204"/>
-                <a:cs typeface="Arial" panose="020B0604020202020204"/>
-              </a:rPr>
-              <a:t>t</a:t>
-            </a:r>
-            <a:r>
-              <a:rPr sz="3600" b="1" spc="-65" dirty="0">
-                <a:solidFill>
-                  <a:srgbClr val="FFFFFF"/>
-                </a:solidFill>
-                <a:latin typeface="Arial" panose="020B0604020202020204"/>
-                <a:cs typeface="Arial" panose="020B0604020202020204"/>
-              </a:rPr>
-              <a:t>i</a:t>
-            </a:r>
-            <a:r>
-              <a:rPr sz="3600" b="1" spc="-55" dirty="0">
-                <a:solidFill>
-                  <a:srgbClr val="FFFFFF"/>
-                </a:solidFill>
-                <a:latin typeface="Arial" panose="020B0604020202020204"/>
-                <a:cs typeface="Arial" panose="020B0604020202020204"/>
-              </a:rPr>
-              <a:t>v</a:t>
-            </a:r>
-            <a:r>
-              <a:rPr sz="3600" b="1" spc="114" dirty="0">
-                <a:solidFill>
-                  <a:srgbClr val="FFFFFF"/>
-                </a:solidFill>
-                <a:latin typeface="Arial" panose="020B0604020202020204"/>
-                <a:cs typeface="Arial" panose="020B0604020202020204"/>
-              </a:rPr>
-              <a:t>e</a:t>
-            </a:r>
-            <a:r>
-              <a:rPr sz="3600" b="1" spc="-260" dirty="0">
-                <a:solidFill>
-                  <a:srgbClr val="FFFFFF"/>
-                </a:solidFill>
-                <a:latin typeface="Arial" panose="020B0604020202020204"/>
-                <a:cs typeface="Arial" panose="020B0604020202020204"/>
-              </a:rPr>
-              <a:t>s</a:t>
+              <a:t>n</a:t>
             </a:r>
             <a:endParaRPr sz="3600">
               <a:latin typeface="Arial" panose="020B0604020202020204"/>
@@ -28778,8 +27858,8 @@
         </p:nvSpPr>
         <p:spPr>
           <a:xfrm>
-            <a:off x="4072049" y="4281932"/>
-            <a:ext cx="8696960" cy="1680845"/>
+            <a:off x="4072049" y="3129788"/>
+            <a:ext cx="12852400" cy="3101340"/>
           </a:xfrm>
           <a:prstGeom prst="rect">
             <a:avLst/>
@@ -28793,41 +27873,41 @@
           <a:p>
             <a:pPr marL="12700">
               <a:lnSpc>
-                <a:spcPct val="100000"/>
+                <a:spcPts val="4310"/>
               </a:lnSpc>
               <a:spcBef>
                 <a:spcPts val="100"/>
               </a:spcBef>
             </a:pPr>
             <a:r>
-              <a:rPr sz="3600" dirty="0">
+              <a:rPr sz="3600" b="1" spc="25" dirty="0">
                 <a:solidFill>
                   <a:srgbClr val="9BC850"/>
                 </a:solidFill>
-                <a:latin typeface="Courier New" panose="02070309020205020404"/>
-                <a:cs typeface="Courier New" panose="02070309020205020404"/>
-              </a:rPr>
-              <a:t>*ngIf</a:t>
-            </a:r>
-            <a:r>
-              <a:rPr sz="3600" spc="-45" dirty="0">
+                <a:latin typeface="Arial" panose="020B0604020202020204"/>
+                <a:cs typeface="Arial" panose="020B0604020202020204"/>
+              </a:rPr>
+              <a:t>One</a:t>
+            </a:r>
+            <a:r>
+              <a:rPr sz="3600" b="1" spc="-80" dirty="0">
                 <a:solidFill>
                   <a:srgbClr val="9BC850"/>
                 </a:solidFill>
-                <a:latin typeface="Courier New" panose="02070309020205020404"/>
-                <a:cs typeface="Courier New" panose="02070309020205020404"/>
-              </a:rPr>
-              <a:t> </a:t>
-            </a:r>
-            <a:r>
-              <a:rPr sz="3600" b="1" spc="-10" dirty="0">
+                <a:latin typeface="Arial" panose="020B0604020202020204"/>
+                <a:cs typeface="Arial" panose="020B0604020202020204"/>
+              </a:rPr>
+              <a:t> </a:t>
+            </a:r>
+            <a:r>
+              <a:rPr sz="3600" b="1" spc="-20" dirty="0">
                 <a:solidFill>
                   <a:srgbClr val="9BC850"/>
                 </a:solidFill>
                 <a:latin typeface="Arial" panose="020B0604020202020204"/>
                 <a:cs typeface="Arial" panose="020B0604020202020204"/>
               </a:rPr>
-              <a:t>and</a:t>
+              <a:t>way</a:t>
             </a:r>
             <a:r>
               <a:rPr sz="3600" b="1" spc="-85" dirty="0">
@@ -28840,105 +27920,14 @@
               <a:t> </a:t>
             </a:r>
             <a:r>
-              <a:rPr sz="3600" dirty="0">
+              <a:rPr sz="3600" b="1" spc="-20" dirty="0">
                 <a:solidFill>
                   <a:srgbClr val="9BC850"/>
                 </a:solidFill>
-                <a:latin typeface="Courier New" panose="02070309020205020404"/>
-                <a:cs typeface="Courier New" panose="02070309020205020404"/>
-              </a:rPr>
-              <a:t>*ngFor</a:t>
-            </a:r>
-            <a:endParaRPr sz="3600">
-              <a:latin typeface="Courier New" panose="02070309020205020404"/>
-              <a:cs typeface="Courier New" panose="02070309020205020404"/>
-            </a:endParaRPr>
-          </a:p>
-          <a:p>
-            <a:pPr marL="797560" indent="-433705">
-              <a:lnSpc>
-                <a:spcPct val="100000"/>
-              </a:lnSpc>
-              <a:spcBef>
-                <a:spcPts val="70"/>
-              </a:spcBef>
-              <a:buSzPct val="75000"/>
-              <a:buFont typeface="Lucida Sans Unicode" panose="020B0602030504020204"/>
-              <a:buChar char="-"/>
-              <a:tabLst>
-                <a:tab pos="797560" algn="l"/>
-                <a:tab pos="798195" algn="l"/>
-              </a:tabLst>
-            </a:pPr>
-            <a:r>
-              <a:rPr sz="3600" b="1" spc="-35" dirty="0">
-                <a:solidFill>
-                  <a:srgbClr val="9BC850"/>
-                </a:solidFill>
-                <a:latin typeface="Arial" panose="020B0604020202020204"/>
-                <a:cs typeface="Arial" panose="020B0604020202020204"/>
-              </a:rPr>
-              <a:t>Prefix</a:t>
-            </a:r>
-            <a:r>
-              <a:rPr sz="3600" b="1" spc="-80" dirty="0">
-                <a:solidFill>
-                  <a:srgbClr val="9BC850"/>
-                </a:solidFill>
-                <a:latin typeface="Arial" panose="020B0604020202020204"/>
-                <a:cs typeface="Arial" panose="020B0604020202020204"/>
-              </a:rPr>
-              <a:t> </a:t>
-            </a:r>
-            <a:r>
-              <a:rPr sz="3600" b="1" spc="40" dirty="0">
-                <a:solidFill>
-                  <a:srgbClr val="9BC850"/>
-                </a:solidFill>
-                <a:latin typeface="Arial" panose="020B0604020202020204"/>
-                <a:cs typeface="Arial" panose="020B0604020202020204"/>
-              </a:rPr>
-              <a:t>with</a:t>
-            </a:r>
-            <a:r>
-              <a:rPr sz="3600" b="1" spc="-80" dirty="0">
-                <a:solidFill>
-                  <a:srgbClr val="9BC850"/>
-                </a:solidFill>
-                <a:latin typeface="Arial" panose="020B0604020202020204"/>
-                <a:cs typeface="Arial" panose="020B0604020202020204"/>
-              </a:rPr>
-              <a:t> </a:t>
-            </a:r>
-            <a:r>
-              <a:rPr sz="3600" b="1" spc="-25" dirty="0">
-                <a:solidFill>
-                  <a:srgbClr val="9BC850"/>
-                </a:solidFill>
-                <a:latin typeface="Arial" panose="020B0604020202020204"/>
-                <a:cs typeface="Arial" panose="020B0604020202020204"/>
-              </a:rPr>
-              <a:t>an</a:t>
-            </a:r>
-            <a:r>
-              <a:rPr sz="3600" b="1" spc="-75" dirty="0">
-                <a:solidFill>
-                  <a:srgbClr val="9BC850"/>
-                </a:solidFill>
-                <a:latin typeface="Arial" panose="020B0604020202020204"/>
-                <a:cs typeface="Arial" panose="020B0604020202020204"/>
-              </a:rPr>
-              <a:t> </a:t>
-            </a:r>
-            <a:r>
-              <a:rPr sz="3600" b="1" spc="-60" dirty="0">
-                <a:solidFill>
-                  <a:srgbClr val="9BC850"/>
-                </a:solidFill>
-                <a:latin typeface="Arial" panose="020B0604020202020204"/>
-                <a:cs typeface="Arial" panose="020B0604020202020204"/>
-              </a:rPr>
-              <a:t>asterisk</a:t>
+                <a:latin typeface="Arial" panose="020B0604020202020204"/>
+                <a:cs typeface="Arial" panose="020B0604020202020204"/>
+              </a:rPr>
+              <a:t>binding</a:t>
             </a:r>
             <a:endParaRPr sz="3600">
               <a:latin typeface="Arial" panose="020B0604020202020204"/>
@@ -28948,7 +27937,7 @@
           <a:p>
             <a:pPr marL="797560" indent="-433705">
               <a:lnSpc>
-                <a:spcPct val="100000"/>
+                <a:spcPts val="4310"/>
               </a:lnSpc>
               <a:buSzPct val="75000"/>
               <a:buFont typeface="Lucida Sans Unicode" panose="020B0602030504020204"/>
@@ -28959,14 +27948,34 @@
               </a:tabLst>
             </a:pPr>
             <a:r>
-              <a:rPr sz="3600" b="1" spc="-140" dirty="0">
+              <a:rPr sz="3600" b="1" spc="-85" dirty="0">
                 <a:solidFill>
                   <a:srgbClr val="9BC850"/>
                 </a:solidFill>
                 <a:latin typeface="Arial" panose="020B0604020202020204"/>
                 <a:cs typeface="Arial" panose="020B0604020202020204"/>
               </a:rPr>
-              <a:t>Assign</a:t>
+              <a:t>From</a:t>
+            </a:r>
+            <a:r>
+              <a:rPr sz="3600" b="1" spc="-75" dirty="0">
+                <a:solidFill>
+                  <a:srgbClr val="9BC850"/>
+                </a:solidFill>
+                <a:latin typeface="Arial" panose="020B0604020202020204"/>
+                <a:cs typeface="Arial" panose="020B0604020202020204"/>
+              </a:rPr>
+              <a:t> </a:t>
+            </a:r>
+            <a:r>
+              <a:rPr sz="3600" b="1" spc="25" dirty="0">
+                <a:solidFill>
+                  <a:srgbClr val="9BC850"/>
+                </a:solidFill>
+                <a:latin typeface="Arial" panose="020B0604020202020204"/>
+                <a:cs typeface="Arial" panose="020B0604020202020204"/>
+              </a:rPr>
+              <a:t>component</a:t>
             </a:r>
             <a:r>
               <a:rPr sz="3600" b="1" spc="-60" dirty="0">
@@ -28979,6 +27988,46 @@
               <a:t> </a:t>
             </a:r>
             <a:r>
+              <a:rPr sz="3600" b="1" spc="-110" dirty="0">
+                <a:solidFill>
+                  <a:srgbClr val="9BC850"/>
+                </a:solidFill>
+                <a:latin typeface="Arial" panose="020B0604020202020204"/>
+                <a:cs typeface="Arial" panose="020B0604020202020204"/>
+              </a:rPr>
+              <a:t>class</a:t>
+            </a:r>
+            <a:r>
+              <a:rPr sz="3600" b="1" spc="-60" dirty="0">
+                <a:solidFill>
+                  <a:srgbClr val="9BC850"/>
+                </a:solidFill>
+                <a:latin typeface="Arial" panose="020B0604020202020204"/>
+                <a:cs typeface="Arial" panose="020B0604020202020204"/>
+              </a:rPr>
+              <a:t> </a:t>
+            </a:r>
+            <a:r>
+              <a:rPr sz="3600" b="1" spc="25" dirty="0">
+                <a:solidFill>
+                  <a:srgbClr val="9BC850"/>
+                </a:solidFill>
+                <a:latin typeface="Arial" panose="020B0604020202020204"/>
+                <a:cs typeface="Arial" panose="020B0604020202020204"/>
+              </a:rPr>
+              <a:t>property</a:t>
+            </a:r>
+            <a:r>
+              <a:rPr sz="3600" b="1" spc="-75" dirty="0">
+                <a:solidFill>
+                  <a:srgbClr val="9BC850"/>
+                </a:solidFill>
+                <a:latin typeface="Arial" panose="020B0604020202020204"/>
+                <a:cs typeface="Arial" panose="020B0604020202020204"/>
+              </a:rPr>
+              <a:t> </a:t>
+            </a:r>
+            <a:r>
               <a:rPr sz="3600" b="1" spc="75" dirty="0">
                 <a:solidFill>
                   <a:srgbClr val="9BC850"/>
@@ -28999,6 +28048,198 @@
               <a:t> </a:t>
             </a:r>
             <a:r>
+              <a:rPr sz="3600" b="1" spc="-25" dirty="0">
+                <a:solidFill>
+                  <a:srgbClr val="9BC850"/>
+                </a:solidFill>
+                <a:latin typeface="Arial" panose="020B0604020202020204"/>
+                <a:cs typeface="Arial" panose="020B0604020202020204"/>
+              </a:rPr>
+              <a:t>an</a:t>
+            </a:r>
+            <a:r>
+              <a:rPr sz="3600" b="1" spc="-60" dirty="0">
+                <a:solidFill>
+                  <a:srgbClr val="9BC850"/>
+                </a:solidFill>
+                <a:latin typeface="Arial" panose="020B0604020202020204"/>
+                <a:cs typeface="Arial" panose="020B0604020202020204"/>
+              </a:rPr>
+              <a:t> </a:t>
+            </a:r>
+            <a:r>
+              <a:rPr sz="3600" b="1" spc="60" dirty="0">
+                <a:solidFill>
+                  <a:srgbClr val="9BC850"/>
+                </a:solidFill>
+                <a:latin typeface="Arial" panose="020B0604020202020204"/>
+                <a:cs typeface="Arial" panose="020B0604020202020204"/>
+              </a:rPr>
+              <a:t>element</a:t>
+            </a:r>
+            <a:r>
+              <a:rPr sz="3600" b="1" spc="-60" dirty="0">
+                <a:solidFill>
+                  <a:srgbClr val="9BC850"/>
+                </a:solidFill>
+                <a:latin typeface="Arial" panose="020B0604020202020204"/>
+                <a:cs typeface="Arial" panose="020B0604020202020204"/>
+              </a:rPr>
+              <a:t> </a:t>
+            </a:r>
+            <a:r>
+              <a:rPr sz="3600" b="1" spc="25" dirty="0">
+                <a:solidFill>
+                  <a:srgbClr val="9BC850"/>
+                </a:solidFill>
+                <a:latin typeface="Arial" panose="020B0604020202020204"/>
+                <a:cs typeface="Arial" panose="020B0604020202020204"/>
+              </a:rPr>
+              <a:t>property</a:t>
+            </a:r>
+            <a:endParaRPr sz="3600">
+              <a:latin typeface="Arial" panose="020B0604020202020204"/>
+              <a:cs typeface="Arial" panose="020B0604020202020204"/>
+            </a:endParaRPr>
+          </a:p>
+          <a:p>
+            <a:pPr marL="12700">
+              <a:lnSpc>
+                <a:spcPts val="4310"/>
+              </a:lnSpc>
+              <a:spcBef>
+                <a:spcPts val="2685"/>
+              </a:spcBef>
+            </a:pPr>
+            <a:r>
+              <a:rPr sz="3600" b="1" spc="20" dirty="0">
+                <a:solidFill>
+                  <a:srgbClr val="9BC850"/>
+                </a:solidFill>
+                <a:latin typeface="Arial" panose="020B0604020202020204"/>
+                <a:cs typeface="Arial" panose="020B0604020202020204"/>
+              </a:rPr>
+              <a:t>Defined</a:t>
+            </a:r>
+            <a:r>
+              <a:rPr sz="3600" b="1" spc="-75" dirty="0">
+                <a:solidFill>
+                  <a:srgbClr val="9BC850"/>
+                </a:solidFill>
+                <a:latin typeface="Arial" panose="020B0604020202020204"/>
+                <a:cs typeface="Arial" panose="020B0604020202020204"/>
+              </a:rPr>
+              <a:t> </a:t>
+            </a:r>
+            <a:r>
+              <a:rPr sz="3600" b="1" spc="40" dirty="0">
+                <a:solidFill>
+                  <a:srgbClr val="9BC850"/>
+                </a:solidFill>
+                <a:latin typeface="Arial" panose="020B0604020202020204"/>
+                <a:cs typeface="Arial" panose="020B0604020202020204"/>
+              </a:rPr>
+              <a:t>with</a:t>
+            </a:r>
+            <a:r>
+              <a:rPr sz="3600" b="1" spc="-65" dirty="0">
+                <a:solidFill>
+                  <a:srgbClr val="9BC850"/>
+                </a:solidFill>
+                <a:latin typeface="Arial" panose="020B0604020202020204"/>
+                <a:cs typeface="Arial" panose="020B0604020202020204"/>
+              </a:rPr>
+              <a:t> </a:t>
+            </a:r>
+            <a:r>
+              <a:rPr sz="3600" b="1" spc="10" dirty="0">
+                <a:solidFill>
+                  <a:srgbClr val="9BC850"/>
+                </a:solidFill>
+                <a:latin typeface="Arial" panose="020B0604020202020204"/>
+                <a:cs typeface="Arial" panose="020B0604020202020204"/>
+              </a:rPr>
+              <a:t>double</a:t>
+            </a:r>
+            <a:r>
+              <a:rPr sz="3600" b="1" spc="-65" dirty="0">
+                <a:solidFill>
+                  <a:srgbClr val="9BC850"/>
+                </a:solidFill>
+                <a:latin typeface="Arial" panose="020B0604020202020204"/>
+                <a:cs typeface="Arial" panose="020B0604020202020204"/>
+              </a:rPr>
+              <a:t> </a:t>
+            </a:r>
+            <a:r>
+              <a:rPr sz="3600" b="1" spc="-20" dirty="0">
+                <a:solidFill>
+                  <a:srgbClr val="9BC850"/>
+                </a:solidFill>
+                <a:latin typeface="Arial" panose="020B0604020202020204"/>
+                <a:cs typeface="Arial" panose="020B0604020202020204"/>
+              </a:rPr>
+              <a:t>curly</a:t>
+            </a:r>
+            <a:r>
+              <a:rPr sz="3600" b="1" spc="-75" dirty="0">
+                <a:solidFill>
+                  <a:srgbClr val="9BC850"/>
+                </a:solidFill>
+                <a:latin typeface="Arial" panose="020B0604020202020204"/>
+                <a:cs typeface="Arial" panose="020B0604020202020204"/>
+              </a:rPr>
+              <a:t> </a:t>
+            </a:r>
+            <a:r>
+              <a:rPr sz="3600" b="1" spc="-25" dirty="0">
+                <a:solidFill>
+                  <a:srgbClr val="9BC850"/>
+                </a:solidFill>
+                <a:latin typeface="Arial" panose="020B0604020202020204"/>
+                <a:cs typeface="Arial" panose="020B0604020202020204"/>
+              </a:rPr>
+              <a:t>braces</a:t>
+            </a:r>
+            <a:endParaRPr sz="3600">
+              <a:latin typeface="Arial" panose="020B0604020202020204"/>
+              <a:cs typeface="Arial" panose="020B0604020202020204"/>
+            </a:endParaRPr>
+          </a:p>
+          <a:p>
+            <a:pPr marL="797560" indent="-433705">
+              <a:lnSpc>
+                <a:spcPts val="4295"/>
+              </a:lnSpc>
+              <a:buSzPct val="75000"/>
+              <a:buFont typeface="Lucida Sans Unicode" panose="020B0602030504020204"/>
+              <a:buChar char="-"/>
+              <a:tabLst>
+                <a:tab pos="797560" algn="l"/>
+                <a:tab pos="798195" algn="l"/>
+              </a:tabLst>
+            </a:pPr>
+            <a:r>
+              <a:rPr sz="3600" b="1" spc="-20" dirty="0">
+                <a:solidFill>
+                  <a:srgbClr val="9BC850"/>
+                </a:solidFill>
+                <a:latin typeface="Arial" panose="020B0604020202020204"/>
+                <a:cs typeface="Arial" panose="020B0604020202020204"/>
+              </a:rPr>
+              <a:t>Contains</a:t>
+            </a:r>
+            <a:r>
+              <a:rPr sz="3600" b="1" spc="-60" dirty="0">
+                <a:solidFill>
+                  <a:srgbClr val="9BC850"/>
+                </a:solidFill>
+                <a:latin typeface="Arial" panose="020B0604020202020204"/>
+                <a:cs typeface="Arial" panose="020B0604020202020204"/>
+              </a:rPr>
+              <a:t> </a:t>
+            </a:r>
+            <a:r>
               <a:rPr sz="3600" b="1" spc="-30" dirty="0">
                 <a:solidFill>
                   <a:srgbClr val="9BC850"/>
@@ -29026,30 +28267,48 @@
                 <a:latin typeface="Arial" panose="020B0604020202020204"/>
                 <a:cs typeface="Arial" panose="020B0604020202020204"/>
               </a:rPr>
-              <a:t>quoted</a:t>
-            </a:r>
-            <a:r>
-              <a:rPr sz="3600" b="1" spc="-65" dirty="0">
+              <a:t>template</a:t>
+            </a:r>
+            <a:r>
+              <a:rPr sz="3600" b="1" spc="-60" dirty="0">
                 <a:solidFill>
                   <a:srgbClr val="9BC850"/>
                 </a:solidFill>
                 <a:latin typeface="Arial" panose="020B0604020202020204"/>
                 <a:cs typeface="Arial" panose="020B0604020202020204"/>
               </a:rPr>
-              <a:t> </a:t>
-            </a:r>
-            <a:r>
-              <a:rPr sz="3600" b="1" spc="-25" dirty="0">
+              <a:t> expression</a:t>
+            </a:r>
+            <a:endParaRPr sz="3600">
+              <a:latin typeface="Arial" panose="020B0604020202020204"/>
+              <a:cs typeface="Arial" panose="020B0604020202020204"/>
+            </a:endParaRPr>
+          </a:p>
+          <a:p>
+            <a:pPr marL="797560" indent="-433705">
+              <a:lnSpc>
+                <a:spcPts val="4310"/>
+              </a:lnSpc>
+              <a:buSzPct val="75000"/>
+              <a:buFont typeface="Lucida Sans Unicode" panose="020B0602030504020204"/>
+              <a:buChar char="-"/>
+              <a:tabLst>
+                <a:tab pos="797560" algn="l"/>
+                <a:tab pos="798195" algn="l"/>
+              </a:tabLst>
+            </a:pPr>
+            <a:r>
+              <a:rPr sz="3600" b="1" spc="-5" dirty="0">
                 <a:solidFill>
                   <a:srgbClr val="9BC850"/>
                 </a:solidFill>
                 <a:latin typeface="Arial" panose="020B0604020202020204"/>
                 <a:cs typeface="Arial" panose="020B0604020202020204"/>
               </a:rPr>
-              <a:t>string</a:t>
-            </a:r>
-            <a:r>
-              <a:rPr sz="3600" b="1" spc="-65" dirty="0">
+              <a:t>No</a:t>
+            </a:r>
+            <a:r>
+              <a:rPr sz="3600" b="1" spc="-85" dirty="0">
                 <a:solidFill>
                   <a:srgbClr val="9BC850"/>
                 </a:solidFill>
@@ -29059,14 +28318,34 @@
               <a:t> </a:t>
             </a:r>
             <a:r>
-              <a:rPr sz="3600" b="1" spc="-60" dirty="0">
+              <a:rPr sz="3600" b="1" spc="55" dirty="0">
                 <a:solidFill>
                   <a:srgbClr val="9BC850"/>
                 </a:solidFill>
                 <a:latin typeface="Arial" panose="020B0604020202020204"/>
                 <a:cs typeface="Arial" panose="020B0604020202020204"/>
               </a:rPr>
-              <a:t>expression</a:t>
+              <a:t>quote</a:t>
+            </a:r>
+            <a:r>
+              <a:rPr sz="3600" b="1" spc="-75" dirty="0">
+                <a:solidFill>
+                  <a:srgbClr val="9BC850"/>
+                </a:solidFill>
+                <a:latin typeface="Arial" panose="020B0604020202020204"/>
+                <a:cs typeface="Arial" panose="020B0604020202020204"/>
+              </a:rPr>
+              <a:t> </a:t>
+            </a:r>
+            <a:r>
+              <a:rPr sz="3600" b="1" spc="65" dirty="0">
+                <a:solidFill>
+                  <a:srgbClr val="9BC850"/>
+                </a:solidFill>
+                <a:latin typeface="Arial" panose="020B0604020202020204"/>
+                <a:cs typeface="Arial" panose="020B0604020202020204"/>
+              </a:rPr>
+              <a:t>needed</a:t>
             </a:r>
             <a:endParaRPr sz="3600">
               <a:latin typeface="Arial" panose="020B0604020202020204"/>
@@ -29077,7 +28356,118 @@
       </p:sp>
       <p:sp>
         <p:nvSpPr>
-          <p:cNvPr id="9" name="Slide Number Placeholder 8"/>
+          <p:cNvPr id="9" name="object 9"/>
+          <p:cNvSpPr txBox="1"/>
+          <p:nvPr/>
+        </p:nvSpPr>
+        <p:spPr>
+          <a:xfrm>
+            <a:off x="4038600" y="6430509"/>
+            <a:ext cx="8763000" cy="677545"/>
+          </a:xfrm>
+          <a:prstGeom prst="rect">
+            <a:avLst/>
+          </a:prstGeom>
+          <a:ln w="9525">
+            <a:solidFill>
+              <a:srgbClr val="9BC850"/>
+            </a:solidFill>
+          </a:ln>
+        </p:spPr>
+        <p:txBody>
+          <a:bodyPr vert="horz" wrap="square" lIns="0" tIns="81915" rIns="0" bIns="0" rtlCol="0">
+            <a:spAutoFit/>
+          </a:bodyPr>
+          <a:lstStyle/>
+          <a:p>
+            <a:pPr marL="182245">
+              <a:lnSpc>
+                <a:spcPct val="100000"/>
+              </a:lnSpc>
+              <a:spcBef>
+                <a:spcPts val="645"/>
+              </a:spcBef>
+            </a:pPr>
+            <a:r>
+              <a:rPr sz="3200" dirty="0">
+                <a:solidFill>
+                  <a:srgbClr val="800000"/>
+                </a:solidFill>
+                <a:latin typeface="Courier New" panose="02070309020205020404"/>
+                <a:cs typeface="Courier New" panose="02070309020205020404"/>
+              </a:rPr>
+              <a:t>&lt;td&gt;</a:t>
+            </a:r>
+            <a:r>
+              <a:rPr sz="3200" dirty="0">
+                <a:solidFill>
+                  <a:srgbClr val="404040"/>
+                </a:solidFill>
+                <a:latin typeface="Courier New" panose="02070309020205020404"/>
+                <a:cs typeface="Courier New" panose="02070309020205020404"/>
+              </a:rPr>
+              <a:t>{{</a:t>
+            </a:r>
+            <a:r>
+              <a:rPr sz="3200" spc="-35" dirty="0">
+                <a:solidFill>
+                  <a:srgbClr val="404040"/>
+                </a:solidFill>
+                <a:latin typeface="Courier New" panose="02070309020205020404"/>
+                <a:cs typeface="Courier New" panose="02070309020205020404"/>
+              </a:rPr>
+              <a:t> </a:t>
+            </a:r>
+            <a:r>
+              <a:rPr sz="3200" dirty="0">
+                <a:solidFill>
+                  <a:srgbClr val="404040"/>
+                </a:solidFill>
+                <a:latin typeface="Courier New" panose="02070309020205020404"/>
+                <a:cs typeface="Courier New" panose="02070309020205020404"/>
+              </a:rPr>
+              <a:t>product.productName</a:t>
+            </a:r>
+            <a:r>
+              <a:rPr sz="3200" spc="-35" dirty="0">
+                <a:solidFill>
+                  <a:srgbClr val="404040"/>
+                </a:solidFill>
+                <a:latin typeface="Courier New" panose="02070309020205020404"/>
+                <a:cs typeface="Courier New" panose="02070309020205020404"/>
+              </a:rPr>
+              <a:t> </a:t>
+            </a:r>
+            <a:r>
+              <a:rPr sz="3200" dirty="0">
+                <a:solidFill>
+                  <a:srgbClr val="404040"/>
+                </a:solidFill>
+                <a:latin typeface="Courier New" panose="02070309020205020404"/>
+                <a:cs typeface="Courier New" panose="02070309020205020404"/>
+              </a:rPr>
+              <a:t>}}</a:t>
+            </a:r>
+            <a:r>
+              <a:rPr sz="3200" dirty="0">
+                <a:solidFill>
+                  <a:srgbClr val="800000"/>
+                </a:solidFill>
+                <a:latin typeface="Courier New" panose="02070309020205020404"/>
+                <a:cs typeface="Courier New" panose="02070309020205020404"/>
+              </a:rPr>
+              <a:t>&lt;/td&gt;</a:t>
+            </a:r>
+            <a:endParaRPr sz="3200">
+              <a:latin typeface="Courier New" panose="02070309020205020404"/>
+              <a:cs typeface="Courier New" panose="02070309020205020404"/>
+            </a:endParaRPr>
+          </a:p>
+        </p:txBody>
+      </p:sp>
+      <p:sp>
+        <p:nvSpPr>
+          <p:cNvPr id="10" name="Slide Number Placeholder 9"/>
           <p:cNvSpPr>
             <a:spLocks noGrp="1"/>
           </p:cNvSpPr>
@@ -29317,25 +28707,25 @@
         </p:nvSpPr>
         <p:spPr>
           <a:xfrm>
-            <a:off x="291896" y="374395"/>
-            <a:ext cx="2165985" cy="1604645"/>
+            <a:off x="286181" y="374395"/>
+            <a:ext cx="2209800" cy="2165350"/>
           </a:xfrm>
           <a:prstGeom prst="rect">
             <a:avLst/>
           </a:prstGeom>
         </p:spPr>
         <p:txBody>
-          <a:bodyPr vert="horz" wrap="square" lIns="0" tIns="72390" rIns="0" bIns="0" rtlCol="0">
+          <a:bodyPr vert="horz" wrap="square" lIns="0" tIns="30480" rIns="0" bIns="0" rtlCol="0">
             <a:spAutoFit/>
           </a:bodyPr>
           <a:lstStyle/>
           <a:p>
-            <a:pPr marL="12700" marR="5080">
+            <a:pPr marL="12700" marR="5080" indent="5715">
               <a:lnSpc>
-                <a:spcPts val="3910"/>
+                <a:spcPct val="97000"/>
               </a:lnSpc>
               <a:spcBef>
-                <a:spcPts val="570"/>
+                <a:spcPts val="240"/>
               </a:spcBef>
             </a:pPr>
             <a:r>
@@ -29359,19 +28749,79 @@
               <a:t> </a:t>
             </a:r>
             <a:r>
+              <a:rPr sz="3600" b="1" spc="-40" dirty="0">
+                <a:solidFill>
+                  <a:srgbClr val="727272"/>
+                </a:solidFill>
+                <a:latin typeface="Arial" panose="020B0604020202020204"/>
+                <a:cs typeface="Arial" panose="020B0604020202020204"/>
+              </a:rPr>
+              <a:t>Checklist: </a:t>
+            </a:r>
+            <a:r>
+              <a:rPr sz="3600" b="1" spc="-990" dirty="0">
+                <a:solidFill>
+                  <a:srgbClr val="727272"/>
+                </a:solidFill>
+                <a:latin typeface="Arial" panose="020B0604020202020204"/>
+                <a:cs typeface="Arial" panose="020B0604020202020204"/>
+              </a:rPr>
+              <a:t> </a:t>
+            </a:r>
+            <a:r>
+              <a:rPr sz="3600" b="1" spc="5" dirty="0">
+                <a:solidFill>
+                  <a:srgbClr val="FFFFFF"/>
+                </a:solidFill>
+                <a:latin typeface="Arial" panose="020B0604020202020204"/>
+                <a:cs typeface="Arial" panose="020B0604020202020204"/>
+              </a:rPr>
+              <a:t>Structural </a:t>
+            </a:r>
+            <a:r>
+              <a:rPr sz="3600" b="1" spc="-990" dirty="0">
+                <a:solidFill>
+                  <a:srgbClr val="FFFFFF"/>
+                </a:solidFill>
+                <a:latin typeface="Arial" panose="020B0604020202020204"/>
+                <a:cs typeface="Arial" panose="020B0604020202020204"/>
+              </a:rPr>
+              <a:t> </a:t>
+            </a:r>
+            <a:r>
+              <a:rPr sz="3600" b="1" spc="-90" dirty="0">
+                <a:solidFill>
+                  <a:srgbClr val="FFFFFF"/>
+                </a:solidFill>
+                <a:latin typeface="Arial" panose="020B0604020202020204"/>
+                <a:cs typeface="Arial" panose="020B0604020202020204"/>
+              </a:rPr>
+              <a:t>D</a:t>
+            </a:r>
+            <a:r>
+              <a:rPr sz="3600" b="1" spc="-65" dirty="0">
+                <a:solidFill>
+                  <a:srgbClr val="FFFFFF"/>
+                </a:solidFill>
+                <a:latin typeface="Arial" panose="020B0604020202020204"/>
+                <a:cs typeface="Arial" panose="020B0604020202020204"/>
+              </a:rPr>
+              <a:t>i</a:t>
+            </a:r>
+            <a:r>
+              <a:rPr sz="3600" b="1" spc="30" dirty="0">
+                <a:solidFill>
+                  <a:srgbClr val="FFFFFF"/>
+                </a:solidFill>
+                <a:latin typeface="Arial" panose="020B0604020202020204"/>
+                <a:cs typeface="Arial" panose="020B0604020202020204"/>
+              </a:rPr>
+              <a:t>re</a:t>
+            </a:r>
+            <a:r>
               <a:rPr sz="3600" b="1" spc="70" dirty="0">
                 <a:solidFill>
-                  <a:srgbClr val="727272"/>
-                </a:solidFill>
-                <a:latin typeface="Arial" panose="020B0604020202020204"/>
-                <a:cs typeface="Arial" panose="020B0604020202020204"/>
-              </a:rPr>
-              <a:t>Che</a:t>
-            </a:r>
-            <a:r>
-              <a:rPr sz="3600" b="1" spc="50" dirty="0">
-                <a:solidFill>
-                  <a:srgbClr val="727272"/>
+                  <a:srgbClr val="FFFFFF"/>
                 </a:solidFill>
                 <a:latin typeface="Arial" panose="020B0604020202020204"/>
                 <a:cs typeface="Arial" panose="020B0604020202020204"/>
@@ -29379,59 +28829,58 @@
               <a:t>c</a:t>
             </a:r>
             <a:r>
-              <a:rPr sz="3600" b="1" spc="-135" dirty="0">
-                <a:solidFill>
-                  <a:srgbClr val="727272"/>
-                </a:solidFill>
-                <a:latin typeface="Arial" panose="020B0604020202020204"/>
-                <a:cs typeface="Arial" panose="020B0604020202020204"/>
-              </a:rPr>
-              <a:t>k</a:t>
+              <a:rPr sz="3600" b="1" spc="229" dirty="0">
+                <a:solidFill>
+                  <a:srgbClr val="FFFFFF"/>
+                </a:solidFill>
+                <a:latin typeface="Arial" panose="020B0604020202020204"/>
+                <a:cs typeface="Arial" panose="020B0604020202020204"/>
+              </a:rPr>
+              <a:t>t</a:t>
             </a:r>
             <a:r>
               <a:rPr sz="3600" b="1" spc="-65" dirty="0">
                 <a:solidFill>
-                  <a:srgbClr val="727272"/>
-                </a:solidFill>
-                <a:latin typeface="Arial" panose="020B0604020202020204"/>
-                <a:cs typeface="Arial" panose="020B0604020202020204"/>
-              </a:rPr>
-              <a:t>li</a:t>
-            </a:r>
-            <a:r>
-              <a:rPr sz="3600" b="1" spc="-125" dirty="0">
-                <a:solidFill>
-                  <a:srgbClr val="727272"/>
-                </a:solidFill>
-                <a:latin typeface="Arial" panose="020B0604020202020204"/>
-                <a:cs typeface="Arial" panose="020B0604020202020204"/>
-              </a:rPr>
-              <a:t>st:</a:t>
+                  <a:srgbClr val="FFFFFF"/>
+                </a:solidFill>
+                <a:latin typeface="Arial" panose="020B0604020202020204"/>
+                <a:cs typeface="Arial" panose="020B0604020202020204"/>
+              </a:rPr>
+              <a:t>i</a:t>
+            </a:r>
+            <a:r>
+              <a:rPr sz="3600" b="1" spc="-55" dirty="0">
+                <a:solidFill>
+                  <a:srgbClr val="FFFFFF"/>
+                </a:solidFill>
+                <a:latin typeface="Arial" panose="020B0604020202020204"/>
+                <a:cs typeface="Arial" panose="020B0604020202020204"/>
+              </a:rPr>
+              <a:t>v</a:t>
+            </a:r>
+            <a:r>
+              <a:rPr sz="3600" b="1" spc="114" dirty="0">
+                <a:solidFill>
+                  <a:srgbClr val="FFFFFF"/>
+                </a:solidFill>
+                <a:latin typeface="Arial" panose="020B0604020202020204"/>
+                <a:cs typeface="Arial" panose="020B0604020202020204"/>
+              </a:rPr>
+              <a:t>e</a:t>
+            </a:r>
+            <a:r>
+              <a:rPr sz="3600" b="1" spc="-260" dirty="0">
+                <a:solidFill>
+                  <a:srgbClr val="FFFFFF"/>
+                </a:solidFill>
+                <a:latin typeface="Arial" panose="020B0604020202020204"/>
+                <a:cs typeface="Arial" panose="020B0604020202020204"/>
+              </a:rPr>
+              <a:t>s</a:t>
             </a:r>
             <a:endParaRPr sz="3600">
               <a:latin typeface="Arial" panose="020B0604020202020204"/>
               <a:cs typeface="Arial" panose="020B0604020202020204"/>
-            </a:endParaRPr>
-          </a:p>
-          <a:p>
-            <a:pPr marL="14605">
-              <a:lnSpc>
-                <a:spcPts val="4140"/>
-              </a:lnSpc>
-            </a:pPr>
-            <a:r>
-              <a:rPr sz="3600" dirty="0">
-                <a:solidFill>
-                  <a:srgbClr val="FFFFFF"/>
-                </a:solidFill>
-                <a:latin typeface="Courier New" panose="02070309020205020404"/>
-                <a:cs typeface="Courier New" panose="02070309020205020404"/>
-              </a:rPr>
-              <a:t>*ngIf</a:t>
-            </a:r>
-            <a:endParaRPr sz="3600">
-              <a:latin typeface="Courier New" panose="02070309020205020404"/>
-              <a:cs typeface="Courier New" panose="02070309020205020404"/>
             </a:endParaRPr>
           </a:p>
         </p:txBody>
@@ -29444,8 +28893,8 @@
         </p:nvSpPr>
         <p:spPr>
           <a:xfrm>
-            <a:off x="4072049" y="3404108"/>
-            <a:ext cx="12393295" cy="2555240"/>
+            <a:off x="4072049" y="4281932"/>
+            <a:ext cx="8696960" cy="1680845"/>
           </a:xfrm>
           <a:prstGeom prst="rect">
             <a:avLst/>
@@ -29466,37 +28915,37 @@
               </a:spcBef>
             </a:pPr>
             <a:r>
-              <a:rPr sz="3600" b="1" spc="-60" dirty="0">
+              <a:rPr sz="3600" dirty="0">
                 <a:solidFill>
                   <a:srgbClr val="9BC850"/>
                 </a:solidFill>
-                <a:latin typeface="Arial" panose="020B0604020202020204"/>
-                <a:cs typeface="Arial" panose="020B0604020202020204"/>
-              </a:rPr>
-              <a:t>Add</a:t>
-            </a:r>
-            <a:r>
-              <a:rPr sz="3600" b="1" spc="-70" dirty="0">
+                <a:latin typeface="Courier New" panose="02070309020205020404"/>
+                <a:cs typeface="Courier New" panose="02070309020205020404"/>
+              </a:rPr>
+              <a:t>*ngIf</a:t>
+            </a:r>
+            <a:r>
+              <a:rPr sz="3600" spc="-45" dirty="0">
                 <a:solidFill>
                   <a:srgbClr val="9BC850"/>
                 </a:solidFill>
-                <a:latin typeface="Arial" panose="020B0604020202020204"/>
-                <a:cs typeface="Arial" panose="020B0604020202020204"/>
-              </a:rPr>
-              <a:t> </a:t>
-            </a:r>
-            <a:r>
-              <a:rPr sz="3600" b="1" spc="-50" dirty="0">
+                <a:latin typeface="Courier New" panose="02070309020205020404"/>
+                <a:cs typeface="Courier New" panose="02070309020205020404"/>
+              </a:rPr>
+              <a:t> </a:t>
+            </a:r>
+            <a:r>
+              <a:rPr sz="3600" b="1" spc="-10" dirty="0">
                 <a:solidFill>
                   <a:srgbClr val="9BC850"/>
                 </a:solidFill>
                 <a:latin typeface="Arial" panose="020B0604020202020204"/>
                 <a:cs typeface="Arial" panose="020B0604020202020204"/>
               </a:rPr>
-              <a:t>or</a:t>
-            </a:r>
-            <a:r>
-              <a:rPr sz="3600" b="1" spc="-65" dirty="0">
+              <a:t>and</a:t>
+            </a:r>
+            <a:r>
+              <a:rPr sz="3600" b="1" spc="-85" dirty="0">
                 <a:solidFill>
                   <a:srgbClr val="9BC850"/>
                 </a:solidFill>
@@ -29506,198 +28955,85 @@
               <a:t> </a:t>
             </a:r>
             <a:r>
-              <a:rPr sz="3600" b="1" dirty="0">
+              <a:rPr sz="3600" dirty="0">
                 <a:solidFill>
                   <a:srgbClr val="9BC850"/>
                 </a:solidFill>
-                <a:latin typeface="Arial" panose="020B0604020202020204"/>
-                <a:cs typeface="Arial" panose="020B0604020202020204"/>
-              </a:rPr>
-              <a:t>remove</a:t>
-            </a:r>
-            <a:r>
-              <a:rPr sz="3600" b="1" spc="-65" dirty="0">
-                <a:solidFill>
-                  <a:srgbClr val="9BC850"/>
-                </a:solidFill>
-                <a:latin typeface="Arial" panose="020B0604020202020204"/>
-                <a:cs typeface="Arial" panose="020B0604020202020204"/>
-              </a:rPr>
-              <a:t> </a:t>
-            </a:r>
-            <a:r>
-              <a:rPr sz="3600" b="1" spc="-25" dirty="0">
-                <a:solidFill>
-                  <a:srgbClr val="9BC850"/>
-                </a:solidFill>
-                <a:latin typeface="Arial" panose="020B0604020202020204"/>
-                <a:cs typeface="Arial" panose="020B0604020202020204"/>
-              </a:rPr>
-              <a:t>an</a:t>
-            </a:r>
-            <a:r>
-              <a:rPr sz="3600" b="1" spc="-60" dirty="0">
-                <a:solidFill>
-                  <a:srgbClr val="9BC850"/>
-                </a:solidFill>
-                <a:latin typeface="Arial" panose="020B0604020202020204"/>
-                <a:cs typeface="Arial" panose="020B0604020202020204"/>
-              </a:rPr>
-              <a:t> </a:t>
-            </a:r>
-            <a:r>
-              <a:rPr sz="3600" b="1" spc="60" dirty="0">
-                <a:solidFill>
-                  <a:srgbClr val="9BC850"/>
-                </a:solidFill>
-                <a:latin typeface="Arial" panose="020B0604020202020204"/>
-                <a:cs typeface="Arial" panose="020B0604020202020204"/>
-              </a:rPr>
-              <a:t>element</a:t>
-            </a:r>
-            <a:r>
-              <a:rPr sz="3600" b="1" spc="-65" dirty="0">
-                <a:solidFill>
-                  <a:srgbClr val="9BC850"/>
-                </a:solidFill>
-                <a:latin typeface="Arial" panose="020B0604020202020204"/>
-                <a:cs typeface="Arial" panose="020B0604020202020204"/>
-              </a:rPr>
-              <a:t> </a:t>
-            </a:r>
-            <a:r>
-              <a:rPr sz="3600" b="1" spc="-10" dirty="0">
-                <a:solidFill>
-                  <a:srgbClr val="9BC850"/>
-                </a:solidFill>
-                <a:latin typeface="Arial" panose="020B0604020202020204"/>
-                <a:cs typeface="Arial" panose="020B0604020202020204"/>
-              </a:rPr>
-              <a:t>and</a:t>
-            </a:r>
-            <a:r>
-              <a:rPr sz="3600" b="1" spc="-65" dirty="0">
-                <a:solidFill>
-                  <a:srgbClr val="9BC850"/>
-                </a:solidFill>
-                <a:latin typeface="Arial" panose="020B0604020202020204"/>
-                <a:cs typeface="Arial" panose="020B0604020202020204"/>
-              </a:rPr>
-              <a:t> </a:t>
-            </a:r>
-            <a:r>
-              <a:rPr sz="3600" b="1" spc="-45" dirty="0">
-                <a:solidFill>
-                  <a:srgbClr val="9BC850"/>
-                </a:solidFill>
-                <a:latin typeface="Arial" panose="020B0604020202020204"/>
-                <a:cs typeface="Arial" panose="020B0604020202020204"/>
-              </a:rPr>
-              <a:t>its</a:t>
-            </a:r>
-            <a:r>
-              <a:rPr sz="3600" b="1" spc="-65" dirty="0">
-                <a:solidFill>
-                  <a:srgbClr val="9BC850"/>
-                </a:solidFill>
-                <a:latin typeface="Arial" panose="020B0604020202020204"/>
-                <a:cs typeface="Arial" panose="020B0604020202020204"/>
-              </a:rPr>
-              <a:t> </a:t>
-            </a:r>
-            <a:r>
-              <a:rPr sz="3600" b="1" dirty="0">
-                <a:solidFill>
-                  <a:srgbClr val="9BC850"/>
-                </a:solidFill>
-                <a:latin typeface="Arial" panose="020B0604020202020204"/>
-                <a:cs typeface="Arial" panose="020B0604020202020204"/>
-              </a:rPr>
-              <a:t>children</a:t>
-            </a:r>
-            <a:r>
-              <a:rPr sz="3600" b="1" spc="-60" dirty="0">
-                <a:solidFill>
-                  <a:srgbClr val="9BC850"/>
-                </a:solidFill>
-                <a:latin typeface="Arial" panose="020B0604020202020204"/>
-                <a:cs typeface="Arial" panose="020B0604020202020204"/>
-              </a:rPr>
-              <a:t> </a:t>
-            </a:r>
-            <a:r>
-              <a:rPr sz="3600" b="1" spc="-30" dirty="0">
-                <a:solidFill>
-                  <a:srgbClr val="9BC850"/>
-                </a:solidFill>
-                <a:latin typeface="Arial" panose="020B0604020202020204"/>
-                <a:cs typeface="Arial" panose="020B0604020202020204"/>
-              </a:rPr>
-              <a:t>from</a:t>
-            </a:r>
-            <a:r>
-              <a:rPr sz="3600" b="1" spc="-70" dirty="0">
-                <a:solidFill>
-                  <a:srgbClr val="9BC850"/>
-                </a:solidFill>
-                <a:latin typeface="Arial" panose="020B0604020202020204"/>
-                <a:cs typeface="Arial" panose="020B0604020202020204"/>
-              </a:rPr>
-              <a:t> </a:t>
-            </a:r>
-            <a:r>
-              <a:rPr sz="3600" b="1" spc="110" dirty="0">
-                <a:solidFill>
-                  <a:srgbClr val="9BC850"/>
-                </a:solidFill>
-                <a:latin typeface="Arial" panose="020B0604020202020204"/>
-                <a:cs typeface="Arial" panose="020B0604020202020204"/>
-              </a:rPr>
-              <a:t>the</a:t>
-            </a:r>
-            <a:r>
-              <a:rPr sz="3600" b="1" spc="-65" dirty="0">
-                <a:solidFill>
-                  <a:srgbClr val="9BC850"/>
-                </a:solidFill>
-                <a:latin typeface="Arial" panose="020B0604020202020204"/>
-                <a:cs typeface="Arial" panose="020B0604020202020204"/>
-              </a:rPr>
-              <a:t> </a:t>
-            </a:r>
-            <a:r>
-              <a:rPr sz="3600" b="1" spc="30" dirty="0">
-                <a:solidFill>
-                  <a:srgbClr val="9BC850"/>
-                </a:solidFill>
-                <a:latin typeface="Arial" panose="020B0604020202020204"/>
-                <a:cs typeface="Arial" panose="020B0604020202020204"/>
-              </a:rPr>
-              <a:t>DOM</a:t>
+                <a:latin typeface="Courier New" panose="02070309020205020404"/>
+                <a:cs typeface="Courier New" panose="02070309020205020404"/>
+              </a:rPr>
+              <a:t>*ngFor</a:t>
             </a:r>
             <a:endParaRPr sz="3600">
-              <a:latin typeface="Arial" panose="020B0604020202020204"/>
-              <a:cs typeface="Arial" panose="020B0604020202020204"/>
+              <a:latin typeface="Courier New" panose="02070309020205020404"/>
+              <a:cs typeface="Courier New" panose="02070309020205020404"/>
             </a:endParaRPr>
           </a:p>
           <a:p>
-            <a:pPr marL="12700">
+            <a:pPr marL="797560" indent="-433705">
               <a:lnSpc>
                 <a:spcPct val="100000"/>
               </a:lnSpc>
               <a:spcBef>
-                <a:spcPts val="2660"/>
+                <a:spcPts val="70"/>
               </a:spcBef>
+              <a:buSzPct val="75000"/>
+              <a:buFont typeface="Lucida Sans Unicode" panose="020B0602030504020204"/>
+              <a:buChar char="-"/>
+              <a:tabLst>
+                <a:tab pos="797560" algn="l"/>
+                <a:tab pos="798195" algn="l"/>
+              </a:tabLst>
             </a:pPr>
             <a:r>
-              <a:rPr sz="3600" b="1" spc="-85" dirty="0">
+              <a:rPr sz="3600" b="1" spc="-35" dirty="0">
                 <a:solidFill>
                   <a:srgbClr val="9BC850"/>
                 </a:solidFill>
                 <a:latin typeface="Arial" panose="020B0604020202020204"/>
                 <a:cs typeface="Arial" panose="020B0604020202020204"/>
               </a:rPr>
-              <a:t>Expression</a:t>
+              <a:t>Prefix</a:t>
+            </a:r>
+            <a:r>
+              <a:rPr sz="3600" b="1" spc="-80" dirty="0">
+                <a:solidFill>
+                  <a:srgbClr val="9BC850"/>
+                </a:solidFill>
+                <a:latin typeface="Arial" panose="020B0604020202020204"/>
+                <a:cs typeface="Arial" panose="020B0604020202020204"/>
+              </a:rPr>
+              <a:t> </a:t>
+            </a:r>
+            <a:r>
+              <a:rPr sz="3600" b="1" spc="40" dirty="0">
+                <a:solidFill>
+                  <a:srgbClr val="9BC850"/>
+                </a:solidFill>
+                <a:latin typeface="Arial" panose="020B0604020202020204"/>
+                <a:cs typeface="Arial" panose="020B0604020202020204"/>
+              </a:rPr>
+              <a:t>with</a:t>
+            </a:r>
+            <a:r>
+              <a:rPr sz="3600" b="1" spc="-80" dirty="0">
+                <a:solidFill>
+                  <a:srgbClr val="9BC850"/>
+                </a:solidFill>
+                <a:latin typeface="Arial" panose="020B0604020202020204"/>
+                <a:cs typeface="Arial" panose="020B0604020202020204"/>
+              </a:rPr>
+              <a:t> </a:t>
+            </a:r>
+            <a:r>
+              <a:rPr sz="3600" b="1" spc="-25" dirty="0">
+                <a:solidFill>
+                  <a:srgbClr val="9BC850"/>
+                </a:solidFill>
+                <a:latin typeface="Arial" panose="020B0604020202020204"/>
+                <a:cs typeface="Arial" panose="020B0604020202020204"/>
+              </a:rPr>
+              <a:t>an</a:t>
             </a:r>
             <a:r>
               <a:rPr sz="3600" b="1" spc="-75" dirty="0">
@@ -29710,34 +29046,14 @@
               <a:t> </a:t>
             </a:r>
             <a:r>
-              <a:rPr sz="3600" b="1" spc="-165" dirty="0">
+              <a:rPr sz="3600" b="1" spc="-60" dirty="0">
                 <a:solidFill>
                   <a:srgbClr val="9BC850"/>
                 </a:solidFill>
                 <a:latin typeface="Arial" panose="020B0604020202020204"/>
                 <a:cs typeface="Arial" panose="020B0604020202020204"/>
               </a:rPr>
-              <a:t>is</a:t>
-            </a:r>
-            <a:r>
-              <a:rPr sz="3600" b="1" spc="-70" dirty="0">
-                <a:solidFill>
-                  <a:srgbClr val="9BC850"/>
-                </a:solidFill>
-                <a:latin typeface="Arial" panose="020B0604020202020204"/>
-                <a:cs typeface="Arial" panose="020B0604020202020204"/>
-              </a:rPr>
-              <a:t> </a:t>
-            </a:r>
-            <a:r>
-              <a:rPr sz="3600" b="1" spc="-15" dirty="0">
-                <a:solidFill>
-                  <a:srgbClr val="9BC850"/>
-                </a:solidFill>
-                <a:latin typeface="Arial" panose="020B0604020202020204"/>
-                <a:cs typeface="Arial" panose="020B0604020202020204"/>
-              </a:rPr>
-              <a:t>evaluated:</a:t>
+              <a:t>asterisk</a:t>
             </a:r>
             <a:endParaRPr sz="3600">
               <a:latin typeface="Arial" panose="020B0604020202020204"/>
@@ -29747,7 +29063,7 @@
           <a:p>
             <a:pPr marL="797560" indent="-433705">
               <a:lnSpc>
-                <a:spcPts val="4310"/>
+                <a:spcPct val="100000"/>
               </a:lnSpc>
               <a:buSzPct val="75000"/>
               <a:buFont typeface="Lucida Sans Unicode" panose="020B0602030504020204"/>
@@ -29758,17 +29074,17 @@
               </a:tabLst>
             </a:pPr>
             <a:r>
-              <a:rPr sz="3600" b="1" spc="-15" dirty="0">
+              <a:rPr sz="3600" b="1" spc="-140" dirty="0">
                 <a:solidFill>
                   <a:srgbClr val="9BC850"/>
                 </a:solidFill>
                 <a:latin typeface="Arial" panose="020B0604020202020204"/>
                 <a:cs typeface="Arial" panose="020B0604020202020204"/>
               </a:rPr>
-              <a:t>true:</a:t>
-            </a:r>
-            <a:r>
-              <a:rPr sz="3600" b="1" spc="-70" dirty="0">
+              <a:t>Assign</a:t>
+            </a:r>
+            <a:r>
+              <a:rPr sz="3600" b="1" spc="-60" dirty="0">
                 <a:solidFill>
                   <a:srgbClr val="9BC850"/>
                 </a:solidFill>
@@ -29778,14 +29094,14 @@
               <a:t> </a:t>
             </a:r>
             <a:r>
-              <a:rPr sz="3600" b="1" spc="15" dirty="0">
+              <a:rPr sz="3600" b="1" spc="75" dirty="0">
                 <a:solidFill>
                   <a:srgbClr val="9BC850"/>
                 </a:solidFill>
                 <a:latin typeface="Arial" panose="020B0604020202020204"/>
                 <a:cs typeface="Arial" panose="020B0604020202020204"/>
               </a:rPr>
-              <a:t>elements</a:t>
+              <a:t>to</a:t>
             </a:r>
             <a:r>
               <a:rPr sz="3600" b="1" spc="-65" dirty="0">
@@ -29798,17 +29114,17 @@
               <a:t> </a:t>
             </a:r>
             <a:r>
-              <a:rPr sz="3600" b="1" spc="30" dirty="0">
+              <a:rPr sz="3600" b="1" spc="-30" dirty="0">
                 <a:solidFill>
                   <a:srgbClr val="9BC850"/>
                 </a:solidFill>
                 <a:latin typeface="Arial" panose="020B0604020202020204"/>
                 <a:cs typeface="Arial" panose="020B0604020202020204"/>
               </a:rPr>
-              <a:t>added</a:t>
-            </a:r>
-            <a:r>
-              <a:rPr sz="3600" b="1" spc="-70" dirty="0">
+              <a:t>a</a:t>
+            </a:r>
+            <a:r>
+              <a:rPr sz="3600" b="1" spc="-65" dirty="0">
                 <a:solidFill>
                   <a:srgbClr val="9BC850"/>
                 </a:solidFill>
@@ -29818,17 +29134,17 @@
               <a:t> </a:t>
             </a:r>
             <a:r>
-              <a:rPr sz="3600" b="1" spc="75" dirty="0">
+              <a:rPr sz="3600" b="1" spc="50" dirty="0">
                 <a:solidFill>
                   <a:srgbClr val="9BC850"/>
                 </a:solidFill>
                 <a:latin typeface="Arial" panose="020B0604020202020204"/>
                 <a:cs typeface="Arial" panose="020B0604020202020204"/>
               </a:rPr>
-              <a:t>to</a:t>
-            </a:r>
-            <a:r>
-              <a:rPr sz="3600" b="1" spc="-75" dirty="0">
+              <a:t>quoted</a:t>
+            </a:r>
+            <a:r>
+              <a:rPr sz="3600" b="1" spc="-65" dirty="0">
                 <a:solidFill>
                   <a:srgbClr val="9BC850"/>
                 </a:solidFill>
@@ -29838,14 +29154,14 @@
               <a:t> </a:t>
             </a:r>
             <a:r>
-              <a:rPr sz="3600" b="1" spc="110" dirty="0">
+              <a:rPr sz="3600" b="1" spc="-25" dirty="0">
                 <a:solidFill>
                   <a:srgbClr val="9BC850"/>
                 </a:solidFill>
                 <a:latin typeface="Arial" panose="020B0604020202020204"/>
                 <a:cs typeface="Arial" panose="020B0604020202020204"/>
               </a:rPr>
-              <a:t>the</a:t>
+              <a:t>string</a:t>
             </a:r>
             <a:r>
               <a:rPr sz="3600" b="1" spc="-65" dirty="0">
@@ -29858,142 +29174,14 @@
               <a:t> </a:t>
             </a:r>
             <a:r>
-              <a:rPr sz="3600" b="1" spc="30" dirty="0">
+              <a:rPr sz="3600" b="1" spc="-60" dirty="0">
                 <a:solidFill>
                   <a:srgbClr val="9BC850"/>
                 </a:solidFill>
                 <a:latin typeface="Arial" panose="020B0604020202020204"/>
                 <a:cs typeface="Arial" panose="020B0604020202020204"/>
               </a:rPr>
-              <a:t>DOM</a:t>
-            </a:r>
-            <a:endParaRPr sz="3600">
-              <a:latin typeface="Arial" panose="020B0604020202020204"/>
-              <a:cs typeface="Arial" panose="020B0604020202020204"/>
-            </a:endParaRPr>
-          </a:p>
-          <a:p>
-            <a:pPr marL="797560" indent="-433705">
-              <a:lnSpc>
-                <a:spcPts val="4310"/>
-              </a:lnSpc>
-              <a:buSzPct val="75000"/>
-              <a:buFont typeface="Lucida Sans Unicode" panose="020B0602030504020204"/>
-              <a:buChar char="-"/>
-              <a:tabLst>
-                <a:tab pos="797560" algn="l"/>
-                <a:tab pos="798195" algn="l"/>
-              </a:tabLst>
-            </a:pPr>
-            <a:r>
-              <a:rPr sz="3600" b="1" spc="-90" dirty="0">
-                <a:solidFill>
-                  <a:srgbClr val="9BC850"/>
-                </a:solidFill>
-                <a:latin typeface="Arial" panose="020B0604020202020204"/>
-                <a:cs typeface="Arial" panose="020B0604020202020204"/>
-              </a:rPr>
-              <a:t>false:</a:t>
-            </a:r>
-            <a:r>
-              <a:rPr sz="3600" b="1" spc="-65" dirty="0">
-                <a:solidFill>
-                  <a:srgbClr val="9BC850"/>
-                </a:solidFill>
-                <a:latin typeface="Arial" panose="020B0604020202020204"/>
-                <a:cs typeface="Arial" panose="020B0604020202020204"/>
-              </a:rPr>
-              <a:t> </a:t>
-            </a:r>
-            <a:r>
-              <a:rPr sz="3600" b="1" spc="15" dirty="0">
-                <a:solidFill>
-                  <a:srgbClr val="9BC850"/>
-                </a:solidFill>
-                <a:latin typeface="Arial" panose="020B0604020202020204"/>
-                <a:cs typeface="Arial" panose="020B0604020202020204"/>
-              </a:rPr>
-              <a:t>elements</a:t>
-            </a:r>
-            <a:r>
-              <a:rPr sz="3600" b="1" spc="-65" dirty="0">
-                <a:solidFill>
-                  <a:srgbClr val="9BC850"/>
-                </a:solidFill>
-                <a:latin typeface="Arial" panose="020B0604020202020204"/>
-                <a:cs typeface="Arial" panose="020B0604020202020204"/>
-              </a:rPr>
-              <a:t> </a:t>
-            </a:r>
-            <a:r>
-              <a:rPr sz="3600" b="1" dirty="0">
-                <a:solidFill>
-                  <a:srgbClr val="9BC850"/>
-                </a:solidFill>
-                <a:latin typeface="Arial" panose="020B0604020202020204"/>
-                <a:cs typeface="Arial" panose="020B0604020202020204"/>
-              </a:rPr>
-              <a:t>removed</a:t>
-            </a:r>
-            <a:r>
-              <a:rPr sz="3600" b="1" spc="-70" dirty="0">
-                <a:solidFill>
-                  <a:srgbClr val="9BC850"/>
-                </a:solidFill>
-                <a:latin typeface="Arial" panose="020B0604020202020204"/>
-                <a:cs typeface="Arial" panose="020B0604020202020204"/>
-              </a:rPr>
-              <a:t> </a:t>
-            </a:r>
-            <a:r>
-              <a:rPr sz="3600" b="1" spc="-30" dirty="0">
-                <a:solidFill>
-                  <a:srgbClr val="9BC850"/>
-                </a:solidFill>
-                <a:latin typeface="Arial" panose="020B0604020202020204"/>
-                <a:cs typeface="Arial" panose="020B0604020202020204"/>
-              </a:rPr>
-              <a:t>from</a:t>
-            </a:r>
-            <a:r>
-              <a:rPr sz="3600" b="1" spc="-75" dirty="0">
-                <a:solidFill>
-                  <a:srgbClr val="9BC850"/>
-                </a:solidFill>
-                <a:latin typeface="Arial" panose="020B0604020202020204"/>
-                <a:cs typeface="Arial" panose="020B0604020202020204"/>
-              </a:rPr>
-              <a:t> </a:t>
-            </a:r>
-            <a:r>
-              <a:rPr sz="3600" b="1" spc="110" dirty="0">
-                <a:solidFill>
-                  <a:srgbClr val="9BC850"/>
-                </a:solidFill>
-                <a:latin typeface="Arial" panose="020B0604020202020204"/>
-                <a:cs typeface="Arial" panose="020B0604020202020204"/>
-              </a:rPr>
-              <a:t>the</a:t>
-            </a:r>
-            <a:r>
-              <a:rPr sz="3600" b="1" spc="-65" dirty="0">
-                <a:solidFill>
-                  <a:srgbClr val="9BC850"/>
-                </a:solidFill>
-                <a:latin typeface="Arial" panose="020B0604020202020204"/>
-                <a:cs typeface="Arial" panose="020B0604020202020204"/>
-              </a:rPr>
-              <a:t> </a:t>
-            </a:r>
-            <a:r>
-              <a:rPr sz="3600" b="1" spc="30" dirty="0">
-                <a:solidFill>
-                  <a:srgbClr val="9BC850"/>
-                </a:solidFill>
-                <a:latin typeface="Arial" panose="020B0604020202020204"/>
-                <a:cs typeface="Arial" panose="020B0604020202020204"/>
-              </a:rPr>
-              <a:t>DOM</a:t>
+              <a:t>expression</a:t>
             </a:r>
             <a:endParaRPr sz="3600">
               <a:latin typeface="Arial" panose="020B0604020202020204"/>
@@ -30004,98 +29192,7 @@
       </p:sp>
       <p:sp>
         <p:nvSpPr>
-          <p:cNvPr id="9" name="object 9"/>
-          <p:cNvSpPr txBox="1"/>
-          <p:nvPr/>
-        </p:nvSpPr>
-        <p:spPr>
-          <a:xfrm>
-            <a:off x="4043140" y="6346756"/>
-            <a:ext cx="6294120" cy="677545"/>
-          </a:xfrm>
-          <a:prstGeom prst="rect">
-            <a:avLst/>
-          </a:prstGeom>
-          <a:ln w="9525">
-            <a:solidFill>
-              <a:srgbClr val="9BC850"/>
-            </a:solidFill>
-          </a:ln>
-        </p:spPr>
-        <p:txBody>
-          <a:bodyPr vert="horz" wrap="square" lIns="0" tIns="83185" rIns="0" bIns="0" rtlCol="0">
-            <a:spAutoFit/>
-          </a:bodyPr>
-          <a:lstStyle/>
-          <a:p>
-            <a:pPr marL="182245">
-              <a:lnSpc>
-                <a:spcPct val="100000"/>
-              </a:lnSpc>
-              <a:spcBef>
-                <a:spcPts val="655"/>
-              </a:spcBef>
-            </a:pPr>
-            <a:r>
-              <a:rPr sz="3200" dirty="0">
-                <a:solidFill>
-                  <a:srgbClr val="800000"/>
-                </a:solidFill>
-                <a:latin typeface="Courier New" panose="02070309020205020404"/>
-                <a:cs typeface="Courier New" panose="02070309020205020404"/>
-              </a:rPr>
-              <a:t>&lt;table</a:t>
-            </a:r>
-            <a:r>
-              <a:rPr sz="3200" spc="-60" dirty="0">
-                <a:solidFill>
-                  <a:srgbClr val="800000"/>
-                </a:solidFill>
-                <a:latin typeface="Courier New" panose="02070309020205020404"/>
-                <a:cs typeface="Courier New" panose="02070309020205020404"/>
-              </a:rPr>
-              <a:t> </a:t>
-            </a:r>
-            <a:r>
-              <a:rPr sz="3200" dirty="0">
-                <a:solidFill>
-                  <a:srgbClr val="F05A28"/>
-                </a:solidFill>
-                <a:latin typeface="Courier New" panose="02070309020205020404"/>
-                <a:cs typeface="Courier New" panose="02070309020205020404"/>
-              </a:rPr>
-              <a:t>*ngIf</a:t>
-            </a:r>
-            <a:r>
-              <a:rPr sz="3200" dirty="0">
-                <a:solidFill>
-                  <a:srgbClr val="0000FF"/>
-                </a:solidFill>
-                <a:latin typeface="Courier New" panose="02070309020205020404"/>
-                <a:cs typeface="Courier New" panose="02070309020205020404"/>
-              </a:rPr>
-              <a:t>='products'</a:t>
-            </a:r>
-            <a:r>
-              <a:rPr sz="3200" dirty="0">
-                <a:solidFill>
-                  <a:srgbClr val="800000"/>
-                </a:solidFill>
-                <a:latin typeface="Courier New" panose="02070309020205020404"/>
-                <a:cs typeface="Courier New" panose="02070309020205020404"/>
-              </a:rPr>
-              <a:t>&gt;</a:t>
-            </a:r>
-            <a:endParaRPr sz="3200">
-              <a:latin typeface="Courier New" panose="02070309020205020404"/>
-              <a:cs typeface="Courier New" panose="02070309020205020404"/>
-            </a:endParaRPr>
-          </a:p>
-        </p:txBody>
-      </p:sp>
-      <p:sp>
-        <p:nvSpPr>
-          <p:cNvPr id="10" name="Slide Number Placeholder 9"/>
+          <p:cNvPr id="9" name="Slide Number Placeholder 8"/>
           <p:cNvSpPr>
             <a:spLocks noGrp="1"/>
           </p:cNvSpPr>
@@ -31131,7 +30228,7 @@
                 <a:latin typeface="Courier New" panose="02070309020205020404"/>
                 <a:cs typeface="Courier New" panose="02070309020205020404"/>
               </a:rPr>
-              <a:t>*ngFor</a:t>
+              <a:t>*ngIf</a:t>
             </a:r>
             <a:endParaRPr sz="3600">
               <a:latin typeface="Courier New" panose="02070309020205020404"/>
@@ -31143,14 +30240,14 @@
       <p:sp>
         <p:nvSpPr>
           <p:cNvPr id="8" name="object 8"/>
-          <p:cNvSpPr txBox="1">
-            <a:spLocks noGrp="1"/>
-          </p:cNvSpPr>
-          <p:nvPr>
-            <p:ph type="body" idx="1"/>
-          </p:nvPr>
+          <p:cNvSpPr txBox="1"/>
+          <p:nvPr/>
         </p:nvSpPr>
         <p:spPr>
+          <a:xfrm>
+            <a:off x="4072049" y="3404108"/>
+            <a:ext cx="12393295" cy="2555240"/>
+          </a:xfrm>
           <a:prstGeom prst="rect">
             <a:avLst/>
           </a:prstGeom>
@@ -31161,159 +30258,231 @@
           </a:bodyPr>
           <a:lstStyle/>
           <a:p>
-            <a:pPr marL="22860">
+            <a:pPr marL="12700">
               <a:lnSpc>
-                <a:spcPts val="4310"/>
+                <a:spcPct val="100000"/>
               </a:lnSpc>
               <a:spcBef>
                 <a:spcPts val="100"/>
               </a:spcBef>
             </a:pPr>
             <a:r>
-              <a:rPr spc="25" dirty="0"/>
-              <a:t>Repeat</a:t>
-            </a:r>
-            <a:r>
-              <a:rPr spc="-65" dirty="0"/>
-              <a:t> </a:t>
-            </a:r>
-            <a:r>
-              <a:rPr spc="-25" dirty="0"/>
+              <a:rPr sz="3600" b="1" spc="-60" dirty="0">
+                <a:solidFill>
+                  <a:srgbClr val="9BC850"/>
+                </a:solidFill>
+                <a:latin typeface="Arial" panose="020B0604020202020204"/>
+                <a:cs typeface="Arial" panose="020B0604020202020204"/>
+              </a:rPr>
+              <a:t>Add</a:t>
+            </a:r>
+            <a:r>
+              <a:rPr sz="3600" b="1" spc="-70" dirty="0">
+                <a:solidFill>
+                  <a:srgbClr val="9BC850"/>
+                </a:solidFill>
+                <a:latin typeface="Arial" panose="020B0604020202020204"/>
+                <a:cs typeface="Arial" panose="020B0604020202020204"/>
+              </a:rPr>
+              <a:t> </a:t>
+            </a:r>
+            <a:r>
+              <a:rPr sz="3600" b="1" spc="-50" dirty="0">
+                <a:solidFill>
+                  <a:srgbClr val="9BC850"/>
+                </a:solidFill>
+                <a:latin typeface="Arial" panose="020B0604020202020204"/>
+                <a:cs typeface="Arial" panose="020B0604020202020204"/>
+              </a:rPr>
+              <a:t>or</a:t>
+            </a:r>
+            <a:r>
+              <a:rPr sz="3600" b="1" spc="-65" dirty="0">
+                <a:solidFill>
+                  <a:srgbClr val="9BC850"/>
+                </a:solidFill>
+                <a:latin typeface="Arial" panose="020B0604020202020204"/>
+                <a:cs typeface="Arial" panose="020B0604020202020204"/>
+              </a:rPr>
+              <a:t> </a:t>
+            </a:r>
+            <a:r>
+              <a:rPr sz="3600" b="1" dirty="0">
+                <a:solidFill>
+                  <a:srgbClr val="9BC850"/>
+                </a:solidFill>
+                <a:latin typeface="Arial" panose="020B0604020202020204"/>
+                <a:cs typeface="Arial" panose="020B0604020202020204"/>
+              </a:rPr>
+              <a:t>remove</a:t>
+            </a:r>
+            <a:r>
+              <a:rPr sz="3600" b="1" spc="-65" dirty="0">
+                <a:solidFill>
+                  <a:srgbClr val="9BC850"/>
+                </a:solidFill>
+                <a:latin typeface="Arial" panose="020B0604020202020204"/>
+                <a:cs typeface="Arial" panose="020B0604020202020204"/>
+              </a:rPr>
+              <a:t> </a:t>
+            </a:r>
+            <a:r>
+              <a:rPr sz="3600" b="1" spc="-25" dirty="0">
+                <a:solidFill>
+                  <a:srgbClr val="9BC850"/>
+                </a:solidFill>
+                <a:latin typeface="Arial" panose="020B0604020202020204"/>
+                <a:cs typeface="Arial" panose="020B0604020202020204"/>
+              </a:rPr>
               <a:t>an</a:t>
             </a:r>
             <a:r>
-              <a:rPr spc="-65" dirty="0"/>
-              <a:t> </a:t>
-            </a:r>
-            <a:r>
-              <a:rPr spc="60" dirty="0"/>
+              <a:rPr sz="3600" b="1" spc="-60" dirty="0">
+                <a:solidFill>
+                  <a:srgbClr val="9BC850"/>
+                </a:solidFill>
+                <a:latin typeface="Arial" panose="020B0604020202020204"/>
+                <a:cs typeface="Arial" panose="020B0604020202020204"/>
+              </a:rPr>
+              <a:t> </a:t>
+            </a:r>
+            <a:r>
+              <a:rPr sz="3600" b="1" spc="60" dirty="0">
+                <a:solidFill>
+                  <a:srgbClr val="9BC850"/>
+                </a:solidFill>
+                <a:latin typeface="Arial" panose="020B0604020202020204"/>
+                <a:cs typeface="Arial" panose="020B0604020202020204"/>
+              </a:rPr>
               <a:t>element</a:t>
             </a:r>
             <a:r>
-              <a:rPr spc="-65" dirty="0"/>
-              <a:t> </a:t>
-            </a:r>
-            <a:r>
-              <a:rPr spc="-10" dirty="0"/>
+              <a:rPr sz="3600" b="1" spc="-65" dirty="0">
+                <a:solidFill>
+                  <a:srgbClr val="9BC850"/>
+                </a:solidFill>
+                <a:latin typeface="Arial" panose="020B0604020202020204"/>
+                <a:cs typeface="Arial" panose="020B0604020202020204"/>
+              </a:rPr>
+              <a:t> </a:t>
+            </a:r>
+            <a:r>
+              <a:rPr sz="3600" b="1" spc="-10" dirty="0">
+                <a:solidFill>
+                  <a:srgbClr val="9BC850"/>
+                </a:solidFill>
+                <a:latin typeface="Arial" panose="020B0604020202020204"/>
+                <a:cs typeface="Arial" panose="020B0604020202020204"/>
+              </a:rPr>
               <a:t>and</a:t>
             </a:r>
             <a:r>
-              <a:rPr spc="-70" dirty="0"/>
-              <a:t> </a:t>
-            </a:r>
-            <a:r>
-              <a:rPr spc="-45" dirty="0"/>
+              <a:rPr sz="3600" b="1" spc="-65" dirty="0">
+                <a:solidFill>
+                  <a:srgbClr val="9BC850"/>
+                </a:solidFill>
+                <a:latin typeface="Arial" panose="020B0604020202020204"/>
+                <a:cs typeface="Arial" panose="020B0604020202020204"/>
+              </a:rPr>
+              <a:t> </a:t>
+            </a:r>
+            <a:r>
+              <a:rPr sz="3600" b="1" spc="-45" dirty="0">
+                <a:solidFill>
+                  <a:srgbClr val="9BC850"/>
+                </a:solidFill>
+                <a:latin typeface="Arial" panose="020B0604020202020204"/>
+                <a:cs typeface="Arial" panose="020B0604020202020204"/>
+              </a:rPr>
               <a:t>its</a:t>
             </a:r>
             <a:r>
-              <a:rPr spc="-65" dirty="0"/>
-              <a:t> </a:t>
-            </a:r>
-            <a:r>
-              <a:rPr dirty="0"/>
+              <a:rPr sz="3600" b="1" spc="-65" dirty="0">
+                <a:solidFill>
+                  <a:srgbClr val="9BC850"/>
+                </a:solidFill>
+                <a:latin typeface="Arial" panose="020B0604020202020204"/>
+                <a:cs typeface="Arial" panose="020B0604020202020204"/>
+              </a:rPr>
+              <a:t> </a:t>
+            </a:r>
+            <a:r>
+              <a:rPr sz="3600" b="1" dirty="0">
+                <a:solidFill>
+                  <a:srgbClr val="9BC850"/>
+                </a:solidFill>
+                <a:latin typeface="Arial" panose="020B0604020202020204"/>
+                <a:cs typeface="Arial" panose="020B0604020202020204"/>
+              </a:rPr>
               <a:t>children</a:t>
             </a:r>
             <a:r>
-              <a:rPr spc="-65" dirty="0"/>
-              <a:t> </a:t>
-            </a:r>
-            <a:r>
-              <a:rPr spc="-45" dirty="0"/>
-              <a:t>in</a:t>
-            </a:r>
-            <a:r>
-              <a:rPr spc="-65" dirty="0"/>
-              <a:t> </a:t>
-            </a:r>
-            <a:r>
-              <a:rPr spc="110" dirty="0"/>
+              <a:rPr sz="3600" b="1" spc="-60" dirty="0">
+                <a:solidFill>
+                  <a:srgbClr val="9BC850"/>
+                </a:solidFill>
+                <a:latin typeface="Arial" panose="020B0604020202020204"/>
+                <a:cs typeface="Arial" panose="020B0604020202020204"/>
+              </a:rPr>
+              <a:t> </a:t>
+            </a:r>
+            <a:r>
+              <a:rPr sz="3600" b="1" spc="-30" dirty="0">
+                <a:solidFill>
+                  <a:srgbClr val="9BC850"/>
+                </a:solidFill>
+                <a:latin typeface="Arial" panose="020B0604020202020204"/>
+                <a:cs typeface="Arial" panose="020B0604020202020204"/>
+              </a:rPr>
+              <a:t>from</a:t>
+            </a:r>
+            <a:r>
+              <a:rPr sz="3600" b="1" spc="-70" dirty="0">
+                <a:solidFill>
+                  <a:srgbClr val="9BC850"/>
+                </a:solidFill>
+                <a:latin typeface="Arial" panose="020B0604020202020204"/>
+                <a:cs typeface="Arial" panose="020B0604020202020204"/>
+              </a:rPr>
+              <a:t> </a:t>
+            </a:r>
+            <a:r>
+              <a:rPr sz="3600" b="1" spc="110" dirty="0">
+                <a:solidFill>
+                  <a:srgbClr val="9BC850"/>
+                </a:solidFill>
+                <a:latin typeface="Arial" panose="020B0604020202020204"/>
+                <a:cs typeface="Arial" panose="020B0604020202020204"/>
+              </a:rPr>
               <a:t>the</a:t>
             </a:r>
             <a:r>
-              <a:rPr spc="-65" dirty="0"/>
-              <a:t> </a:t>
-            </a:r>
-            <a:r>
-              <a:rPr spc="30" dirty="0"/>
+              <a:rPr sz="3600" b="1" spc="-65" dirty="0">
+                <a:solidFill>
+                  <a:srgbClr val="9BC850"/>
+                </a:solidFill>
+                <a:latin typeface="Arial" panose="020B0604020202020204"/>
+                <a:cs typeface="Arial" panose="020B0604020202020204"/>
+              </a:rPr>
+              <a:t> </a:t>
+            </a:r>
+            <a:r>
+              <a:rPr sz="3600" b="1" spc="30" dirty="0">
+                <a:solidFill>
+                  <a:srgbClr val="9BC850"/>
+                </a:solidFill>
+                <a:latin typeface="Arial" panose="020B0604020202020204"/>
+                <a:cs typeface="Arial" panose="020B0604020202020204"/>
+              </a:rPr>
               <a:t>DOM</a:t>
             </a:r>
-            <a:endParaRPr spc="30" dirty="0"/>
-          </a:p>
-          <a:p>
-            <a:pPr marL="374650">
-              <a:lnSpc>
-                <a:spcPts val="4310"/>
-              </a:lnSpc>
-              <a:tabLst>
-                <a:tab pos="807720" algn="l"/>
-              </a:tabLst>
-            </a:pPr>
-            <a:r>
-              <a:rPr sz="2700" b="0" dirty="0">
-                <a:latin typeface="Lucida Sans Unicode" panose="020B0602030504020204"/>
-                <a:cs typeface="Lucida Sans Unicode" panose="020B0602030504020204"/>
-              </a:rPr>
-              <a:t>-	</a:t>
-            </a:r>
-            <a:r>
-              <a:rPr spc="-100" dirty="0"/>
-              <a:t>For</a:t>
-            </a:r>
-            <a:r>
-              <a:rPr spc="-75" dirty="0"/>
-              <a:t> </a:t>
-            </a:r>
-            <a:r>
-              <a:rPr spc="35" dirty="0"/>
-              <a:t>each</a:t>
-            </a:r>
-            <a:r>
-              <a:rPr spc="-65" dirty="0"/>
-              <a:t> </a:t>
-            </a:r>
-            <a:r>
-              <a:rPr spc="55" dirty="0"/>
-              <a:t>object</a:t>
-            </a:r>
-            <a:r>
-              <a:rPr spc="-70" dirty="0"/>
-              <a:t> </a:t>
-            </a:r>
-            <a:r>
-              <a:rPr spc="-45" dirty="0"/>
-              <a:t>in</a:t>
-            </a:r>
-            <a:r>
-              <a:rPr spc="-65" dirty="0"/>
-              <a:t> </a:t>
-            </a:r>
-            <a:r>
-              <a:rPr spc="-25" dirty="0"/>
-              <a:t>an</a:t>
-            </a:r>
-            <a:r>
-              <a:rPr spc="-70" dirty="0"/>
-              <a:t> </a:t>
-            </a:r>
-            <a:r>
-              <a:rPr spc="30" dirty="0"/>
-              <a:t>iterable</a:t>
-            </a:r>
-            <a:r>
-              <a:rPr spc="-65" dirty="0"/>
-              <a:t> </a:t>
-            </a:r>
-            <a:r>
-              <a:rPr spc="-40" dirty="0"/>
-              <a:t>list</a:t>
-            </a:r>
-            <a:endParaRPr sz="2700">
-              <a:latin typeface="Lucida Sans Unicode" panose="020B0602030504020204"/>
-              <a:cs typeface="Lucida Sans Unicode" panose="020B0602030504020204"/>
+            <a:endParaRPr sz="3600">
+              <a:latin typeface="Arial" panose="020B0604020202020204"/>
+              <a:cs typeface="Arial" panose="020B0604020202020204"/>
             </a:endParaRPr>
           </a:p>
           <a:p>
-            <a:pPr marL="22860">
+            <a:pPr marL="12700">
               <a:lnSpc>
                 <a:spcPct val="100000"/>
               </a:lnSpc>
@@ -31322,90 +30491,315 @@
               </a:spcBef>
             </a:pPr>
             <a:r>
-              <a:rPr spc="20" dirty="0"/>
-              <a:t>Define</a:t>
-            </a:r>
-            <a:r>
-              <a:rPr spc="-65" dirty="0"/>
-              <a:t> </a:t>
-            </a:r>
-            <a:r>
-              <a:rPr spc="110" dirty="0"/>
-              <a:t>the</a:t>
-            </a:r>
-            <a:r>
-              <a:rPr spc="-65" dirty="0"/>
-              <a:t> </a:t>
-            </a:r>
-            <a:r>
-              <a:rPr spc="-30" dirty="0"/>
-              <a:t>local</a:t>
-            </a:r>
-            <a:r>
-              <a:rPr spc="-70" dirty="0"/>
-              <a:t> </a:t>
-            </a:r>
-            <a:r>
-              <a:rPr spc="-20" dirty="0"/>
-              <a:t>variable</a:t>
-            </a:r>
-            <a:r>
-              <a:rPr spc="-65" dirty="0"/>
-              <a:t> </a:t>
-            </a:r>
-            <a:r>
-              <a:rPr spc="40" dirty="0"/>
-              <a:t>with</a:t>
-            </a:r>
-            <a:r>
-              <a:rPr spc="-65" dirty="0"/>
-              <a:t> </a:t>
-            </a:r>
-            <a:r>
-              <a:rPr b="0" dirty="0">
-                <a:latin typeface="Courier New" panose="02070309020205020404"/>
-                <a:cs typeface="Courier New" panose="02070309020205020404"/>
-              </a:rPr>
-              <a:t>let</a:t>
-            </a:r>
-            <a:endParaRPr b="0" dirty="0">
-              <a:latin typeface="Courier New" panose="02070309020205020404"/>
-              <a:cs typeface="Courier New" panose="02070309020205020404"/>
+              <a:rPr sz="3600" b="1" spc="-85" dirty="0">
+                <a:solidFill>
+                  <a:srgbClr val="9BC850"/>
+                </a:solidFill>
+                <a:latin typeface="Arial" panose="020B0604020202020204"/>
+                <a:cs typeface="Arial" panose="020B0604020202020204"/>
+              </a:rPr>
+              <a:t>Expression</a:t>
+            </a:r>
+            <a:r>
+              <a:rPr sz="3600" b="1" spc="-75" dirty="0">
+                <a:solidFill>
+                  <a:srgbClr val="9BC850"/>
+                </a:solidFill>
+                <a:latin typeface="Arial" panose="020B0604020202020204"/>
+                <a:cs typeface="Arial" panose="020B0604020202020204"/>
+              </a:rPr>
+              <a:t> </a:t>
+            </a:r>
+            <a:r>
+              <a:rPr sz="3600" b="1" spc="-165" dirty="0">
+                <a:solidFill>
+                  <a:srgbClr val="9BC850"/>
+                </a:solidFill>
+                <a:latin typeface="Arial" panose="020B0604020202020204"/>
+                <a:cs typeface="Arial" panose="020B0604020202020204"/>
+              </a:rPr>
+              <a:t>is</a:t>
+            </a:r>
+            <a:r>
+              <a:rPr sz="3600" b="1" spc="-70" dirty="0">
+                <a:solidFill>
+                  <a:srgbClr val="9BC850"/>
+                </a:solidFill>
+                <a:latin typeface="Arial" panose="020B0604020202020204"/>
+                <a:cs typeface="Arial" panose="020B0604020202020204"/>
+              </a:rPr>
+              <a:t> </a:t>
+            </a:r>
+            <a:r>
+              <a:rPr sz="3600" b="1" spc="-15" dirty="0">
+                <a:solidFill>
+                  <a:srgbClr val="9BC850"/>
+                </a:solidFill>
+                <a:latin typeface="Arial" panose="020B0604020202020204"/>
+                <a:cs typeface="Arial" panose="020B0604020202020204"/>
+              </a:rPr>
+              <a:t>evaluated:</a:t>
+            </a:r>
+            <a:endParaRPr sz="3600">
+              <a:latin typeface="Arial" panose="020B0604020202020204"/>
+              <a:cs typeface="Arial" panose="020B0604020202020204"/>
             </a:endParaRPr>
           </a:p>
           <a:p>
-            <a:pPr marL="22860">
+            <a:pPr marL="797560" indent="-433705">
               <a:lnSpc>
-                <a:spcPct val="100000"/>
+                <a:spcPts val="4310"/>
               </a:lnSpc>
-              <a:spcBef>
-                <a:spcPts val="2690"/>
-              </a:spcBef>
+              <a:buSzPct val="75000"/>
+              <a:buFont typeface="Lucida Sans Unicode" panose="020B0602030504020204"/>
+              <a:buChar char="-"/>
+              <a:tabLst>
+                <a:tab pos="797560" algn="l"/>
+                <a:tab pos="798195" algn="l"/>
+              </a:tabLst>
             </a:pPr>
             <a:r>
-              <a:rPr spc="-15" dirty="0"/>
-              <a:t>Specify</a:t>
-            </a:r>
-            <a:r>
-              <a:rPr spc="-100" dirty="0"/>
-              <a:t> </a:t>
-            </a:r>
-            <a:r>
-              <a:rPr spc="-15" dirty="0"/>
-              <a:t>'</a:t>
-            </a:r>
-            <a:r>
-              <a:rPr b="0" spc="-15" dirty="0">
-                <a:latin typeface="Courier New" panose="02070309020205020404"/>
-                <a:cs typeface="Courier New" panose="02070309020205020404"/>
-              </a:rPr>
-              <a:t>of</a:t>
-            </a:r>
-            <a:r>
-              <a:rPr spc="-15" dirty="0"/>
-              <a:t>'</a:t>
-            </a:r>
-            <a:endParaRPr spc="-15" dirty="0"/>
+              <a:rPr sz="3600" b="1" spc="-15" dirty="0">
+                <a:solidFill>
+                  <a:srgbClr val="9BC850"/>
+                </a:solidFill>
+                <a:latin typeface="Arial" panose="020B0604020202020204"/>
+                <a:cs typeface="Arial" panose="020B0604020202020204"/>
+              </a:rPr>
+              <a:t>true:</a:t>
+            </a:r>
+            <a:r>
+              <a:rPr sz="3600" b="1" spc="-70" dirty="0">
+                <a:solidFill>
+                  <a:srgbClr val="9BC850"/>
+                </a:solidFill>
+                <a:latin typeface="Arial" panose="020B0604020202020204"/>
+                <a:cs typeface="Arial" panose="020B0604020202020204"/>
+              </a:rPr>
+              <a:t> </a:t>
+            </a:r>
+            <a:r>
+              <a:rPr sz="3600" b="1" spc="15" dirty="0">
+                <a:solidFill>
+                  <a:srgbClr val="9BC850"/>
+                </a:solidFill>
+                <a:latin typeface="Arial" panose="020B0604020202020204"/>
+                <a:cs typeface="Arial" panose="020B0604020202020204"/>
+              </a:rPr>
+              <a:t>elements</a:t>
+            </a:r>
+            <a:r>
+              <a:rPr sz="3600" b="1" spc="-65" dirty="0">
+                <a:solidFill>
+                  <a:srgbClr val="9BC850"/>
+                </a:solidFill>
+                <a:latin typeface="Arial" panose="020B0604020202020204"/>
+                <a:cs typeface="Arial" panose="020B0604020202020204"/>
+              </a:rPr>
+              <a:t> </a:t>
+            </a:r>
+            <a:r>
+              <a:rPr sz="3600" b="1" spc="30" dirty="0">
+                <a:solidFill>
+                  <a:srgbClr val="9BC850"/>
+                </a:solidFill>
+                <a:latin typeface="Arial" panose="020B0604020202020204"/>
+                <a:cs typeface="Arial" panose="020B0604020202020204"/>
+              </a:rPr>
+              <a:t>added</a:t>
+            </a:r>
+            <a:r>
+              <a:rPr sz="3600" b="1" spc="-70" dirty="0">
+                <a:solidFill>
+                  <a:srgbClr val="9BC850"/>
+                </a:solidFill>
+                <a:latin typeface="Arial" panose="020B0604020202020204"/>
+                <a:cs typeface="Arial" panose="020B0604020202020204"/>
+              </a:rPr>
+              <a:t> </a:t>
+            </a:r>
+            <a:r>
+              <a:rPr sz="3600" b="1" spc="75" dirty="0">
+                <a:solidFill>
+                  <a:srgbClr val="9BC850"/>
+                </a:solidFill>
+                <a:latin typeface="Arial" panose="020B0604020202020204"/>
+                <a:cs typeface="Arial" panose="020B0604020202020204"/>
+              </a:rPr>
+              <a:t>to</a:t>
+            </a:r>
+            <a:r>
+              <a:rPr sz="3600" b="1" spc="-75" dirty="0">
+                <a:solidFill>
+                  <a:srgbClr val="9BC850"/>
+                </a:solidFill>
+                <a:latin typeface="Arial" panose="020B0604020202020204"/>
+                <a:cs typeface="Arial" panose="020B0604020202020204"/>
+              </a:rPr>
+              <a:t> </a:t>
+            </a:r>
+            <a:r>
+              <a:rPr sz="3600" b="1" spc="110" dirty="0">
+                <a:solidFill>
+                  <a:srgbClr val="9BC850"/>
+                </a:solidFill>
+                <a:latin typeface="Arial" panose="020B0604020202020204"/>
+                <a:cs typeface="Arial" panose="020B0604020202020204"/>
+              </a:rPr>
+              <a:t>the</a:t>
+            </a:r>
+            <a:r>
+              <a:rPr sz="3600" b="1" spc="-65" dirty="0">
+                <a:solidFill>
+                  <a:srgbClr val="9BC850"/>
+                </a:solidFill>
+                <a:latin typeface="Arial" panose="020B0604020202020204"/>
+                <a:cs typeface="Arial" panose="020B0604020202020204"/>
+              </a:rPr>
+              <a:t> </a:t>
+            </a:r>
+            <a:r>
+              <a:rPr sz="3600" b="1" spc="30" dirty="0">
+                <a:solidFill>
+                  <a:srgbClr val="9BC850"/>
+                </a:solidFill>
+                <a:latin typeface="Arial" panose="020B0604020202020204"/>
+                <a:cs typeface="Arial" panose="020B0604020202020204"/>
+              </a:rPr>
+              <a:t>DOM</a:t>
+            </a:r>
+            <a:endParaRPr sz="3600">
+              <a:latin typeface="Arial" panose="020B0604020202020204"/>
+              <a:cs typeface="Arial" panose="020B0604020202020204"/>
+            </a:endParaRPr>
+          </a:p>
+          <a:p>
+            <a:pPr marL="797560" indent="-433705">
+              <a:lnSpc>
+                <a:spcPts val="4310"/>
+              </a:lnSpc>
+              <a:buSzPct val="75000"/>
+              <a:buFont typeface="Lucida Sans Unicode" panose="020B0602030504020204"/>
+              <a:buChar char="-"/>
+              <a:tabLst>
+                <a:tab pos="797560" algn="l"/>
+                <a:tab pos="798195" algn="l"/>
+              </a:tabLst>
+            </a:pPr>
+            <a:r>
+              <a:rPr sz="3600" b="1" spc="-90" dirty="0">
+                <a:solidFill>
+                  <a:srgbClr val="9BC850"/>
+                </a:solidFill>
+                <a:latin typeface="Arial" panose="020B0604020202020204"/>
+                <a:cs typeface="Arial" panose="020B0604020202020204"/>
+              </a:rPr>
+              <a:t>false:</a:t>
+            </a:r>
+            <a:r>
+              <a:rPr sz="3600" b="1" spc="-65" dirty="0">
+                <a:solidFill>
+                  <a:srgbClr val="9BC850"/>
+                </a:solidFill>
+                <a:latin typeface="Arial" panose="020B0604020202020204"/>
+                <a:cs typeface="Arial" panose="020B0604020202020204"/>
+              </a:rPr>
+              <a:t> </a:t>
+            </a:r>
+            <a:r>
+              <a:rPr sz="3600" b="1" spc="15" dirty="0">
+                <a:solidFill>
+                  <a:srgbClr val="9BC850"/>
+                </a:solidFill>
+                <a:latin typeface="Arial" panose="020B0604020202020204"/>
+                <a:cs typeface="Arial" panose="020B0604020202020204"/>
+              </a:rPr>
+              <a:t>elements</a:t>
+            </a:r>
+            <a:r>
+              <a:rPr sz="3600" b="1" spc="-65" dirty="0">
+                <a:solidFill>
+                  <a:srgbClr val="9BC850"/>
+                </a:solidFill>
+                <a:latin typeface="Arial" panose="020B0604020202020204"/>
+                <a:cs typeface="Arial" panose="020B0604020202020204"/>
+              </a:rPr>
+              <a:t> </a:t>
+            </a:r>
+            <a:r>
+              <a:rPr sz="3600" b="1" dirty="0">
+                <a:solidFill>
+                  <a:srgbClr val="9BC850"/>
+                </a:solidFill>
+                <a:latin typeface="Arial" panose="020B0604020202020204"/>
+                <a:cs typeface="Arial" panose="020B0604020202020204"/>
+              </a:rPr>
+              <a:t>removed</a:t>
+            </a:r>
+            <a:r>
+              <a:rPr sz="3600" b="1" spc="-70" dirty="0">
+                <a:solidFill>
+                  <a:srgbClr val="9BC850"/>
+                </a:solidFill>
+                <a:latin typeface="Arial" panose="020B0604020202020204"/>
+                <a:cs typeface="Arial" panose="020B0604020202020204"/>
+              </a:rPr>
+              <a:t> </a:t>
+            </a:r>
+            <a:r>
+              <a:rPr sz="3600" b="1" spc="-30" dirty="0">
+                <a:solidFill>
+                  <a:srgbClr val="9BC850"/>
+                </a:solidFill>
+                <a:latin typeface="Arial" panose="020B0604020202020204"/>
+                <a:cs typeface="Arial" panose="020B0604020202020204"/>
+              </a:rPr>
+              <a:t>from</a:t>
+            </a:r>
+            <a:r>
+              <a:rPr sz="3600" b="1" spc="-75" dirty="0">
+                <a:solidFill>
+                  <a:srgbClr val="9BC850"/>
+                </a:solidFill>
+                <a:latin typeface="Arial" panose="020B0604020202020204"/>
+                <a:cs typeface="Arial" panose="020B0604020202020204"/>
+              </a:rPr>
+              <a:t> </a:t>
+            </a:r>
+            <a:r>
+              <a:rPr sz="3600" b="1" spc="110" dirty="0">
+                <a:solidFill>
+                  <a:srgbClr val="9BC850"/>
+                </a:solidFill>
+                <a:latin typeface="Arial" panose="020B0604020202020204"/>
+                <a:cs typeface="Arial" panose="020B0604020202020204"/>
+              </a:rPr>
+              <a:t>the</a:t>
+            </a:r>
+            <a:r>
+              <a:rPr sz="3600" b="1" spc="-65" dirty="0">
+                <a:solidFill>
+                  <a:srgbClr val="9BC850"/>
+                </a:solidFill>
+                <a:latin typeface="Arial" panose="020B0604020202020204"/>
+                <a:cs typeface="Arial" panose="020B0604020202020204"/>
+              </a:rPr>
+              <a:t> </a:t>
+            </a:r>
+            <a:r>
+              <a:rPr sz="3600" b="1" spc="30" dirty="0">
+                <a:solidFill>
+                  <a:srgbClr val="9BC850"/>
+                </a:solidFill>
+                <a:latin typeface="Arial" panose="020B0604020202020204"/>
+                <a:cs typeface="Arial" panose="020B0604020202020204"/>
+              </a:rPr>
+              <a:t>DOM</a:t>
+            </a:r>
+            <a:endParaRPr sz="3600">
+              <a:latin typeface="Arial" panose="020B0604020202020204"/>
+              <a:cs typeface="Arial" panose="020B0604020202020204"/>
+            </a:endParaRPr>
           </a:p>
         </p:txBody>
       </p:sp>
@@ -31417,8 +30811,8 @@
         </p:nvSpPr>
         <p:spPr>
           <a:xfrm>
-            <a:off x="4038600" y="6420345"/>
-            <a:ext cx="9503410" cy="1662430"/>
+            <a:off x="4043140" y="6346756"/>
+            <a:ext cx="6294120" cy="677545"/>
           </a:xfrm>
           <a:prstGeom prst="rect">
             <a:avLst/>
@@ -31430,17 +30824,17 @@
           </a:ln>
         </p:spPr>
         <p:txBody>
-          <a:bodyPr vert="horz" wrap="square" lIns="0" tIns="85725" rIns="0" bIns="0" rtlCol="0">
+          <a:bodyPr vert="horz" wrap="square" lIns="0" tIns="83185" rIns="0" bIns="0" rtlCol="0">
             <a:spAutoFit/>
           </a:bodyPr>
           <a:lstStyle/>
           <a:p>
             <a:pPr marL="182245">
               <a:lnSpc>
-                <a:spcPts val="3830"/>
+                <a:spcPct val="100000"/>
               </a:lnSpc>
               <a:spcBef>
-                <a:spcPts val="675"/>
+                <a:spcPts val="655"/>
               </a:spcBef>
             </a:pPr>
             <a:r>
@@ -31451,10 +30845,10 @@
                 <a:latin typeface="Courier New" panose="02070309020205020404"/>
                 <a:cs typeface="Courier New" panose="02070309020205020404"/>
               </a:rPr>
-              <a:t>&lt;tr</a:t>
-            </a:r>
-            <a:r>
-              <a:rPr sz="3200" spc="-20" dirty="0">
+              <a:t>&lt;table</a:t>
+            </a:r>
+            <a:r>
+              <a:rPr sz="3200" spc="-60" dirty="0">
                 <a:solidFill>
                   <a:srgbClr val="800000"/>
                 </a:solidFill>
@@ -31466,22 +30860,22 @@
             <a:r>
               <a:rPr sz="3200" dirty="0">
                 <a:solidFill>
-                  <a:srgbClr val="404040"/>
-                </a:solidFill>
-                <a:latin typeface="Courier New" panose="02070309020205020404"/>
-                <a:cs typeface="Courier New" panose="02070309020205020404"/>
-              </a:rPr>
-              <a:t>*</a:t>
+                  <a:srgbClr val="F05A28"/>
+                </a:solidFill>
+                <a:latin typeface="Courier New" panose="02070309020205020404"/>
+                <a:cs typeface="Courier New" panose="02070309020205020404"/>
+              </a:rPr>
+              <a:t>*ngIf</a:t>
             </a:r>
             <a:r>
               <a:rPr sz="3200" dirty="0">
                 <a:solidFill>
-                  <a:srgbClr val="FF0000"/>
-                </a:solidFill>
-                <a:latin typeface="Courier New" panose="02070309020205020404"/>
-                <a:cs typeface="Courier New" panose="02070309020205020404"/>
-              </a:rPr>
-              <a:t>ngFor</a:t>
+                  <a:srgbClr val="0000FF"/>
+                </a:solidFill>
+                <a:latin typeface="Courier New" panose="02070309020205020404"/>
+                <a:cs typeface="Courier New" panose="02070309020205020404"/>
+              </a:rPr>
+              <a:t>='products'</a:t>
             </a:r>
             <a:r>
               <a:rPr sz="3200" dirty="0">
@@ -31491,129 +30885,7 @@
                 <a:latin typeface="Courier New" panose="02070309020205020404"/>
                 <a:cs typeface="Courier New" panose="02070309020205020404"/>
               </a:rPr>
-              <a:t>=</a:t>
-            </a:r>
-            <a:r>
-              <a:rPr sz="3200" dirty="0">
-                <a:solidFill>
-                  <a:srgbClr val="0000FF"/>
-                </a:solidFill>
-                <a:latin typeface="Courier New" panose="02070309020205020404"/>
-                <a:cs typeface="Courier New" panose="02070309020205020404"/>
-              </a:rPr>
-              <a:t>'let</a:t>
-            </a:r>
-            <a:r>
-              <a:rPr sz="3200" spc="-15" dirty="0">
-                <a:solidFill>
-                  <a:srgbClr val="0000FF"/>
-                </a:solidFill>
-                <a:latin typeface="Courier New" panose="02070309020205020404"/>
-                <a:cs typeface="Courier New" panose="02070309020205020404"/>
-              </a:rPr>
-              <a:t> </a:t>
-            </a:r>
-            <a:r>
-              <a:rPr sz="3200" dirty="0">
-                <a:solidFill>
-                  <a:srgbClr val="0000FF"/>
-                </a:solidFill>
-                <a:latin typeface="Courier New" panose="02070309020205020404"/>
-                <a:cs typeface="Courier New" panose="02070309020205020404"/>
-              </a:rPr>
-              <a:t>product</a:t>
-            </a:r>
-            <a:r>
-              <a:rPr sz="3200" spc="-15" dirty="0">
-                <a:solidFill>
-                  <a:srgbClr val="0000FF"/>
-                </a:solidFill>
-                <a:latin typeface="Courier New" panose="02070309020205020404"/>
-                <a:cs typeface="Courier New" panose="02070309020205020404"/>
-              </a:rPr>
-              <a:t> </a:t>
-            </a:r>
-            <a:r>
-              <a:rPr sz="3200" dirty="0">
-                <a:solidFill>
-                  <a:srgbClr val="0000FF"/>
-                </a:solidFill>
-                <a:latin typeface="Courier New" panose="02070309020205020404"/>
-                <a:cs typeface="Courier New" panose="02070309020205020404"/>
-              </a:rPr>
-              <a:t>of</a:t>
-            </a:r>
-            <a:r>
-              <a:rPr sz="3200" spc="-20" dirty="0">
-                <a:solidFill>
-                  <a:srgbClr val="0000FF"/>
-                </a:solidFill>
-                <a:latin typeface="Courier New" panose="02070309020205020404"/>
-                <a:cs typeface="Courier New" panose="02070309020205020404"/>
-              </a:rPr>
-              <a:t> </a:t>
-            </a:r>
-            <a:r>
-              <a:rPr sz="3200" dirty="0">
-                <a:solidFill>
-                  <a:srgbClr val="0000FF"/>
-                </a:solidFill>
-                <a:latin typeface="Courier New" panose="02070309020205020404"/>
-                <a:cs typeface="Courier New" panose="02070309020205020404"/>
-              </a:rPr>
-              <a:t>products’</a:t>
-            </a:r>
-            <a:r>
-              <a:rPr sz="3200" dirty="0">
-                <a:solidFill>
-                  <a:srgbClr val="800000"/>
-                </a:solidFill>
-                <a:latin typeface="Courier New" panose="02070309020205020404"/>
-                <a:cs typeface="Courier New" panose="02070309020205020404"/>
-              </a:rPr>
               <a:t>&gt;</a:t>
-            </a:r>
-            <a:endParaRPr sz="3200">
-              <a:latin typeface="Courier New" panose="02070309020205020404"/>
-              <a:cs typeface="Courier New" panose="02070309020205020404"/>
-            </a:endParaRPr>
-          </a:p>
-          <a:p>
-            <a:pPr marR="8089900" algn="r">
-              <a:lnSpc>
-                <a:spcPts val="3805"/>
-              </a:lnSpc>
-            </a:pPr>
-            <a:r>
-              <a:rPr sz="3200" dirty="0">
-                <a:solidFill>
-                  <a:srgbClr val="800000"/>
-                </a:solidFill>
-                <a:latin typeface="Courier New" panose="02070309020205020404"/>
-                <a:cs typeface="Courier New" panose="02070309020205020404"/>
-              </a:rPr>
-              <a:t>...</a:t>
-            </a:r>
-            <a:endParaRPr sz="3200">
-              <a:latin typeface="Courier New" panose="02070309020205020404"/>
-              <a:cs typeface="Courier New" panose="02070309020205020404"/>
-            </a:endParaRPr>
-          </a:p>
-          <a:p>
-            <a:pPr marR="8089900" algn="r">
-              <a:lnSpc>
-                <a:spcPts val="3815"/>
-              </a:lnSpc>
-            </a:pPr>
-            <a:r>
-              <a:rPr sz="3200" dirty="0">
-                <a:solidFill>
-                  <a:srgbClr val="800000"/>
-                </a:solidFill>
-                <a:latin typeface="Courier New" panose="02070309020205020404"/>
-                <a:cs typeface="Courier New" panose="02070309020205020404"/>
-              </a:rPr>
-              <a:t>&lt;/tr&gt;</a:t>
             </a:r>
             <a:endParaRPr sz="3200">
               <a:latin typeface="Courier New" panose="02070309020205020404"/>
@@ -31669,9 +30941,192 @@
           <a:chExt cx="0" cy="0"/>
         </a:xfrm>
       </p:grpSpPr>
+      <p:grpSp>
+        <p:nvGrpSpPr>
+          <p:cNvPr id="2" name="object 2"/>
+          <p:cNvGrpSpPr/>
+          <p:nvPr/>
+        </p:nvGrpSpPr>
+        <p:grpSpPr>
+          <a:xfrm>
+            <a:off x="0" y="0"/>
+            <a:ext cx="3657600" cy="10287000"/>
+            <a:chOff x="0" y="0"/>
+            <a:chExt cx="3657600" cy="10287000"/>
+          </a:xfrm>
+        </p:grpSpPr>
+        <p:sp>
+          <p:nvSpPr>
+            <p:cNvPr id="3" name="object 3"/>
+            <p:cNvSpPr/>
+            <p:nvPr/>
+          </p:nvSpPr>
+          <p:spPr>
+            <a:xfrm>
+              <a:off x="0" y="0"/>
+              <a:ext cx="3657600" cy="10287000"/>
+            </a:xfrm>
+            <a:custGeom>
+              <a:avLst/>
+              <a:gdLst/>
+              <a:ahLst/>
+              <a:cxnLst/>
+              <a:rect l="l" t="t" r="r" b="b"/>
+              <a:pathLst>
+                <a:path w="3657600" h="10287000">
+                  <a:moveTo>
+                    <a:pt x="3657600" y="0"/>
+                  </a:moveTo>
+                  <a:lnTo>
+                    <a:pt x="0" y="0"/>
+                  </a:lnTo>
+                  <a:lnTo>
+                    <a:pt x="0" y="10286999"/>
+                  </a:lnTo>
+                  <a:lnTo>
+                    <a:pt x="3657600" y="10286999"/>
+                  </a:lnTo>
+                  <a:lnTo>
+                    <a:pt x="3657600" y="0"/>
+                  </a:lnTo>
+                  <a:close/>
+                </a:path>
+              </a:pathLst>
+            </a:custGeom>
+            <a:solidFill>
+              <a:srgbClr val="9BC850"/>
+            </a:solidFill>
+          </p:spPr>
+          <p:txBody>
+            <a:bodyPr wrap="square" lIns="0" tIns="0" rIns="0" bIns="0" rtlCol="0"/>
+            <a:lstStyle/>
+            <a:p/>
+          </p:txBody>
+        </p:sp>
+        <p:sp>
+          <p:nvSpPr>
+            <p:cNvPr id="4" name="object 4"/>
+            <p:cNvSpPr/>
+            <p:nvPr/>
+          </p:nvSpPr>
+          <p:spPr>
+            <a:xfrm>
+              <a:off x="320736" y="4016010"/>
+              <a:ext cx="2689225" cy="2255520"/>
+            </a:xfrm>
+            <a:custGeom>
+              <a:avLst/>
+              <a:gdLst/>
+              <a:ahLst/>
+              <a:cxnLst/>
+              <a:rect l="l" t="t" r="r" b="b"/>
+              <a:pathLst>
+                <a:path w="2689225" h="2255520">
+                  <a:moveTo>
+                    <a:pt x="2688950" y="0"/>
+                  </a:moveTo>
+                  <a:lnTo>
+                    <a:pt x="0" y="0"/>
+                  </a:lnTo>
+                  <a:lnTo>
+                    <a:pt x="0" y="2254977"/>
+                  </a:lnTo>
+                  <a:lnTo>
+                    <a:pt x="2688950" y="2254977"/>
+                  </a:lnTo>
+                  <a:lnTo>
+                    <a:pt x="2688950" y="0"/>
+                  </a:lnTo>
+                  <a:close/>
+                </a:path>
+              </a:pathLst>
+            </a:custGeom>
+            <a:solidFill>
+              <a:srgbClr val="FFFFFF"/>
+            </a:solidFill>
+          </p:spPr>
+          <p:txBody>
+            <a:bodyPr wrap="square" lIns="0" tIns="0" rIns="0" bIns="0" rtlCol="0"/>
+            <a:lstStyle/>
+            <a:p/>
+          </p:txBody>
+        </p:sp>
+        <p:sp>
+          <p:nvSpPr>
+            <p:cNvPr id="5" name="object 5"/>
+            <p:cNvSpPr/>
+            <p:nvPr/>
+          </p:nvSpPr>
+          <p:spPr>
+            <a:xfrm>
+              <a:off x="320736" y="4016010"/>
+              <a:ext cx="2689225" cy="2255520"/>
+            </a:xfrm>
+            <a:custGeom>
+              <a:avLst/>
+              <a:gdLst/>
+              <a:ahLst/>
+              <a:cxnLst/>
+              <a:rect l="l" t="t" r="r" b="b"/>
+              <a:pathLst>
+                <a:path w="2689225" h="2255520">
+                  <a:moveTo>
+                    <a:pt x="0" y="0"/>
+                  </a:moveTo>
+                  <a:lnTo>
+                    <a:pt x="2688951" y="0"/>
+                  </a:lnTo>
+                  <a:lnTo>
+                    <a:pt x="2688951" y="2254977"/>
+                  </a:lnTo>
+                  <a:lnTo>
+                    <a:pt x="0" y="2254977"/>
+                  </a:lnTo>
+                  <a:lnTo>
+                    <a:pt x="0" y="0"/>
+                  </a:lnTo>
+                  <a:close/>
+                </a:path>
+              </a:pathLst>
+            </a:custGeom>
+            <a:ln w="50800">
+              <a:solidFill>
+                <a:srgbClr val="9BC850"/>
+              </a:solidFill>
+            </a:ln>
+          </p:spPr>
+          <p:txBody>
+            <a:bodyPr wrap="square" lIns="0" tIns="0" rIns="0" bIns="0" rtlCol="0"/>
+            <a:lstStyle/>
+            <a:p/>
+          </p:txBody>
+        </p:sp>
+        <p:pic>
+          <p:nvPicPr>
+            <p:cNvPr id="6" name="object 6"/>
+            <p:cNvPicPr/>
+            <p:nvPr/>
+          </p:nvPicPr>
+          <p:blipFill>
+            <a:blip r:embed="rId1" cstate="print"/>
+            <a:stretch>
+              <a:fillRect/>
+            </a:stretch>
+          </p:blipFill>
+          <p:spPr>
+            <a:xfrm>
+              <a:off x="729004" y="4411124"/>
+              <a:ext cx="1872414" cy="1464749"/>
+            </a:xfrm>
+            <a:prstGeom prst="rect">
+              <a:avLst/>
+            </a:prstGeom>
+          </p:spPr>
+        </p:pic>
+      </p:grpSp>
       <p:sp>
         <p:nvSpPr>
-          <p:cNvPr id="2" name="object 2"/>
+          <p:cNvPr id="7" name="object 7"/>
           <p:cNvSpPr txBox="1">
             <a:spLocks noGrp="1"/>
           </p:cNvSpPr>
@@ -31681,9 +31136,136 @@
         </p:nvSpPr>
         <p:spPr>
           <a:xfrm>
-            <a:off x="5278215" y="754380"/>
-            <a:ext cx="7732395" cy="878840"/>
+            <a:off x="291896" y="374395"/>
+            <a:ext cx="2165985" cy="1604645"/>
           </a:xfrm>
+          <a:prstGeom prst="rect">
+            <a:avLst/>
+          </a:prstGeom>
+        </p:spPr>
+        <p:txBody>
+          <a:bodyPr vert="horz" wrap="square" lIns="0" tIns="72390" rIns="0" bIns="0" rtlCol="0">
+            <a:spAutoFit/>
+          </a:bodyPr>
+          <a:lstStyle/>
+          <a:p>
+            <a:pPr marL="12700" marR="5080">
+              <a:lnSpc>
+                <a:spcPts val="3910"/>
+              </a:lnSpc>
+              <a:spcBef>
+                <a:spcPts val="570"/>
+              </a:spcBef>
+            </a:pPr>
+            <a:r>
+              <a:rPr sz="3600" b="1" spc="-10" dirty="0">
+                <a:solidFill>
+                  <a:srgbClr val="727272"/>
+                </a:solidFill>
+                <a:latin typeface="Arial" panose="020B0604020202020204"/>
+                <a:cs typeface="Arial" panose="020B0604020202020204"/>
+              </a:rPr>
+              <a:t>Template </a:t>
+            </a:r>
+            <a:r>
+              <a:rPr sz="3600" b="1" spc="-5" dirty="0">
+                <a:solidFill>
+                  <a:srgbClr val="727272"/>
+                </a:solidFill>
+                <a:latin typeface="Arial" panose="020B0604020202020204"/>
+                <a:cs typeface="Arial" panose="020B0604020202020204"/>
+              </a:rPr>
+              <a:t> </a:t>
+            </a:r>
+            <a:r>
+              <a:rPr sz="3600" b="1" spc="70" dirty="0">
+                <a:solidFill>
+                  <a:srgbClr val="727272"/>
+                </a:solidFill>
+                <a:latin typeface="Arial" panose="020B0604020202020204"/>
+                <a:cs typeface="Arial" panose="020B0604020202020204"/>
+              </a:rPr>
+              <a:t>Che</a:t>
+            </a:r>
+            <a:r>
+              <a:rPr sz="3600" b="1" spc="50" dirty="0">
+                <a:solidFill>
+                  <a:srgbClr val="727272"/>
+                </a:solidFill>
+                <a:latin typeface="Arial" panose="020B0604020202020204"/>
+                <a:cs typeface="Arial" panose="020B0604020202020204"/>
+              </a:rPr>
+              <a:t>c</a:t>
+            </a:r>
+            <a:r>
+              <a:rPr sz="3600" b="1" spc="-135" dirty="0">
+                <a:solidFill>
+                  <a:srgbClr val="727272"/>
+                </a:solidFill>
+                <a:latin typeface="Arial" panose="020B0604020202020204"/>
+                <a:cs typeface="Arial" panose="020B0604020202020204"/>
+              </a:rPr>
+              <a:t>k</a:t>
+            </a:r>
+            <a:r>
+              <a:rPr sz="3600" b="1" spc="-65" dirty="0">
+                <a:solidFill>
+                  <a:srgbClr val="727272"/>
+                </a:solidFill>
+                <a:latin typeface="Arial" panose="020B0604020202020204"/>
+                <a:cs typeface="Arial" panose="020B0604020202020204"/>
+              </a:rPr>
+              <a:t>li</a:t>
+            </a:r>
+            <a:r>
+              <a:rPr sz="3600" b="1" spc="-125" dirty="0">
+                <a:solidFill>
+                  <a:srgbClr val="727272"/>
+                </a:solidFill>
+                <a:latin typeface="Arial" panose="020B0604020202020204"/>
+                <a:cs typeface="Arial" panose="020B0604020202020204"/>
+              </a:rPr>
+              <a:t>st:</a:t>
+            </a:r>
+            <a:endParaRPr sz="3600">
+              <a:latin typeface="Arial" panose="020B0604020202020204"/>
+              <a:cs typeface="Arial" panose="020B0604020202020204"/>
+            </a:endParaRPr>
+          </a:p>
+          <a:p>
+            <a:pPr marL="14605">
+              <a:lnSpc>
+                <a:spcPts val="4140"/>
+              </a:lnSpc>
+            </a:pPr>
+            <a:r>
+              <a:rPr sz="3600" dirty="0">
+                <a:solidFill>
+                  <a:srgbClr val="FFFFFF"/>
+                </a:solidFill>
+                <a:latin typeface="Courier New" panose="02070309020205020404"/>
+                <a:cs typeface="Courier New" panose="02070309020205020404"/>
+              </a:rPr>
+              <a:t>*ngFor</a:t>
+            </a:r>
+            <a:endParaRPr sz="3600">
+              <a:latin typeface="Courier New" panose="02070309020205020404"/>
+              <a:cs typeface="Courier New" panose="02070309020205020404"/>
+            </a:endParaRPr>
+          </a:p>
+        </p:txBody>
+      </p:sp>
+      <p:sp>
+        <p:nvSpPr>
+          <p:cNvPr id="8" name="object 8"/>
+          <p:cNvSpPr txBox="1">
+            <a:spLocks noGrp="1"/>
+          </p:cNvSpPr>
+          <p:nvPr>
+            <p:ph type="body" idx="1"/>
+          </p:nvPr>
+        </p:nvSpPr>
+        <p:spPr>
           <a:prstGeom prst="rect">
             <a:avLst/>
           </a:prstGeom>
@@ -31694,571 +31276,251 @@
           </a:bodyPr>
           <a:lstStyle/>
           <a:p>
-            <a:pPr marL="12700">
+            <a:pPr marL="22860">
               <a:lnSpc>
-                <a:spcPct val="100000"/>
+                <a:spcPts val="4310"/>
               </a:lnSpc>
               <a:spcBef>
                 <a:spcPts val="100"/>
               </a:spcBef>
             </a:pPr>
             <a:r>
-              <a:rPr spc="45" dirty="0"/>
-              <a:t>Application</a:t>
-            </a:r>
-            <a:r>
-              <a:rPr spc="-185" dirty="0"/>
+              <a:rPr spc="25" dirty="0"/>
+              <a:t>Repeat</a:t>
+            </a:r>
+            <a:r>
+              <a:rPr spc="-65" dirty="0"/>
+              <a:t> </a:t>
+            </a:r>
+            <a:r>
+              <a:rPr spc="-25" dirty="0"/>
+              <a:t>an</a:t>
+            </a:r>
+            <a:r>
+              <a:rPr spc="-65" dirty="0"/>
+              <a:t> </a:t>
+            </a:r>
+            <a:r>
+              <a:rPr spc="60" dirty="0"/>
+              <a:t>element</a:t>
+            </a:r>
+            <a:r>
+              <a:rPr spc="-65" dirty="0"/>
+              <a:t> </a:t>
+            </a:r>
+            <a:r>
+              <a:rPr spc="-10" dirty="0"/>
+              <a:t>and</a:t>
+            </a:r>
+            <a:r>
+              <a:rPr spc="-70" dirty="0"/>
+              <a:t> </a:t>
+            </a:r>
+            <a:r>
+              <a:rPr spc="-45" dirty="0"/>
+              <a:t>its</a:t>
+            </a:r>
+            <a:r>
+              <a:rPr spc="-65" dirty="0"/>
+              <a:t> </a:t>
+            </a:r>
+            <a:r>
+              <a:rPr dirty="0"/>
+              <a:t>children</a:t>
+            </a:r>
+            <a:r>
+              <a:rPr spc="-65" dirty="0"/>
+              <a:t> </a:t>
+            </a:r>
+            <a:r>
+              <a:rPr spc="-45" dirty="0"/>
+              <a:t>in</a:t>
+            </a:r>
+            <a:r>
+              <a:rPr spc="-65" dirty="0"/>
               <a:t> </a:t>
             </a:r>
             <a:r>
               <a:rPr spc="110" dirty="0"/>
-              <a:t>Architecture</a:t>
-            </a:r>
-            <a:endParaRPr spc="110" dirty="0"/>
+              <a:t>the</a:t>
+            </a:r>
+            <a:r>
+              <a:rPr spc="-65" dirty="0"/>
+              <a:t> </a:t>
+            </a:r>
+            <a:r>
+              <a:rPr spc="30" dirty="0"/>
+              <a:t>DOM</a:t>
+            </a:r>
+            <a:endParaRPr spc="30" dirty="0"/>
           </a:p>
-        </p:txBody>
-      </p:sp>
-      <p:sp>
-        <p:nvSpPr>
-          <p:cNvPr id="3" name="object 3"/>
-          <p:cNvSpPr/>
-          <p:nvPr/>
-        </p:nvSpPr>
-        <p:spPr>
-          <a:xfrm>
-            <a:off x="7554900" y="2866757"/>
-            <a:ext cx="1713864" cy="2171700"/>
-          </a:xfrm>
-          <a:custGeom>
-            <a:avLst/>
-            <a:gdLst/>
-            <a:ahLst/>
-            <a:cxnLst/>
-            <a:rect l="l" t="t" r="r" b="b"/>
-            <a:pathLst>
-              <a:path w="1713865" h="2171700">
-                <a:moveTo>
-                  <a:pt x="1713826" y="0"/>
-                </a:moveTo>
-                <a:lnTo>
-                  <a:pt x="1539252" y="79146"/>
-                </a:lnTo>
-                <a:lnTo>
-                  <a:pt x="1583626" y="115150"/>
-                </a:lnTo>
-                <a:lnTo>
-                  <a:pt x="0" y="2067394"/>
-                </a:lnTo>
-                <a:lnTo>
-                  <a:pt x="22186" y="2085403"/>
-                </a:lnTo>
-                <a:lnTo>
-                  <a:pt x="22186" y="2113978"/>
-                </a:lnTo>
-                <a:lnTo>
-                  <a:pt x="1542376" y="2113978"/>
-                </a:lnTo>
-                <a:lnTo>
-                  <a:pt x="1542376" y="2171128"/>
-                </a:lnTo>
-                <a:lnTo>
-                  <a:pt x="1656676" y="2113978"/>
-                </a:lnTo>
-                <a:lnTo>
-                  <a:pt x="1713826" y="2085403"/>
-                </a:lnTo>
-                <a:lnTo>
-                  <a:pt x="1542376" y="1999678"/>
-                </a:lnTo>
-                <a:lnTo>
-                  <a:pt x="1542376" y="2056828"/>
-                </a:lnTo>
-                <a:lnTo>
-                  <a:pt x="82156" y="2056828"/>
-                </a:lnTo>
-                <a:lnTo>
-                  <a:pt x="1628013" y="151155"/>
-                </a:lnTo>
-                <a:lnTo>
-                  <a:pt x="1672399" y="187159"/>
-                </a:lnTo>
-                <a:lnTo>
-                  <a:pt x="1693252" y="92964"/>
-                </a:lnTo>
-                <a:lnTo>
-                  <a:pt x="1713826" y="0"/>
-                </a:lnTo>
-                <a:close/>
-              </a:path>
-            </a:pathLst>
-          </a:custGeom>
-          <a:solidFill>
-            <a:srgbClr val="BFBFBF"/>
-          </a:solidFill>
-        </p:spPr>
-        <p:txBody>
-          <a:bodyPr wrap="square" lIns="0" tIns="0" rIns="0" bIns="0" rtlCol="0"/>
-          <a:lstStyle/>
-          <a:p/>
-        </p:txBody>
-      </p:sp>
-      <p:sp>
-        <p:nvSpPr>
-          <p:cNvPr id="4" name="object 4"/>
-          <p:cNvSpPr/>
-          <p:nvPr/>
-        </p:nvSpPr>
-        <p:spPr>
-          <a:xfrm>
-            <a:off x="3234268" y="4866429"/>
-            <a:ext cx="960119" cy="171450"/>
-          </a:xfrm>
-          <a:custGeom>
-            <a:avLst/>
-            <a:gdLst/>
-            <a:ahLst/>
-            <a:cxnLst/>
-            <a:rect l="l" t="t" r="r" b="b"/>
-            <a:pathLst>
-              <a:path w="960120" h="171450">
-                <a:moveTo>
-                  <a:pt x="788100" y="114299"/>
-                </a:moveTo>
-                <a:lnTo>
-                  <a:pt x="788099" y="171450"/>
-                </a:lnTo>
-                <a:lnTo>
-                  <a:pt x="902399" y="114300"/>
-                </a:lnTo>
-                <a:lnTo>
-                  <a:pt x="788100" y="114299"/>
-                </a:lnTo>
-                <a:close/>
-              </a:path>
-              <a:path w="960120" h="171450">
-                <a:moveTo>
-                  <a:pt x="788100" y="57149"/>
-                </a:moveTo>
-                <a:lnTo>
-                  <a:pt x="788100" y="114299"/>
-                </a:lnTo>
-                <a:lnTo>
-                  <a:pt x="816674" y="114300"/>
-                </a:lnTo>
-                <a:lnTo>
-                  <a:pt x="816674" y="57150"/>
-                </a:lnTo>
-                <a:lnTo>
-                  <a:pt x="788100" y="57149"/>
-                </a:lnTo>
-                <a:close/>
-              </a:path>
-              <a:path w="960120" h="171450">
-                <a:moveTo>
-                  <a:pt x="788101" y="0"/>
-                </a:moveTo>
-                <a:lnTo>
-                  <a:pt x="788100" y="57149"/>
-                </a:lnTo>
-                <a:lnTo>
-                  <a:pt x="816674" y="57150"/>
-                </a:lnTo>
-                <a:lnTo>
-                  <a:pt x="816674" y="114300"/>
-                </a:lnTo>
-                <a:lnTo>
-                  <a:pt x="902402" y="114298"/>
-                </a:lnTo>
-                <a:lnTo>
-                  <a:pt x="959549" y="85725"/>
-                </a:lnTo>
-                <a:lnTo>
-                  <a:pt x="788101" y="0"/>
-                </a:lnTo>
-                <a:close/>
-              </a:path>
-              <a:path w="960120" h="171450">
-                <a:moveTo>
-                  <a:pt x="0" y="57148"/>
-                </a:moveTo>
-                <a:lnTo>
-                  <a:pt x="0" y="114298"/>
-                </a:lnTo>
-                <a:lnTo>
-                  <a:pt x="788100" y="114299"/>
-                </a:lnTo>
-                <a:lnTo>
-                  <a:pt x="788100" y="57149"/>
-                </a:lnTo>
-                <a:lnTo>
-                  <a:pt x="0" y="57148"/>
-                </a:lnTo>
-                <a:close/>
-              </a:path>
-            </a:pathLst>
-          </a:custGeom>
-          <a:solidFill>
-            <a:srgbClr val="BFBFBF"/>
-          </a:solidFill>
-        </p:spPr>
-        <p:txBody>
-          <a:bodyPr wrap="square" lIns="0" tIns="0" rIns="0" bIns="0" rtlCol="0"/>
-          <a:lstStyle/>
-          <a:p/>
-        </p:txBody>
-      </p:sp>
-      <p:sp>
-        <p:nvSpPr>
-          <p:cNvPr id="5" name="object 5"/>
-          <p:cNvSpPr/>
-          <p:nvPr/>
-        </p:nvSpPr>
-        <p:spPr>
-          <a:xfrm>
-            <a:off x="11088014" y="5683672"/>
-            <a:ext cx="171450" cy="605790"/>
-          </a:xfrm>
-          <a:custGeom>
-            <a:avLst/>
-            <a:gdLst/>
-            <a:ahLst/>
-            <a:cxnLst/>
-            <a:rect l="l" t="t" r="r" b="b"/>
-            <a:pathLst>
-              <a:path w="171450" h="605789">
-                <a:moveTo>
-                  <a:pt x="57149" y="433972"/>
-                </a:moveTo>
-                <a:lnTo>
-                  <a:pt x="0" y="433972"/>
-                </a:lnTo>
-                <a:lnTo>
-                  <a:pt x="85725" y="605422"/>
-                </a:lnTo>
-                <a:lnTo>
-                  <a:pt x="157162" y="462547"/>
-                </a:lnTo>
-                <a:lnTo>
-                  <a:pt x="57150" y="462547"/>
-                </a:lnTo>
-                <a:lnTo>
-                  <a:pt x="57149" y="433972"/>
-                </a:lnTo>
-                <a:close/>
-              </a:path>
-              <a:path w="171450" h="605789">
-                <a:moveTo>
-                  <a:pt x="114298" y="0"/>
-                </a:moveTo>
-                <a:lnTo>
-                  <a:pt x="57148" y="0"/>
-                </a:lnTo>
-                <a:lnTo>
-                  <a:pt x="57150" y="462547"/>
-                </a:lnTo>
-                <a:lnTo>
-                  <a:pt x="114300" y="462547"/>
-                </a:lnTo>
-                <a:lnTo>
-                  <a:pt x="114298" y="0"/>
-                </a:lnTo>
-                <a:close/>
-              </a:path>
-              <a:path w="171450" h="605789">
-                <a:moveTo>
-                  <a:pt x="171450" y="433972"/>
-                </a:moveTo>
-                <a:lnTo>
-                  <a:pt x="114299" y="433972"/>
-                </a:lnTo>
-                <a:lnTo>
-                  <a:pt x="114300" y="462547"/>
-                </a:lnTo>
-                <a:lnTo>
-                  <a:pt x="157162" y="462547"/>
-                </a:lnTo>
-                <a:lnTo>
-                  <a:pt x="171450" y="433972"/>
-                </a:lnTo>
-                <a:close/>
-              </a:path>
-            </a:pathLst>
-          </a:custGeom>
-          <a:solidFill>
-            <a:srgbClr val="BFBFBF"/>
-          </a:solidFill>
-        </p:spPr>
-        <p:txBody>
-          <a:bodyPr wrap="square" lIns="0" tIns="0" rIns="0" bIns="0" rtlCol="0"/>
-          <a:lstStyle/>
-          <a:p/>
-        </p:txBody>
-      </p:sp>
-      <p:sp>
-        <p:nvSpPr>
-          <p:cNvPr id="6" name="object 6"/>
-          <p:cNvSpPr/>
-          <p:nvPr/>
-        </p:nvSpPr>
-        <p:spPr>
-          <a:xfrm>
-            <a:off x="13062522" y="4928628"/>
-            <a:ext cx="1517650" cy="2115820"/>
-          </a:xfrm>
-          <a:custGeom>
-            <a:avLst/>
-            <a:gdLst/>
-            <a:ahLst/>
-            <a:cxnLst/>
-            <a:rect l="l" t="t" r="r" b="b"/>
-            <a:pathLst>
-              <a:path w="1517650" h="2115820">
-                <a:moveTo>
-                  <a:pt x="1517078" y="1057757"/>
-                </a:moveTo>
-                <a:lnTo>
-                  <a:pt x="1485353" y="1000213"/>
-                </a:lnTo>
-                <a:lnTo>
-                  <a:pt x="1424546" y="889889"/>
-                </a:lnTo>
-                <a:lnTo>
-                  <a:pt x="1392110" y="936955"/>
-                </a:lnTo>
-                <a:lnTo>
-                  <a:pt x="32423" y="0"/>
-                </a:lnTo>
-                <a:lnTo>
-                  <a:pt x="0" y="47053"/>
-                </a:lnTo>
-                <a:lnTo>
-                  <a:pt x="1359687" y="984008"/>
-                </a:lnTo>
-                <a:lnTo>
-                  <a:pt x="1327264" y="1031062"/>
-                </a:lnTo>
-                <a:lnTo>
-                  <a:pt x="1517078" y="1057757"/>
-                </a:lnTo>
-                <a:close/>
-              </a:path>
-              <a:path w="1517650" h="2115820">
-                <a:moveTo>
-                  <a:pt x="1517078" y="1057757"/>
-                </a:moveTo>
-                <a:lnTo>
-                  <a:pt x="1327264" y="1084453"/>
-                </a:lnTo>
-                <a:lnTo>
-                  <a:pt x="1359687" y="1131519"/>
-                </a:lnTo>
-                <a:lnTo>
-                  <a:pt x="0" y="2068461"/>
-                </a:lnTo>
-                <a:lnTo>
-                  <a:pt x="32423" y="2115515"/>
-                </a:lnTo>
-                <a:lnTo>
-                  <a:pt x="1392110" y="1178572"/>
-                </a:lnTo>
-                <a:lnTo>
-                  <a:pt x="1424546" y="1225626"/>
-                </a:lnTo>
-                <a:lnTo>
-                  <a:pt x="1485353" y="1115301"/>
-                </a:lnTo>
-                <a:lnTo>
-                  <a:pt x="1517078" y="1057757"/>
-                </a:lnTo>
-                <a:close/>
-              </a:path>
-            </a:pathLst>
-          </a:custGeom>
-          <a:solidFill>
-            <a:srgbClr val="BFBFBF"/>
-          </a:solidFill>
-        </p:spPr>
-        <p:txBody>
-          <a:bodyPr wrap="square" lIns="0" tIns="0" rIns="0" bIns="0" rtlCol="0"/>
-          <a:lstStyle/>
-          <a:p/>
-        </p:txBody>
-      </p:sp>
-      <p:sp>
-        <p:nvSpPr>
-          <p:cNvPr id="7" name="object 7"/>
-          <p:cNvSpPr txBox="1"/>
-          <p:nvPr/>
-        </p:nvSpPr>
-        <p:spPr>
-          <a:xfrm>
-            <a:off x="422224" y="4220633"/>
-            <a:ext cx="2812415" cy="1463040"/>
-          </a:xfrm>
-          <a:prstGeom prst="rect">
-            <a:avLst/>
-          </a:prstGeom>
-          <a:solidFill>
-            <a:srgbClr val="9BC850"/>
-          </a:solidFill>
-          <a:ln w="12700">
-            <a:solidFill>
-              <a:srgbClr val="719238"/>
-            </a:solidFill>
-          </a:ln>
-        </p:spPr>
-        <p:txBody>
-          <a:bodyPr vert="horz" wrap="square" lIns="0" tIns="445770" rIns="0" bIns="0" rtlCol="0">
-            <a:spAutoFit/>
-          </a:bodyPr>
-          <a:lstStyle/>
           <a:p>
-            <a:pPr marL="271145">
+            <a:pPr marL="374650">
+              <a:lnSpc>
+                <a:spcPts val="4310"/>
+              </a:lnSpc>
+              <a:tabLst>
+                <a:tab pos="807720" algn="l"/>
+              </a:tabLst>
+            </a:pPr>
+            <a:r>
+              <a:rPr sz="2700" b="0" dirty="0">
+                <a:latin typeface="Lucida Sans Unicode" panose="020B0602030504020204"/>
+                <a:cs typeface="Lucida Sans Unicode" panose="020B0602030504020204"/>
+              </a:rPr>
+              <a:t>-	</a:t>
+            </a:r>
+            <a:r>
+              <a:rPr spc="-100" dirty="0"/>
+              <a:t>For</a:t>
+            </a:r>
+            <a:r>
+              <a:rPr spc="-75" dirty="0"/>
+              <a:t> </a:t>
+            </a:r>
+            <a:r>
+              <a:rPr spc="35" dirty="0"/>
+              <a:t>each</a:t>
+            </a:r>
+            <a:r>
+              <a:rPr spc="-65" dirty="0"/>
+              <a:t> </a:t>
+            </a:r>
+            <a:r>
+              <a:rPr spc="55" dirty="0"/>
+              <a:t>object</a:t>
+            </a:r>
+            <a:r>
+              <a:rPr spc="-70" dirty="0"/>
+              <a:t> </a:t>
+            </a:r>
+            <a:r>
+              <a:rPr spc="-45" dirty="0"/>
+              <a:t>in</a:t>
+            </a:r>
+            <a:r>
+              <a:rPr spc="-65" dirty="0"/>
+              <a:t> </a:t>
+            </a:r>
+            <a:r>
+              <a:rPr spc="-25" dirty="0"/>
+              <a:t>an</a:t>
+            </a:r>
+            <a:r>
+              <a:rPr spc="-70" dirty="0"/>
+              <a:t> </a:t>
+            </a:r>
+            <a:r>
+              <a:rPr spc="30" dirty="0"/>
+              <a:t>iterable</a:t>
+            </a:r>
+            <a:r>
+              <a:rPr spc="-65" dirty="0"/>
+              <a:t> </a:t>
+            </a:r>
+            <a:r>
+              <a:rPr spc="-40" dirty="0"/>
+              <a:t>list</a:t>
+            </a:r>
+            <a:endParaRPr sz="2700">
+              <a:latin typeface="Lucida Sans Unicode" panose="020B0602030504020204"/>
+              <a:cs typeface="Lucida Sans Unicode" panose="020B0602030504020204"/>
+            </a:endParaRPr>
+          </a:p>
+          <a:p>
+            <a:pPr marL="22860">
               <a:lnSpc>
                 <a:spcPct val="100000"/>
               </a:lnSpc>
               <a:spcBef>
-                <a:spcPts val="3510"/>
+                <a:spcPts val="2660"/>
               </a:spcBef>
             </a:pPr>
             <a:r>
-              <a:rPr sz="3600" b="1" spc="-20" dirty="0">
-                <a:solidFill>
-                  <a:srgbClr val="FFFFFF"/>
-                </a:solidFill>
-                <a:latin typeface="Arial" panose="020B0604020202020204"/>
-                <a:cs typeface="Arial" panose="020B0604020202020204"/>
-              </a:rPr>
-              <a:t>index.html</a:t>
-            </a:r>
-            <a:endParaRPr sz="3600">
-              <a:latin typeface="Arial" panose="020B0604020202020204"/>
-              <a:cs typeface="Arial" panose="020B0604020202020204"/>
+              <a:rPr spc="20" dirty="0"/>
+              <a:t>Define</a:t>
+            </a:r>
+            <a:r>
+              <a:rPr spc="-65" dirty="0"/>
+              <a:t> </a:t>
+            </a:r>
+            <a:r>
+              <a:rPr spc="110" dirty="0"/>
+              <a:t>the</a:t>
+            </a:r>
+            <a:r>
+              <a:rPr spc="-65" dirty="0"/>
+              <a:t> </a:t>
+            </a:r>
+            <a:r>
+              <a:rPr spc="-30" dirty="0"/>
+              <a:t>local</a:t>
+            </a:r>
+            <a:r>
+              <a:rPr spc="-70" dirty="0"/>
+              <a:t> </a:t>
+            </a:r>
+            <a:r>
+              <a:rPr spc="-20" dirty="0"/>
+              <a:t>variable</a:t>
+            </a:r>
+            <a:r>
+              <a:rPr spc="-65" dirty="0"/>
+              <a:t> </a:t>
+            </a:r>
+            <a:r>
+              <a:rPr spc="40" dirty="0"/>
+              <a:t>with</a:t>
+            </a:r>
+            <a:r>
+              <a:rPr spc="-65" dirty="0"/>
+              <a:t> </a:t>
+            </a:r>
+            <a:r>
+              <a:rPr b="0" dirty="0">
+                <a:latin typeface="Courier New" panose="02070309020205020404"/>
+                <a:cs typeface="Courier New" panose="02070309020205020404"/>
+              </a:rPr>
+              <a:t>let</a:t>
+            </a:r>
+            <a:endParaRPr b="0" dirty="0">
+              <a:latin typeface="Courier New" panose="02070309020205020404"/>
+              <a:cs typeface="Courier New" panose="02070309020205020404"/>
             </a:endParaRPr>
           </a:p>
-        </p:txBody>
-      </p:sp>
-      <p:sp>
-        <p:nvSpPr>
-          <p:cNvPr id="8" name="object 8"/>
-          <p:cNvSpPr txBox="1"/>
-          <p:nvPr/>
-        </p:nvSpPr>
-        <p:spPr>
-          <a:xfrm>
-            <a:off x="4193819" y="4220633"/>
-            <a:ext cx="3383279" cy="1463040"/>
-          </a:xfrm>
-          <a:prstGeom prst="rect">
-            <a:avLst/>
-          </a:prstGeom>
-          <a:solidFill>
-            <a:srgbClr val="2A9FBC"/>
-          </a:solidFill>
-          <a:ln w="12700">
-            <a:solidFill>
-              <a:srgbClr val="1C7489"/>
-            </a:solidFill>
-          </a:ln>
-        </p:spPr>
-        <p:txBody>
-          <a:bodyPr vert="horz" wrap="square" lIns="0" tIns="191770" rIns="0" bIns="0" rtlCol="0">
-            <a:spAutoFit/>
-          </a:bodyPr>
-          <a:lstStyle/>
           <a:p>
-            <a:pPr marL="403225" marR="395605" indent="854710">
+            <a:pPr marL="22860">
               <a:lnSpc>
-                <a:spcPts val="4300"/>
+                <a:spcPct val="100000"/>
               </a:lnSpc>
               <a:spcBef>
-                <a:spcPts val="1510"/>
+                <a:spcPts val="2690"/>
               </a:spcBef>
             </a:pPr>
             <a:r>
-              <a:rPr sz="3600" b="1" spc="-60" dirty="0">
-                <a:solidFill>
-                  <a:srgbClr val="FFFFFF"/>
-                </a:solidFill>
-                <a:latin typeface="Arial" panose="020B0604020202020204"/>
-                <a:cs typeface="Arial" panose="020B0604020202020204"/>
-              </a:rPr>
-              <a:t>App </a:t>
-            </a:r>
-            <a:r>
-              <a:rPr sz="3600" b="1" spc="-55" dirty="0">
-                <a:solidFill>
-                  <a:srgbClr val="FFFFFF"/>
-                </a:solidFill>
-                <a:latin typeface="Arial" panose="020B0604020202020204"/>
-                <a:cs typeface="Arial" panose="020B0604020202020204"/>
-              </a:rPr>
-              <a:t> </a:t>
-            </a:r>
-            <a:r>
-              <a:rPr sz="3600" b="1" spc="30" dirty="0">
-                <a:solidFill>
-                  <a:srgbClr val="FFFFFF"/>
-                </a:solidFill>
-                <a:latin typeface="Arial" panose="020B0604020202020204"/>
-                <a:cs typeface="Arial" panose="020B0604020202020204"/>
-              </a:rPr>
-              <a:t>C</a:t>
-            </a:r>
-            <a:r>
-              <a:rPr sz="3600" b="1" spc="15" dirty="0">
-                <a:solidFill>
-                  <a:srgbClr val="FFFFFF"/>
-                </a:solidFill>
-                <a:latin typeface="Arial" panose="020B0604020202020204"/>
-                <a:cs typeface="Arial" panose="020B0604020202020204"/>
-              </a:rPr>
-              <a:t>o</a:t>
-            </a:r>
-            <a:r>
-              <a:rPr sz="3600" b="1" spc="-95" dirty="0">
-                <a:solidFill>
-                  <a:srgbClr val="FFFFFF"/>
-                </a:solidFill>
-                <a:latin typeface="Arial" panose="020B0604020202020204"/>
-                <a:cs typeface="Arial" panose="020B0604020202020204"/>
-              </a:rPr>
-              <a:t>m</a:t>
-            </a:r>
-            <a:r>
-              <a:rPr sz="3600" b="1" spc="25" dirty="0">
-                <a:solidFill>
-                  <a:srgbClr val="FFFFFF"/>
-                </a:solidFill>
-                <a:latin typeface="Arial" panose="020B0604020202020204"/>
-                <a:cs typeface="Arial" panose="020B0604020202020204"/>
-              </a:rPr>
-              <a:t>p</a:t>
-            </a:r>
-            <a:r>
-              <a:rPr sz="3600" b="1" spc="-45" dirty="0">
-                <a:solidFill>
-                  <a:srgbClr val="FFFFFF"/>
-                </a:solidFill>
-                <a:latin typeface="Arial" panose="020B0604020202020204"/>
-                <a:cs typeface="Arial" panose="020B0604020202020204"/>
-              </a:rPr>
-              <a:t>o</a:t>
-            </a:r>
-            <a:r>
-              <a:rPr sz="3600" b="1" spc="80" dirty="0">
-                <a:solidFill>
-                  <a:srgbClr val="FFFFFF"/>
-                </a:solidFill>
-                <a:latin typeface="Arial" panose="020B0604020202020204"/>
-                <a:cs typeface="Arial" panose="020B0604020202020204"/>
-              </a:rPr>
-              <a:t>nent</a:t>
-            </a:r>
-            <a:endParaRPr sz="3600">
-              <a:latin typeface="Arial" panose="020B0604020202020204"/>
-              <a:cs typeface="Arial" panose="020B0604020202020204"/>
-            </a:endParaRPr>
+              <a:rPr spc="-15" dirty="0"/>
+              <a:t>Specify</a:t>
+            </a:r>
+            <a:r>
+              <a:rPr spc="-100" dirty="0"/>
+              <a:t> </a:t>
+            </a:r>
+            <a:r>
+              <a:rPr spc="-15" dirty="0"/>
+              <a:t>'</a:t>
+            </a:r>
+            <a:r>
+              <a:rPr b="0" spc="-15" dirty="0">
+                <a:latin typeface="Courier New" panose="02070309020205020404"/>
+                <a:cs typeface="Courier New" panose="02070309020205020404"/>
+              </a:rPr>
+              <a:t>of</a:t>
+            </a:r>
+            <a:r>
+              <a:rPr spc="-15" dirty="0"/>
+              <a:t>'</a:t>
+            </a:r>
+            <a:endParaRPr spc="-15" dirty="0"/>
           </a:p>
         </p:txBody>
       </p:sp>
@@ -32270,531 +31532,214 @@
         </p:nvSpPr>
         <p:spPr>
           <a:xfrm>
-            <a:off x="9268738" y="4220633"/>
-            <a:ext cx="3810000" cy="1463040"/>
+            <a:off x="4038600" y="6420345"/>
+            <a:ext cx="9503410" cy="1662430"/>
           </a:xfrm>
           <a:prstGeom prst="rect">
             <a:avLst/>
           </a:prstGeom>
-          <a:solidFill>
-            <a:srgbClr val="D9D9D9"/>
-          </a:solidFill>
-          <a:ln w="12700">
+          <a:ln w="9525">
             <a:solidFill>
-              <a:srgbClr val="1C7489"/>
+              <a:srgbClr val="9BC850"/>
             </a:solidFill>
           </a:ln>
         </p:spPr>
         <p:txBody>
-          <a:bodyPr vert="horz" wrap="square" lIns="0" tIns="191770" rIns="0" bIns="0" rtlCol="0">
+          <a:bodyPr vert="horz" wrap="square" lIns="0" tIns="85725" rIns="0" bIns="0" rtlCol="0">
             <a:spAutoFit/>
           </a:bodyPr>
           <a:lstStyle/>
           <a:p>
-            <a:pPr marL="616585" marR="574675" indent="-34925">
+            <a:pPr marL="182245">
               <a:lnSpc>
-                <a:spcPts val="4300"/>
+                <a:spcPts val="3830"/>
               </a:lnSpc>
               <a:spcBef>
-                <a:spcPts val="1510"/>
+                <a:spcPts val="675"/>
               </a:spcBef>
             </a:pPr>
             <a:r>
-              <a:rPr sz="3600" b="1" spc="10" dirty="0">
-                <a:solidFill>
-                  <a:srgbClr val="FFFFFF"/>
-                </a:solidFill>
-                <a:latin typeface="Arial" panose="020B0604020202020204"/>
-                <a:cs typeface="Arial" panose="020B0604020202020204"/>
-              </a:rPr>
-              <a:t>Product</a:t>
-            </a:r>
-            <a:r>
-              <a:rPr sz="3600" b="1" spc="-120" dirty="0">
-                <a:solidFill>
-                  <a:srgbClr val="FFFFFF"/>
-                </a:solidFill>
-                <a:latin typeface="Arial" panose="020B0604020202020204"/>
-                <a:cs typeface="Arial" panose="020B0604020202020204"/>
-              </a:rPr>
-              <a:t> </a:t>
-            </a:r>
-            <a:r>
-              <a:rPr sz="3600" b="1" spc="-60" dirty="0">
-                <a:solidFill>
-                  <a:srgbClr val="FFFFFF"/>
-                </a:solidFill>
-                <a:latin typeface="Arial" panose="020B0604020202020204"/>
-                <a:cs typeface="Arial" panose="020B0604020202020204"/>
-              </a:rPr>
-              <a:t>List </a:t>
-            </a:r>
-            <a:r>
-              <a:rPr sz="3600" b="1" spc="-985" dirty="0">
-                <a:solidFill>
-                  <a:srgbClr val="FFFFFF"/>
-                </a:solidFill>
-                <a:latin typeface="Arial" panose="020B0604020202020204"/>
-                <a:cs typeface="Arial" panose="020B0604020202020204"/>
-              </a:rPr>
-              <a:t> </a:t>
-            </a:r>
-            <a:r>
-              <a:rPr sz="3600" b="1" spc="30" dirty="0">
-                <a:solidFill>
-                  <a:srgbClr val="FFFFFF"/>
-                </a:solidFill>
-                <a:latin typeface="Arial" panose="020B0604020202020204"/>
-                <a:cs typeface="Arial" panose="020B0604020202020204"/>
-              </a:rPr>
-              <a:t>Component</a:t>
-            </a:r>
-            <a:endParaRPr sz="3600">
-              <a:latin typeface="Arial" panose="020B0604020202020204"/>
-              <a:cs typeface="Arial" panose="020B0604020202020204"/>
+              <a:rPr sz="3200" dirty="0">
+                <a:solidFill>
+                  <a:srgbClr val="800000"/>
+                </a:solidFill>
+                <a:latin typeface="Courier New" panose="02070309020205020404"/>
+                <a:cs typeface="Courier New" panose="02070309020205020404"/>
+              </a:rPr>
+              <a:t>&lt;tr</a:t>
+            </a:r>
+            <a:r>
+              <a:rPr sz="3200" spc="-20" dirty="0">
+                <a:solidFill>
+                  <a:srgbClr val="800000"/>
+                </a:solidFill>
+                <a:latin typeface="Courier New" panose="02070309020205020404"/>
+                <a:cs typeface="Courier New" panose="02070309020205020404"/>
+              </a:rPr>
+              <a:t> </a:t>
+            </a:r>
+            <a:r>
+              <a:rPr sz="3200" dirty="0">
+                <a:solidFill>
+                  <a:srgbClr val="404040"/>
+                </a:solidFill>
+                <a:latin typeface="Courier New" panose="02070309020205020404"/>
+                <a:cs typeface="Courier New" panose="02070309020205020404"/>
+              </a:rPr>
+              <a:t>*</a:t>
+            </a:r>
+            <a:r>
+              <a:rPr sz="3200" dirty="0">
+                <a:solidFill>
+                  <a:srgbClr val="FF0000"/>
+                </a:solidFill>
+                <a:latin typeface="Courier New" panose="02070309020205020404"/>
+                <a:cs typeface="Courier New" panose="02070309020205020404"/>
+              </a:rPr>
+              <a:t>ngFor</a:t>
+            </a:r>
+            <a:r>
+              <a:rPr sz="3200" dirty="0">
+                <a:solidFill>
+                  <a:srgbClr val="800000"/>
+                </a:solidFill>
+                <a:latin typeface="Courier New" panose="02070309020205020404"/>
+                <a:cs typeface="Courier New" panose="02070309020205020404"/>
+              </a:rPr>
+              <a:t>=</a:t>
+            </a:r>
+            <a:r>
+              <a:rPr sz="3200" dirty="0">
+                <a:solidFill>
+                  <a:srgbClr val="0000FF"/>
+                </a:solidFill>
+                <a:latin typeface="Courier New" panose="02070309020205020404"/>
+                <a:cs typeface="Courier New" panose="02070309020205020404"/>
+              </a:rPr>
+              <a:t>'let</a:t>
+            </a:r>
+            <a:r>
+              <a:rPr sz="3200" spc="-15" dirty="0">
+                <a:solidFill>
+                  <a:srgbClr val="0000FF"/>
+                </a:solidFill>
+                <a:latin typeface="Courier New" panose="02070309020205020404"/>
+                <a:cs typeface="Courier New" panose="02070309020205020404"/>
+              </a:rPr>
+              <a:t> </a:t>
+            </a:r>
+            <a:r>
+              <a:rPr sz="3200" dirty="0">
+                <a:solidFill>
+                  <a:srgbClr val="0000FF"/>
+                </a:solidFill>
+                <a:latin typeface="Courier New" panose="02070309020205020404"/>
+                <a:cs typeface="Courier New" panose="02070309020205020404"/>
+              </a:rPr>
+              <a:t>product</a:t>
+            </a:r>
+            <a:r>
+              <a:rPr sz="3200" spc="-15" dirty="0">
+                <a:solidFill>
+                  <a:srgbClr val="0000FF"/>
+                </a:solidFill>
+                <a:latin typeface="Courier New" panose="02070309020205020404"/>
+                <a:cs typeface="Courier New" panose="02070309020205020404"/>
+              </a:rPr>
+              <a:t> </a:t>
+            </a:r>
+            <a:r>
+              <a:rPr sz="3200" dirty="0">
+                <a:solidFill>
+                  <a:srgbClr val="0000FF"/>
+                </a:solidFill>
+                <a:latin typeface="Courier New" panose="02070309020205020404"/>
+                <a:cs typeface="Courier New" panose="02070309020205020404"/>
+              </a:rPr>
+              <a:t>of</a:t>
+            </a:r>
+            <a:r>
+              <a:rPr sz="3200" spc="-20" dirty="0">
+                <a:solidFill>
+                  <a:srgbClr val="0000FF"/>
+                </a:solidFill>
+                <a:latin typeface="Courier New" panose="02070309020205020404"/>
+                <a:cs typeface="Courier New" panose="02070309020205020404"/>
+              </a:rPr>
+              <a:t> </a:t>
+            </a:r>
+            <a:r>
+              <a:rPr sz="3200" dirty="0">
+                <a:solidFill>
+                  <a:srgbClr val="0000FF"/>
+                </a:solidFill>
+                <a:latin typeface="Courier New" panose="02070309020205020404"/>
+                <a:cs typeface="Courier New" panose="02070309020205020404"/>
+              </a:rPr>
+              <a:t>products’</a:t>
+            </a:r>
+            <a:r>
+              <a:rPr sz="3200" dirty="0">
+                <a:solidFill>
+                  <a:srgbClr val="800000"/>
+                </a:solidFill>
+                <a:latin typeface="Courier New" panose="02070309020205020404"/>
+                <a:cs typeface="Courier New" panose="02070309020205020404"/>
+              </a:rPr>
+              <a:t>&gt;</a:t>
+            </a:r>
+            <a:endParaRPr sz="3200">
+              <a:latin typeface="Courier New" panose="02070309020205020404"/>
+              <a:cs typeface="Courier New" panose="02070309020205020404"/>
+            </a:endParaRPr>
+          </a:p>
+          <a:p>
+            <a:pPr marR="8089900" algn="r">
+              <a:lnSpc>
+                <a:spcPts val="3805"/>
+              </a:lnSpc>
+            </a:pPr>
+            <a:r>
+              <a:rPr sz="3200" dirty="0">
+                <a:solidFill>
+                  <a:srgbClr val="800000"/>
+                </a:solidFill>
+                <a:latin typeface="Courier New" panose="02070309020205020404"/>
+                <a:cs typeface="Courier New" panose="02070309020205020404"/>
+              </a:rPr>
+              <a:t>...</a:t>
+            </a:r>
+            <a:endParaRPr sz="3200">
+              <a:latin typeface="Courier New" panose="02070309020205020404"/>
+              <a:cs typeface="Courier New" panose="02070309020205020404"/>
+            </a:endParaRPr>
+          </a:p>
+          <a:p>
+            <a:pPr marR="8089900" algn="r">
+              <a:lnSpc>
+                <a:spcPts val="3815"/>
+              </a:lnSpc>
+            </a:pPr>
+            <a:r>
+              <a:rPr sz="3200" dirty="0">
+                <a:solidFill>
+                  <a:srgbClr val="800000"/>
+                </a:solidFill>
+                <a:latin typeface="Courier New" panose="02070309020205020404"/>
+                <a:cs typeface="Courier New" panose="02070309020205020404"/>
+              </a:rPr>
+              <a:t>&lt;/tr&gt;</a:t>
+            </a:r>
+            <a:endParaRPr sz="3200">
+              <a:latin typeface="Courier New" panose="02070309020205020404"/>
+              <a:cs typeface="Courier New" panose="02070309020205020404"/>
             </a:endParaRPr>
           </a:p>
         </p:txBody>
       </p:sp>
       <p:sp>
         <p:nvSpPr>
-          <p:cNvPr id="10" name="object 10"/>
-          <p:cNvSpPr txBox="1"/>
-          <p:nvPr/>
-        </p:nvSpPr>
-        <p:spPr>
-          <a:xfrm>
-            <a:off x="4193819" y="6914726"/>
-            <a:ext cx="3383279" cy="1463040"/>
-          </a:xfrm>
-          <a:prstGeom prst="rect">
-            <a:avLst/>
-          </a:prstGeom>
-          <a:solidFill>
-            <a:srgbClr val="D9D9D9"/>
-          </a:solidFill>
-          <a:ln w="12700">
-            <a:solidFill>
-              <a:srgbClr val="4A417A"/>
-            </a:solidFill>
-          </a:ln>
-        </p:spPr>
-        <p:txBody>
-          <a:bodyPr vert="horz" wrap="square" lIns="0" tIns="168910" rIns="0" bIns="0" rtlCol="0">
-            <a:spAutoFit/>
-          </a:bodyPr>
-          <a:lstStyle/>
-          <a:p>
-            <a:pPr marL="883285" marR="257175" indent="-618490">
-              <a:lnSpc>
-                <a:spcPct val="100000"/>
-              </a:lnSpc>
-              <a:spcBef>
-                <a:spcPts val="1330"/>
-              </a:spcBef>
-            </a:pPr>
-            <a:r>
-              <a:rPr sz="3600" b="1" spc="10" dirty="0">
-                <a:solidFill>
-                  <a:srgbClr val="FFFFFF"/>
-                </a:solidFill>
-                <a:latin typeface="Arial" panose="020B0604020202020204"/>
-                <a:cs typeface="Arial" panose="020B0604020202020204"/>
-              </a:rPr>
-              <a:t>Product</a:t>
-            </a:r>
-            <a:r>
-              <a:rPr sz="3600" b="1" spc="-125" dirty="0">
-                <a:solidFill>
-                  <a:srgbClr val="FFFFFF"/>
-                </a:solidFill>
-                <a:latin typeface="Arial" panose="020B0604020202020204"/>
-                <a:cs typeface="Arial" panose="020B0604020202020204"/>
-              </a:rPr>
-              <a:t> </a:t>
-            </a:r>
-            <a:r>
-              <a:rPr sz="3600" b="1" dirty="0">
-                <a:solidFill>
-                  <a:srgbClr val="FFFFFF"/>
-                </a:solidFill>
-                <a:latin typeface="Arial" panose="020B0604020202020204"/>
-                <a:cs typeface="Arial" panose="020B0604020202020204"/>
-              </a:rPr>
-              <a:t>Data </a:t>
-            </a:r>
-            <a:r>
-              <a:rPr sz="3600" b="1" spc="-985" dirty="0">
-                <a:solidFill>
-                  <a:srgbClr val="FFFFFF"/>
-                </a:solidFill>
-                <a:latin typeface="Arial" panose="020B0604020202020204"/>
-                <a:cs typeface="Arial" panose="020B0604020202020204"/>
-              </a:rPr>
-              <a:t> </a:t>
-            </a:r>
-            <a:r>
-              <a:rPr sz="3600" b="1" spc="-15" dirty="0">
-                <a:solidFill>
-                  <a:srgbClr val="FFFFFF"/>
-                </a:solidFill>
-                <a:latin typeface="Arial" panose="020B0604020202020204"/>
-                <a:cs typeface="Arial" panose="020B0604020202020204"/>
-              </a:rPr>
-              <a:t>Service</a:t>
-            </a:r>
-            <a:endParaRPr sz="3600">
-              <a:latin typeface="Arial" panose="020B0604020202020204"/>
-              <a:cs typeface="Arial" panose="020B0604020202020204"/>
-            </a:endParaRPr>
-          </a:p>
-        </p:txBody>
-      </p:sp>
-      <p:sp>
-        <p:nvSpPr>
-          <p:cNvPr id="11" name="object 11"/>
-          <p:cNvSpPr txBox="1"/>
-          <p:nvPr/>
-        </p:nvSpPr>
-        <p:spPr>
-          <a:xfrm>
-            <a:off x="9268738" y="6289094"/>
-            <a:ext cx="3810000" cy="1463040"/>
-          </a:xfrm>
-          <a:prstGeom prst="rect">
-            <a:avLst/>
-          </a:prstGeom>
-          <a:solidFill>
-            <a:srgbClr val="D9D9D9"/>
-          </a:solidFill>
-          <a:ln w="12700">
-            <a:solidFill>
-              <a:srgbClr val="1C7489"/>
-            </a:solidFill>
-          </a:ln>
-        </p:spPr>
-        <p:txBody>
-          <a:bodyPr vert="horz" wrap="square" lIns="0" tIns="189865" rIns="0" bIns="0" rtlCol="0">
-            <a:spAutoFit/>
-          </a:bodyPr>
-          <a:lstStyle/>
-          <a:p>
-            <a:pPr marL="616585" marR="339725" indent="-269875">
-              <a:lnSpc>
-                <a:spcPts val="4300"/>
-              </a:lnSpc>
-              <a:spcBef>
-                <a:spcPts val="1495"/>
-              </a:spcBef>
-            </a:pPr>
-            <a:r>
-              <a:rPr sz="3600" b="1" spc="10" dirty="0">
-                <a:solidFill>
-                  <a:srgbClr val="FFFFFF"/>
-                </a:solidFill>
-                <a:latin typeface="Arial" panose="020B0604020202020204"/>
-                <a:cs typeface="Arial" panose="020B0604020202020204"/>
-              </a:rPr>
-              <a:t>Product</a:t>
-            </a:r>
-            <a:r>
-              <a:rPr sz="3600" b="1" spc="-130" dirty="0">
-                <a:solidFill>
-                  <a:srgbClr val="FFFFFF"/>
-                </a:solidFill>
-                <a:latin typeface="Arial" panose="020B0604020202020204"/>
-                <a:cs typeface="Arial" panose="020B0604020202020204"/>
-              </a:rPr>
-              <a:t> </a:t>
-            </a:r>
-            <a:r>
-              <a:rPr sz="3600" b="1" spc="10" dirty="0">
-                <a:solidFill>
-                  <a:srgbClr val="FFFFFF"/>
-                </a:solidFill>
-                <a:latin typeface="Arial" panose="020B0604020202020204"/>
-                <a:cs typeface="Arial" panose="020B0604020202020204"/>
-              </a:rPr>
-              <a:t>Detail </a:t>
-            </a:r>
-            <a:r>
-              <a:rPr sz="3600" b="1" spc="-985" dirty="0">
-                <a:solidFill>
-                  <a:srgbClr val="FFFFFF"/>
-                </a:solidFill>
-                <a:latin typeface="Arial" panose="020B0604020202020204"/>
-                <a:cs typeface="Arial" panose="020B0604020202020204"/>
-              </a:rPr>
-              <a:t> </a:t>
-            </a:r>
-            <a:r>
-              <a:rPr sz="3600" b="1" spc="30" dirty="0">
-                <a:solidFill>
-                  <a:srgbClr val="FFFFFF"/>
-                </a:solidFill>
-                <a:latin typeface="Arial" panose="020B0604020202020204"/>
-                <a:cs typeface="Arial" panose="020B0604020202020204"/>
-              </a:rPr>
-              <a:t>Component</a:t>
-            </a:r>
-            <a:endParaRPr sz="3600">
-              <a:latin typeface="Arial" panose="020B0604020202020204"/>
-              <a:cs typeface="Arial" panose="020B0604020202020204"/>
-            </a:endParaRPr>
-          </a:p>
-        </p:txBody>
-      </p:sp>
-      <p:sp>
-        <p:nvSpPr>
-          <p:cNvPr id="12" name="object 12"/>
-          <p:cNvSpPr txBox="1"/>
-          <p:nvPr/>
-        </p:nvSpPr>
-        <p:spPr>
-          <a:xfrm>
-            <a:off x="9268738" y="2135238"/>
-            <a:ext cx="3810000" cy="1463040"/>
-          </a:xfrm>
-          <a:prstGeom prst="rect">
-            <a:avLst/>
-          </a:prstGeom>
-          <a:solidFill>
-            <a:srgbClr val="D9D9D9"/>
-          </a:solidFill>
-          <a:ln w="12700">
-            <a:solidFill>
-              <a:srgbClr val="1C7489"/>
-            </a:solidFill>
-          </a:ln>
-        </p:spPr>
-        <p:txBody>
-          <a:bodyPr vert="horz" wrap="square" lIns="0" tIns="168910" rIns="0" bIns="0" rtlCol="0">
-            <a:spAutoFit/>
-          </a:bodyPr>
-          <a:lstStyle/>
-          <a:p>
-            <a:pPr marL="616585" marR="608965" indent="280670">
-              <a:lnSpc>
-                <a:spcPct val="100000"/>
-              </a:lnSpc>
-              <a:spcBef>
-                <a:spcPts val="1330"/>
-              </a:spcBef>
-            </a:pPr>
-            <a:r>
-              <a:rPr sz="3600" b="1" dirty="0">
-                <a:solidFill>
-                  <a:srgbClr val="FFFFFF"/>
-                </a:solidFill>
-                <a:latin typeface="Arial" panose="020B0604020202020204"/>
-                <a:cs typeface="Arial" panose="020B0604020202020204"/>
-              </a:rPr>
-              <a:t>Welcome </a:t>
-            </a:r>
-            <a:r>
-              <a:rPr sz="3600" b="1" spc="5" dirty="0">
-                <a:solidFill>
-                  <a:srgbClr val="FFFFFF"/>
-                </a:solidFill>
-                <a:latin typeface="Arial" panose="020B0604020202020204"/>
-                <a:cs typeface="Arial" panose="020B0604020202020204"/>
-              </a:rPr>
-              <a:t> </a:t>
-            </a:r>
-            <a:r>
-              <a:rPr sz="3600" b="1" spc="30" dirty="0">
-                <a:solidFill>
-                  <a:srgbClr val="FFFFFF"/>
-                </a:solidFill>
-                <a:latin typeface="Arial" panose="020B0604020202020204"/>
-                <a:cs typeface="Arial" panose="020B0604020202020204"/>
-              </a:rPr>
-              <a:t>C</a:t>
-            </a:r>
-            <a:r>
-              <a:rPr sz="3600" b="1" spc="15" dirty="0">
-                <a:solidFill>
-                  <a:srgbClr val="FFFFFF"/>
-                </a:solidFill>
-                <a:latin typeface="Arial" panose="020B0604020202020204"/>
-                <a:cs typeface="Arial" panose="020B0604020202020204"/>
-              </a:rPr>
-              <a:t>o</a:t>
-            </a:r>
-            <a:r>
-              <a:rPr sz="3600" b="1" spc="-95" dirty="0">
-                <a:solidFill>
-                  <a:srgbClr val="FFFFFF"/>
-                </a:solidFill>
-                <a:latin typeface="Arial" panose="020B0604020202020204"/>
-                <a:cs typeface="Arial" panose="020B0604020202020204"/>
-              </a:rPr>
-              <a:t>m</a:t>
-            </a:r>
-            <a:r>
-              <a:rPr sz="3600" b="1" spc="25" dirty="0">
-                <a:solidFill>
-                  <a:srgbClr val="FFFFFF"/>
-                </a:solidFill>
-                <a:latin typeface="Arial" panose="020B0604020202020204"/>
-                <a:cs typeface="Arial" panose="020B0604020202020204"/>
-              </a:rPr>
-              <a:t>p</a:t>
-            </a:r>
-            <a:r>
-              <a:rPr sz="3600" b="1" spc="-45" dirty="0">
-                <a:solidFill>
-                  <a:srgbClr val="FFFFFF"/>
-                </a:solidFill>
-                <a:latin typeface="Arial" panose="020B0604020202020204"/>
-                <a:cs typeface="Arial" panose="020B0604020202020204"/>
-              </a:rPr>
-              <a:t>o</a:t>
-            </a:r>
-            <a:r>
-              <a:rPr sz="3600" b="1" spc="80" dirty="0">
-                <a:solidFill>
-                  <a:srgbClr val="FFFFFF"/>
-                </a:solidFill>
-                <a:latin typeface="Arial" panose="020B0604020202020204"/>
-                <a:cs typeface="Arial" panose="020B0604020202020204"/>
-              </a:rPr>
-              <a:t>nent</a:t>
-            </a:r>
-            <a:endParaRPr sz="3600">
-              <a:latin typeface="Arial" panose="020B0604020202020204"/>
-              <a:cs typeface="Arial" panose="020B0604020202020204"/>
-            </a:endParaRPr>
-          </a:p>
-        </p:txBody>
-      </p:sp>
-      <p:sp>
-        <p:nvSpPr>
-          <p:cNvPr id="13" name="object 13"/>
-          <p:cNvSpPr txBox="1"/>
-          <p:nvPr/>
-        </p:nvSpPr>
-        <p:spPr>
-          <a:xfrm>
-            <a:off x="14579600" y="5254862"/>
-            <a:ext cx="3268979" cy="1463040"/>
-          </a:xfrm>
-          <a:prstGeom prst="rect">
-            <a:avLst/>
-          </a:prstGeom>
-          <a:solidFill>
-            <a:srgbClr val="D9D9D9"/>
-          </a:solidFill>
-          <a:ln w="12700">
-            <a:solidFill>
-              <a:srgbClr val="1C7489"/>
-            </a:solidFill>
-          </a:ln>
-        </p:spPr>
-        <p:txBody>
-          <a:bodyPr vert="horz" wrap="square" lIns="0" tIns="190500" rIns="0" bIns="0" rtlCol="0">
-            <a:spAutoFit/>
-          </a:bodyPr>
-          <a:lstStyle/>
-          <a:p>
-            <a:pPr marL="346075" marR="337820" indent="850900">
-              <a:lnSpc>
-                <a:spcPts val="4300"/>
-              </a:lnSpc>
-              <a:spcBef>
-                <a:spcPts val="1500"/>
-              </a:spcBef>
-            </a:pPr>
-            <a:r>
-              <a:rPr sz="3600" b="1" spc="-35" dirty="0">
-                <a:solidFill>
-                  <a:srgbClr val="FFFFFF"/>
-                </a:solidFill>
-                <a:latin typeface="Arial" panose="020B0604020202020204"/>
-                <a:cs typeface="Arial" panose="020B0604020202020204"/>
-              </a:rPr>
-              <a:t>Star </a:t>
-            </a:r>
-            <a:r>
-              <a:rPr sz="3600" b="1" spc="-30" dirty="0">
-                <a:solidFill>
-                  <a:srgbClr val="FFFFFF"/>
-                </a:solidFill>
-                <a:latin typeface="Arial" panose="020B0604020202020204"/>
-                <a:cs typeface="Arial" panose="020B0604020202020204"/>
-              </a:rPr>
-              <a:t> </a:t>
-            </a:r>
-            <a:r>
-              <a:rPr sz="3600" b="1" spc="30" dirty="0">
-                <a:solidFill>
-                  <a:srgbClr val="FFFFFF"/>
-                </a:solidFill>
-                <a:latin typeface="Arial" panose="020B0604020202020204"/>
-                <a:cs typeface="Arial" panose="020B0604020202020204"/>
-              </a:rPr>
-              <a:t>C</a:t>
-            </a:r>
-            <a:r>
-              <a:rPr sz="3600" b="1" spc="15" dirty="0">
-                <a:solidFill>
-                  <a:srgbClr val="FFFFFF"/>
-                </a:solidFill>
-                <a:latin typeface="Arial" panose="020B0604020202020204"/>
-                <a:cs typeface="Arial" panose="020B0604020202020204"/>
-              </a:rPr>
-              <a:t>o</a:t>
-            </a:r>
-            <a:r>
-              <a:rPr sz="3600" b="1" spc="-95" dirty="0">
-                <a:solidFill>
-                  <a:srgbClr val="FFFFFF"/>
-                </a:solidFill>
-                <a:latin typeface="Arial" panose="020B0604020202020204"/>
-                <a:cs typeface="Arial" panose="020B0604020202020204"/>
-              </a:rPr>
-              <a:t>m</a:t>
-            </a:r>
-            <a:r>
-              <a:rPr sz="3600" b="1" spc="25" dirty="0">
-                <a:solidFill>
-                  <a:srgbClr val="FFFFFF"/>
-                </a:solidFill>
-                <a:latin typeface="Arial" panose="020B0604020202020204"/>
-                <a:cs typeface="Arial" panose="020B0604020202020204"/>
-              </a:rPr>
-              <a:t>p</a:t>
-            </a:r>
-            <a:r>
-              <a:rPr sz="3600" b="1" spc="-45" dirty="0">
-                <a:solidFill>
-                  <a:srgbClr val="FFFFFF"/>
-                </a:solidFill>
-                <a:latin typeface="Arial" panose="020B0604020202020204"/>
-                <a:cs typeface="Arial" panose="020B0604020202020204"/>
-              </a:rPr>
-              <a:t>o</a:t>
-            </a:r>
-            <a:r>
-              <a:rPr sz="3600" b="1" spc="80" dirty="0">
-                <a:solidFill>
-                  <a:srgbClr val="FFFFFF"/>
-                </a:solidFill>
-                <a:latin typeface="Arial" panose="020B0604020202020204"/>
-                <a:cs typeface="Arial" panose="020B0604020202020204"/>
-              </a:rPr>
-              <a:t>nent</a:t>
-            </a:r>
-            <a:endParaRPr sz="3600">
-              <a:latin typeface="Arial" panose="020B0604020202020204"/>
-              <a:cs typeface="Arial" panose="020B0604020202020204"/>
-            </a:endParaRPr>
-          </a:p>
-        </p:txBody>
-      </p:sp>
-      <p:sp>
-        <p:nvSpPr>
-          <p:cNvPr id="14" name="Slide Number Placeholder 13"/>
+          <p:cNvPr id="10" name="Slide Number Placeholder 9"/>
           <p:cNvSpPr>
             <a:spLocks noGrp="1"/>
           </p:cNvSpPr>
@@ -33447,7 +32392,7 @@
             <a:avLst/>
           </a:prstGeom>
           <a:solidFill>
-            <a:srgbClr val="2A9FBC"/>
+            <a:srgbClr val="D9D9D9"/>
           </a:solidFill>
           <a:ln w="12700">
             <a:solidFill>
@@ -33993,6 +32938,1176 @@
 </file>
 
 <file path=ppt/slides/slide43.xml><?xml version="1.0" encoding="utf-8"?>
+<p:sld xmlns:a="http://schemas.openxmlformats.org/drawingml/2006/main" xmlns:r="http://schemas.openxmlformats.org/officeDocument/2006/relationships" xmlns:p="http://schemas.openxmlformats.org/presentationml/2006/main" showMasterSp="0">
+  <p:cSld>
+    <p:spTree>
+      <p:nvGrpSpPr>
+        <p:cNvPr id="1" name=""/>
+        <p:cNvGrpSpPr/>
+        <p:nvPr/>
+      </p:nvGrpSpPr>
+      <p:grpSpPr>
+        <a:xfrm>
+          <a:off x="0" y="0"/>
+          <a:ext cx="0" cy="0"/>
+          <a:chOff x="0" y="0"/>
+          <a:chExt cx="0" cy="0"/>
+        </a:xfrm>
+      </p:grpSpPr>
+      <p:sp>
+        <p:nvSpPr>
+          <p:cNvPr id="2" name="object 2"/>
+          <p:cNvSpPr txBox="1">
+            <a:spLocks noGrp="1"/>
+          </p:cNvSpPr>
+          <p:nvPr>
+            <p:ph type="title"/>
+          </p:nvPr>
+        </p:nvSpPr>
+        <p:spPr>
+          <a:xfrm>
+            <a:off x="5278215" y="754380"/>
+            <a:ext cx="7732395" cy="878840"/>
+          </a:xfrm>
+          <a:prstGeom prst="rect">
+            <a:avLst/>
+          </a:prstGeom>
+        </p:spPr>
+        <p:txBody>
+          <a:bodyPr vert="horz" wrap="square" lIns="0" tIns="12700" rIns="0" bIns="0" rtlCol="0">
+            <a:spAutoFit/>
+          </a:bodyPr>
+          <a:lstStyle/>
+          <a:p>
+            <a:pPr marL="12700">
+              <a:lnSpc>
+                <a:spcPct val="100000"/>
+              </a:lnSpc>
+              <a:spcBef>
+                <a:spcPts val="100"/>
+              </a:spcBef>
+            </a:pPr>
+            <a:r>
+              <a:rPr spc="45" dirty="0"/>
+              <a:t>Application</a:t>
+            </a:r>
+            <a:r>
+              <a:rPr spc="-185" dirty="0"/>
+              <a:t> </a:t>
+            </a:r>
+            <a:r>
+              <a:rPr spc="110" dirty="0"/>
+              <a:t>Architecture</a:t>
+            </a:r>
+            <a:endParaRPr spc="110" dirty="0"/>
+          </a:p>
+        </p:txBody>
+      </p:sp>
+      <p:sp>
+        <p:nvSpPr>
+          <p:cNvPr id="3" name="object 3"/>
+          <p:cNvSpPr/>
+          <p:nvPr/>
+        </p:nvSpPr>
+        <p:spPr>
+          <a:xfrm>
+            <a:off x="7554900" y="2866757"/>
+            <a:ext cx="1713864" cy="2171700"/>
+          </a:xfrm>
+          <a:custGeom>
+            <a:avLst/>
+            <a:gdLst/>
+            <a:ahLst/>
+            <a:cxnLst/>
+            <a:rect l="l" t="t" r="r" b="b"/>
+            <a:pathLst>
+              <a:path w="1713865" h="2171700">
+                <a:moveTo>
+                  <a:pt x="1713826" y="0"/>
+                </a:moveTo>
+                <a:lnTo>
+                  <a:pt x="1539252" y="79146"/>
+                </a:lnTo>
+                <a:lnTo>
+                  <a:pt x="1583626" y="115150"/>
+                </a:lnTo>
+                <a:lnTo>
+                  <a:pt x="0" y="2067394"/>
+                </a:lnTo>
+                <a:lnTo>
+                  <a:pt x="22186" y="2085403"/>
+                </a:lnTo>
+                <a:lnTo>
+                  <a:pt x="22186" y="2113978"/>
+                </a:lnTo>
+                <a:lnTo>
+                  <a:pt x="1542376" y="2113978"/>
+                </a:lnTo>
+                <a:lnTo>
+                  <a:pt x="1542376" y="2171128"/>
+                </a:lnTo>
+                <a:lnTo>
+                  <a:pt x="1656676" y="2113978"/>
+                </a:lnTo>
+                <a:lnTo>
+                  <a:pt x="1713826" y="2085403"/>
+                </a:lnTo>
+                <a:lnTo>
+                  <a:pt x="1542376" y="1999678"/>
+                </a:lnTo>
+                <a:lnTo>
+                  <a:pt x="1542376" y="2056828"/>
+                </a:lnTo>
+                <a:lnTo>
+                  <a:pt x="82156" y="2056828"/>
+                </a:lnTo>
+                <a:lnTo>
+                  <a:pt x="1628013" y="151155"/>
+                </a:lnTo>
+                <a:lnTo>
+                  <a:pt x="1672399" y="187159"/>
+                </a:lnTo>
+                <a:lnTo>
+                  <a:pt x="1693252" y="92964"/>
+                </a:lnTo>
+                <a:lnTo>
+                  <a:pt x="1713826" y="0"/>
+                </a:lnTo>
+                <a:close/>
+              </a:path>
+            </a:pathLst>
+          </a:custGeom>
+          <a:solidFill>
+            <a:srgbClr val="BFBFBF"/>
+          </a:solidFill>
+        </p:spPr>
+        <p:txBody>
+          <a:bodyPr wrap="square" lIns="0" tIns="0" rIns="0" bIns="0" rtlCol="0"/>
+          <a:lstStyle/>
+          <a:p/>
+        </p:txBody>
+      </p:sp>
+      <p:sp>
+        <p:nvSpPr>
+          <p:cNvPr id="4" name="object 4"/>
+          <p:cNvSpPr/>
+          <p:nvPr/>
+        </p:nvSpPr>
+        <p:spPr>
+          <a:xfrm>
+            <a:off x="3234268" y="4866429"/>
+            <a:ext cx="960119" cy="171450"/>
+          </a:xfrm>
+          <a:custGeom>
+            <a:avLst/>
+            <a:gdLst/>
+            <a:ahLst/>
+            <a:cxnLst/>
+            <a:rect l="l" t="t" r="r" b="b"/>
+            <a:pathLst>
+              <a:path w="960120" h="171450">
+                <a:moveTo>
+                  <a:pt x="788100" y="114299"/>
+                </a:moveTo>
+                <a:lnTo>
+                  <a:pt x="788099" y="171450"/>
+                </a:lnTo>
+                <a:lnTo>
+                  <a:pt x="902399" y="114300"/>
+                </a:lnTo>
+                <a:lnTo>
+                  <a:pt x="788100" y="114299"/>
+                </a:lnTo>
+                <a:close/>
+              </a:path>
+              <a:path w="960120" h="171450">
+                <a:moveTo>
+                  <a:pt x="788100" y="57149"/>
+                </a:moveTo>
+                <a:lnTo>
+                  <a:pt x="788100" y="114299"/>
+                </a:lnTo>
+                <a:lnTo>
+                  <a:pt x="816674" y="114300"/>
+                </a:lnTo>
+                <a:lnTo>
+                  <a:pt x="816674" y="57150"/>
+                </a:lnTo>
+                <a:lnTo>
+                  <a:pt x="788100" y="57149"/>
+                </a:lnTo>
+                <a:close/>
+              </a:path>
+              <a:path w="960120" h="171450">
+                <a:moveTo>
+                  <a:pt x="788101" y="0"/>
+                </a:moveTo>
+                <a:lnTo>
+                  <a:pt x="788100" y="57149"/>
+                </a:lnTo>
+                <a:lnTo>
+                  <a:pt x="816674" y="57150"/>
+                </a:lnTo>
+                <a:lnTo>
+                  <a:pt x="816674" y="114300"/>
+                </a:lnTo>
+                <a:lnTo>
+                  <a:pt x="902402" y="114298"/>
+                </a:lnTo>
+                <a:lnTo>
+                  <a:pt x="959549" y="85725"/>
+                </a:lnTo>
+                <a:lnTo>
+                  <a:pt x="788101" y="0"/>
+                </a:lnTo>
+                <a:close/>
+              </a:path>
+              <a:path w="960120" h="171450">
+                <a:moveTo>
+                  <a:pt x="0" y="57148"/>
+                </a:moveTo>
+                <a:lnTo>
+                  <a:pt x="0" y="114298"/>
+                </a:lnTo>
+                <a:lnTo>
+                  <a:pt x="788100" y="114299"/>
+                </a:lnTo>
+                <a:lnTo>
+                  <a:pt x="788100" y="57149"/>
+                </a:lnTo>
+                <a:lnTo>
+                  <a:pt x="0" y="57148"/>
+                </a:lnTo>
+                <a:close/>
+              </a:path>
+            </a:pathLst>
+          </a:custGeom>
+          <a:solidFill>
+            <a:srgbClr val="BFBFBF"/>
+          </a:solidFill>
+        </p:spPr>
+        <p:txBody>
+          <a:bodyPr wrap="square" lIns="0" tIns="0" rIns="0" bIns="0" rtlCol="0"/>
+          <a:lstStyle/>
+          <a:p/>
+        </p:txBody>
+      </p:sp>
+      <p:sp>
+        <p:nvSpPr>
+          <p:cNvPr id="5" name="object 5"/>
+          <p:cNvSpPr/>
+          <p:nvPr/>
+        </p:nvSpPr>
+        <p:spPr>
+          <a:xfrm>
+            <a:off x="11088014" y="5683672"/>
+            <a:ext cx="171450" cy="605790"/>
+          </a:xfrm>
+          <a:custGeom>
+            <a:avLst/>
+            <a:gdLst/>
+            <a:ahLst/>
+            <a:cxnLst/>
+            <a:rect l="l" t="t" r="r" b="b"/>
+            <a:pathLst>
+              <a:path w="171450" h="605789">
+                <a:moveTo>
+                  <a:pt x="57149" y="433972"/>
+                </a:moveTo>
+                <a:lnTo>
+                  <a:pt x="0" y="433972"/>
+                </a:lnTo>
+                <a:lnTo>
+                  <a:pt x="85725" y="605422"/>
+                </a:lnTo>
+                <a:lnTo>
+                  <a:pt x="157162" y="462547"/>
+                </a:lnTo>
+                <a:lnTo>
+                  <a:pt x="57150" y="462547"/>
+                </a:lnTo>
+                <a:lnTo>
+                  <a:pt x="57149" y="433972"/>
+                </a:lnTo>
+                <a:close/>
+              </a:path>
+              <a:path w="171450" h="605789">
+                <a:moveTo>
+                  <a:pt x="114298" y="0"/>
+                </a:moveTo>
+                <a:lnTo>
+                  <a:pt x="57148" y="0"/>
+                </a:lnTo>
+                <a:lnTo>
+                  <a:pt x="57150" y="462547"/>
+                </a:lnTo>
+                <a:lnTo>
+                  <a:pt x="114300" y="462547"/>
+                </a:lnTo>
+                <a:lnTo>
+                  <a:pt x="114298" y="0"/>
+                </a:lnTo>
+                <a:close/>
+              </a:path>
+              <a:path w="171450" h="605789">
+                <a:moveTo>
+                  <a:pt x="171450" y="433972"/>
+                </a:moveTo>
+                <a:lnTo>
+                  <a:pt x="114299" y="433972"/>
+                </a:lnTo>
+                <a:lnTo>
+                  <a:pt x="114300" y="462547"/>
+                </a:lnTo>
+                <a:lnTo>
+                  <a:pt x="157162" y="462547"/>
+                </a:lnTo>
+                <a:lnTo>
+                  <a:pt x="171450" y="433972"/>
+                </a:lnTo>
+                <a:close/>
+              </a:path>
+            </a:pathLst>
+          </a:custGeom>
+          <a:solidFill>
+            <a:srgbClr val="BFBFBF"/>
+          </a:solidFill>
+        </p:spPr>
+        <p:txBody>
+          <a:bodyPr wrap="square" lIns="0" tIns="0" rIns="0" bIns="0" rtlCol="0"/>
+          <a:lstStyle/>
+          <a:p/>
+        </p:txBody>
+      </p:sp>
+      <p:sp>
+        <p:nvSpPr>
+          <p:cNvPr id="6" name="object 6"/>
+          <p:cNvSpPr/>
+          <p:nvPr/>
+        </p:nvSpPr>
+        <p:spPr>
+          <a:xfrm>
+            <a:off x="13062522" y="4928628"/>
+            <a:ext cx="1517650" cy="2115820"/>
+          </a:xfrm>
+          <a:custGeom>
+            <a:avLst/>
+            <a:gdLst/>
+            <a:ahLst/>
+            <a:cxnLst/>
+            <a:rect l="l" t="t" r="r" b="b"/>
+            <a:pathLst>
+              <a:path w="1517650" h="2115820">
+                <a:moveTo>
+                  <a:pt x="1517078" y="1057757"/>
+                </a:moveTo>
+                <a:lnTo>
+                  <a:pt x="1485353" y="1000213"/>
+                </a:lnTo>
+                <a:lnTo>
+                  <a:pt x="1424546" y="889889"/>
+                </a:lnTo>
+                <a:lnTo>
+                  <a:pt x="1392110" y="936955"/>
+                </a:lnTo>
+                <a:lnTo>
+                  <a:pt x="32423" y="0"/>
+                </a:lnTo>
+                <a:lnTo>
+                  <a:pt x="0" y="47053"/>
+                </a:lnTo>
+                <a:lnTo>
+                  <a:pt x="1359687" y="984008"/>
+                </a:lnTo>
+                <a:lnTo>
+                  <a:pt x="1327264" y="1031062"/>
+                </a:lnTo>
+                <a:lnTo>
+                  <a:pt x="1517078" y="1057757"/>
+                </a:lnTo>
+                <a:close/>
+              </a:path>
+              <a:path w="1517650" h="2115820">
+                <a:moveTo>
+                  <a:pt x="1517078" y="1057757"/>
+                </a:moveTo>
+                <a:lnTo>
+                  <a:pt x="1327264" y="1084453"/>
+                </a:lnTo>
+                <a:lnTo>
+                  <a:pt x="1359687" y="1131519"/>
+                </a:lnTo>
+                <a:lnTo>
+                  <a:pt x="0" y="2068461"/>
+                </a:lnTo>
+                <a:lnTo>
+                  <a:pt x="32423" y="2115515"/>
+                </a:lnTo>
+                <a:lnTo>
+                  <a:pt x="1392110" y="1178572"/>
+                </a:lnTo>
+                <a:lnTo>
+                  <a:pt x="1424546" y="1225626"/>
+                </a:lnTo>
+                <a:lnTo>
+                  <a:pt x="1485353" y="1115301"/>
+                </a:lnTo>
+                <a:lnTo>
+                  <a:pt x="1517078" y="1057757"/>
+                </a:lnTo>
+                <a:close/>
+              </a:path>
+            </a:pathLst>
+          </a:custGeom>
+          <a:solidFill>
+            <a:srgbClr val="BFBFBF"/>
+          </a:solidFill>
+        </p:spPr>
+        <p:txBody>
+          <a:bodyPr wrap="square" lIns="0" tIns="0" rIns="0" bIns="0" rtlCol="0"/>
+          <a:lstStyle/>
+          <a:p/>
+        </p:txBody>
+      </p:sp>
+      <p:sp>
+        <p:nvSpPr>
+          <p:cNvPr id="7" name="object 7"/>
+          <p:cNvSpPr txBox="1"/>
+          <p:nvPr/>
+        </p:nvSpPr>
+        <p:spPr>
+          <a:xfrm>
+            <a:off x="422224" y="4220633"/>
+            <a:ext cx="2812415" cy="1463040"/>
+          </a:xfrm>
+          <a:prstGeom prst="rect">
+            <a:avLst/>
+          </a:prstGeom>
+          <a:solidFill>
+            <a:srgbClr val="9BC850"/>
+          </a:solidFill>
+          <a:ln w="12700">
+            <a:solidFill>
+              <a:srgbClr val="719238"/>
+            </a:solidFill>
+          </a:ln>
+        </p:spPr>
+        <p:txBody>
+          <a:bodyPr vert="horz" wrap="square" lIns="0" tIns="445770" rIns="0" bIns="0" rtlCol="0">
+            <a:spAutoFit/>
+          </a:bodyPr>
+          <a:lstStyle/>
+          <a:p>
+            <a:pPr marL="271145">
+              <a:lnSpc>
+                <a:spcPct val="100000"/>
+              </a:lnSpc>
+              <a:spcBef>
+                <a:spcPts val="3510"/>
+              </a:spcBef>
+            </a:pPr>
+            <a:r>
+              <a:rPr sz="3600" b="1" spc="-20" dirty="0">
+                <a:solidFill>
+                  <a:srgbClr val="FFFFFF"/>
+                </a:solidFill>
+                <a:latin typeface="Arial" panose="020B0604020202020204"/>
+                <a:cs typeface="Arial" panose="020B0604020202020204"/>
+              </a:rPr>
+              <a:t>index.html</a:t>
+            </a:r>
+            <a:endParaRPr sz="3600">
+              <a:latin typeface="Arial" panose="020B0604020202020204"/>
+              <a:cs typeface="Arial" panose="020B0604020202020204"/>
+            </a:endParaRPr>
+          </a:p>
+        </p:txBody>
+      </p:sp>
+      <p:sp>
+        <p:nvSpPr>
+          <p:cNvPr id="8" name="object 8"/>
+          <p:cNvSpPr txBox="1"/>
+          <p:nvPr/>
+        </p:nvSpPr>
+        <p:spPr>
+          <a:xfrm>
+            <a:off x="4193819" y="4220633"/>
+            <a:ext cx="3383279" cy="1463040"/>
+          </a:xfrm>
+          <a:prstGeom prst="rect">
+            <a:avLst/>
+          </a:prstGeom>
+          <a:solidFill>
+            <a:srgbClr val="2A9FBC"/>
+          </a:solidFill>
+          <a:ln w="12700">
+            <a:solidFill>
+              <a:srgbClr val="1C7489"/>
+            </a:solidFill>
+          </a:ln>
+        </p:spPr>
+        <p:txBody>
+          <a:bodyPr vert="horz" wrap="square" lIns="0" tIns="191770" rIns="0" bIns="0" rtlCol="0">
+            <a:spAutoFit/>
+          </a:bodyPr>
+          <a:lstStyle/>
+          <a:p>
+            <a:pPr marL="403225" marR="395605" indent="854710">
+              <a:lnSpc>
+                <a:spcPts val="4300"/>
+              </a:lnSpc>
+              <a:spcBef>
+                <a:spcPts val="1510"/>
+              </a:spcBef>
+            </a:pPr>
+            <a:r>
+              <a:rPr sz="3600" b="1" spc="-60" dirty="0">
+                <a:solidFill>
+                  <a:srgbClr val="FFFFFF"/>
+                </a:solidFill>
+                <a:latin typeface="Arial" panose="020B0604020202020204"/>
+                <a:cs typeface="Arial" panose="020B0604020202020204"/>
+              </a:rPr>
+              <a:t>App </a:t>
+            </a:r>
+            <a:r>
+              <a:rPr sz="3600" b="1" spc="-55" dirty="0">
+                <a:solidFill>
+                  <a:srgbClr val="FFFFFF"/>
+                </a:solidFill>
+                <a:latin typeface="Arial" panose="020B0604020202020204"/>
+                <a:cs typeface="Arial" panose="020B0604020202020204"/>
+              </a:rPr>
+              <a:t> </a:t>
+            </a:r>
+            <a:r>
+              <a:rPr sz="3600" b="1" spc="30" dirty="0">
+                <a:solidFill>
+                  <a:srgbClr val="FFFFFF"/>
+                </a:solidFill>
+                <a:latin typeface="Arial" panose="020B0604020202020204"/>
+                <a:cs typeface="Arial" panose="020B0604020202020204"/>
+              </a:rPr>
+              <a:t>C</a:t>
+            </a:r>
+            <a:r>
+              <a:rPr sz="3600" b="1" spc="15" dirty="0">
+                <a:solidFill>
+                  <a:srgbClr val="FFFFFF"/>
+                </a:solidFill>
+                <a:latin typeface="Arial" panose="020B0604020202020204"/>
+                <a:cs typeface="Arial" panose="020B0604020202020204"/>
+              </a:rPr>
+              <a:t>o</a:t>
+            </a:r>
+            <a:r>
+              <a:rPr sz="3600" b="1" spc="-95" dirty="0">
+                <a:solidFill>
+                  <a:srgbClr val="FFFFFF"/>
+                </a:solidFill>
+                <a:latin typeface="Arial" panose="020B0604020202020204"/>
+                <a:cs typeface="Arial" panose="020B0604020202020204"/>
+              </a:rPr>
+              <a:t>m</a:t>
+            </a:r>
+            <a:r>
+              <a:rPr sz="3600" b="1" spc="25" dirty="0">
+                <a:solidFill>
+                  <a:srgbClr val="FFFFFF"/>
+                </a:solidFill>
+                <a:latin typeface="Arial" panose="020B0604020202020204"/>
+                <a:cs typeface="Arial" panose="020B0604020202020204"/>
+              </a:rPr>
+              <a:t>p</a:t>
+            </a:r>
+            <a:r>
+              <a:rPr sz="3600" b="1" spc="-45" dirty="0">
+                <a:solidFill>
+                  <a:srgbClr val="FFFFFF"/>
+                </a:solidFill>
+                <a:latin typeface="Arial" panose="020B0604020202020204"/>
+                <a:cs typeface="Arial" panose="020B0604020202020204"/>
+              </a:rPr>
+              <a:t>o</a:t>
+            </a:r>
+            <a:r>
+              <a:rPr sz="3600" b="1" spc="80" dirty="0">
+                <a:solidFill>
+                  <a:srgbClr val="FFFFFF"/>
+                </a:solidFill>
+                <a:latin typeface="Arial" panose="020B0604020202020204"/>
+                <a:cs typeface="Arial" panose="020B0604020202020204"/>
+              </a:rPr>
+              <a:t>nent</a:t>
+            </a:r>
+            <a:endParaRPr sz="3600">
+              <a:latin typeface="Arial" panose="020B0604020202020204"/>
+              <a:cs typeface="Arial" panose="020B0604020202020204"/>
+            </a:endParaRPr>
+          </a:p>
+        </p:txBody>
+      </p:sp>
+      <p:sp>
+        <p:nvSpPr>
+          <p:cNvPr id="9" name="object 9"/>
+          <p:cNvSpPr txBox="1"/>
+          <p:nvPr/>
+        </p:nvSpPr>
+        <p:spPr>
+          <a:xfrm>
+            <a:off x="9268738" y="4220633"/>
+            <a:ext cx="3810000" cy="1463040"/>
+          </a:xfrm>
+          <a:prstGeom prst="rect">
+            <a:avLst/>
+          </a:prstGeom>
+          <a:solidFill>
+            <a:srgbClr val="2A9FBC"/>
+          </a:solidFill>
+          <a:ln w="12700">
+            <a:solidFill>
+              <a:srgbClr val="1C7489"/>
+            </a:solidFill>
+          </a:ln>
+        </p:spPr>
+        <p:txBody>
+          <a:bodyPr vert="horz" wrap="square" lIns="0" tIns="191770" rIns="0" bIns="0" rtlCol="0">
+            <a:spAutoFit/>
+          </a:bodyPr>
+          <a:lstStyle/>
+          <a:p>
+            <a:pPr marL="616585" marR="574675" indent="-34925">
+              <a:lnSpc>
+                <a:spcPts val="4300"/>
+              </a:lnSpc>
+              <a:spcBef>
+                <a:spcPts val="1510"/>
+              </a:spcBef>
+            </a:pPr>
+            <a:r>
+              <a:rPr sz="3600" b="1" spc="10" dirty="0">
+                <a:solidFill>
+                  <a:srgbClr val="FFFFFF"/>
+                </a:solidFill>
+                <a:latin typeface="Arial" panose="020B0604020202020204"/>
+                <a:cs typeface="Arial" panose="020B0604020202020204"/>
+              </a:rPr>
+              <a:t>Product</a:t>
+            </a:r>
+            <a:r>
+              <a:rPr sz="3600" b="1" spc="-120" dirty="0">
+                <a:solidFill>
+                  <a:srgbClr val="FFFFFF"/>
+                </a:solidFill>
+                <a:latin typeface="Arial" panose="020B0604020202020204"/>
+                <a:cs typeface="Arial" panose="020B0604020202020204"/>
+              </a:rPr>
+              <a:t> </a:t>
+            </a:r>
+            <a:r>
+              <a:rPr sz="3600" b="1" spc="-60" dirty="0">
+                <a:solidFill>
+                  <a:srgbClr val="FFFFFF"/>
+                </a:solidFill>
+                <a:latin typeface="Arial" panose="020B0604020202020204"/>
+                <a:cs typeface="Arial" panose="020B0604020202020204"/>
+              </a:rPr>
+              <a:t>List </a:t>
+            </a:r>
+            <a:r>
+              <a:rPr sz="3600" b="1" spc="-985" dirty="0">
+                <a:solidFill>
+                  <a:srgbClr val="FFFFFF"/>
+                </a:solidFill>
+                <a:latin typeface="Arial" panose="020B0604020202020204"/>
+                <a:cs typeface="Arial" panose="020B0604020202020204"/>
+              </a:rPr>
+              <a:t> </a:t>
+            </a:r>
+            <a:r>
+              <a:rPr sz="3600" b="1" spc="30" dirty="0">
+                <a:solidFill>
+                  <a:srgbClr val="FFFFFF"/>
+                </a:solidFill>
+                <a:latin typeface="Arial" panose="020B0604020202020204"/>
+                <a:cs typeface="Arial" panose="020B0604020202020204"/>
+              </a:rPr>
+              <a:t>Component</a:t>
+            </a:r>
+            <a:endParaRPr sz="3600">
+              <a:latin typeface="Arial" panose="020B0604020202020204"/>
+              <a:cs typeface="Arial" panose="020B0604020202020204"/>
+            </a:endParaRPr>
+          </a:p>
+        </p:txBody>
+      </p:sp>
+      <p:sp>
+        <p:nvSpPr>
+          <p:cNvPr id="10" name="object 10"/>
+          <p:cNvSpPr txBox="1"/>
+          <p:nvPr/>
+        </p:nvSpPr>
+        <p:spPr>
+          <a:xfrm>
+            <a:off x="4193819" y="6914726"/>
+            <a:ext cx="3383279" cy="1463040"/>
+          </a:xfrm>
+          <a:prstGeom prst="rect">
+            <a:avLst/>
+          </a:prstGeom>
+          <a:solidFill>
+            <a:srgbClr val="D9D9D9"/>
+          </a:solidFill>
+          <a:ln w="12700">
+            <a:solidFill>
+              <a:srgbClr val="4A417A"/>
+            </a:solidFill>
+          </a:ln>
+        </p:spPr>
+        <p:txBody>
+          <a:bodyPr vert="horz" wrap="square" lIns="0" tIns="168910" rIns="0" bIns="0" rtlCol="0">
+            <a:spAutoFit/>
+          </a:bodyPr>
+          <a:lstStyle/>
+          <a:p>
+            <a:pPr marL="883285" marR="257175" indent="-618490">
+              <a:lnSpc>
+                <a:spcPct val="100000"/>
+              </a:lnSpc>
+              <a:spcBef>
+                <a:spcPts val="1330"/>
+              </a:spcBef>
+            </a:pPr>
+            <a:r>
+              <a:rPr sz="3600" b="1" spc="10" dirty="0">
+                <a:solidFill>
+                  <a:srgbClr val="FFFFFF"/>
+                </a:solidFill>
+                <a:latin typeface="Arial" panose="020B0604020202020204"/>
+                <a:cs typeface="Arial" panose="020B0604020202020204"/>
+              </a:rPr>
+              <a:t>Product</a:t>
+            </a:r>
+            <a:r>
+              <a:rPr sz="3600" b="1" spc="-125" dirty="0">
+                <a:solidFill>
+                  <a:srgbClr val="FFFFFF"/>
+                </a:solidFill>
+                <a:latin typeface="Arial" panose="020B0604020202020204"/>
+                <a:cs typeface="Arial" panose="020B0604020202020204"/>
+              </a:rPr>
+              <a:t> </a:t>
+            </a:r>
+            <a:r>
+              <a:rPr sz="3600" b="1" dirty="0">
+                <a:solidFill>
+                  <a:srgbClr val="FFFFFF"/>
+                </a:solidFill>
+                <a:latin typeface="Arial" panose="020B0604020202020204"/>
+                <a:cs typeface="Arial" panose="020B0604020202020204"/>
+              </a:rPr>
+              <a:t>Data </a:t>
+            </a:r>
+            <a:r>
+              <a:rPr sz="3600" b="1" spc="-985" dirty="0">
+                <a:solidFill>
+                  <a:srgbClr val="FFFFFF"/>
+                </a:solidFill>
+                <a:latin typeface="Arial" panose="020B0604020202020204"/>
+                <a:cs typeface="Arial" panose="020B0604020202020204"/>
+              </a:rPr>
+              <a:t> </a:t>
+            </a:r>
+            <a:r>
+              <a:rPr sz="3600" b="1" spc="-15" dirty="0">
+                <a:solidFill>
+                  <a:srgbClr val="FFFFFF"/>
+                </a:solidFill>
+                <a:latin typeface="Arial" panose="020B0604020202020204"/>
+                <a:cs typeface="Arial" panose="020B0604020202020204"/>
+              </a:rPr>
+              <a:t>Service</a:t>
+            </a:r>
+            <a:endParaRPr sz="3600">
+              <a:latin typeface="Arial" panose="020B0604020202020204"/>
+              <a:cs typeface="Arial" panose="020B0604020202020204"/>
+            </a:endParaRPr>
+          </a:p>
+        </p:txBody>
+      </p:sp>
+      <p:sp>
+        <p:nvSpPr>
+          <p:cNvPr id="11" name="object 11"/>
+          <p:cNvSpPr txBox="1"/>
+          <p:nvPr/>
+        </p:nvSpPr>
+        <p:spPr>
+          <a:xfrm>
+            <a:off x="9268738" y="6289094"/>
+            <a:ext cx="3810000" cy="1463040"/>
+          </a:xfrm>
+          <a:prstGeom prst="rect">
+            <a:avLst/>
+          </a:prstGeom>
+          <a:solidFill>
+            <a:srgbClr val="D9D9D9"/>
+          </a:solidFill>
+          <a:ln w="12700">
+            <a:solidFill>
+              <a:srgbClr val="1C7489"/>
+            </a:solidFill>
+          </a:ln>
+        </p:spPr>
+        <p:txBody>
+          <a:bodyPr vert="horz" wrap="square" lIns="0" tIns="189865" rIns="0" bIns="0" rtlCol="0">
+            <a:spAutoFit/>
+          </a:bodyPr>
+          <a:lstStyle/>
+          <a:p>
+            <a:pPr marL="616585" marR="339725" indent="-269875">
+              <a:lnSpc>
+                <a:spcPts val="4300"/>
+              </a:lnSpc>
+              <a:spcBef>
+                <a:spcPts val="1495"/>
+              </a:spcBef>
+            </a:pPr>
+            <a:r>
+              <a:rPr sz="3600" b="1" spc="10" dirty="0">
+                <a:solidFill>
+                  <a:srgbClr val="FFFFFF"/>
+                </a:solidFill>
+                <a:latin typeface="Arial" panose="020B0604020202020204"/>
+                <a:cs typeface="Arial" panose="020B0604020202020204"/>
+              </a:rPr>
+              <a:t>Product</a:t>
+            </a:r>
+            <a:r>
+              <a:rPr sz="3600" b="1" spc="-130" dirty="0">
+                <a:solidFill>
+                  <a:srgbClr val="FFFFFF"/>
+                </a:solidFill>
+                <a:latin typeface="Arial" panose="020B0604020202020204"/>
+                <a:cs typeface="Arial" panose="020B0604020202020204"/>
+              </a:rPr>
+              <a:t> </a:t>
+            </a:r>
+            <a:r>
+              <a:rPr sz="3600" b="1" spc="10" dirty="0">
+                <a:solidFill>
+                  <a:srgbClr val="FFFFFF"/>
+                </a:solidFill>
+                <a:latin typeface="Arial" panose="020B0604020202020204"/>
+                <a:cs typeface="Arial" panose="020B0604020202020204"/>
+              </a:rPr>
+              <a:t>Detail </a:t>
+            </a:r>
+            <a:r>
+              <a:rPr sz="3600" b="1" spc="-985" dirty="0">
+                <a:solidFill>
+                  <a:srgbClr val="FFFFFF"/>
+                </a:solidFill>
+                <a:latin typeface="Arial" panose="020B0604020202020204"/>
+                <a:cs typeface="Arial" panose="020B0604020202020204"/>
+              </a:rPr>
+              <a:t> </a:t>
+            </a:r>
+            <a:r>
+              <a:rPr sz="3600" b="1" spc="30" dirty="0">
+                <a:solidFill>
+                  <a:srgbClr val="FFFFFF"/>
+                </a:solidFill>
+                <a:latin typeface="Arial" panose="020B0604020202020204"/>
+                <a:cs typeface="Arial" panose="020B0604020202020204"/>
+              </a:rPr>
+              <a:t>Component</a:t>
+            </a:r>
+            <a:endParaRPr sz="3600">
+              <a:latin typeface="Arial" panose="020B0604020202020204"/>
+              <a:cs typeface="Arial" panose="020B0604020202020204"/>
+            </a:endParaRPr>
+          </a:p>
+        </p:txBody>
+      </p:sp>
+      <p:sp>
+        <p:nvSpPr>
+          <p:cNvPr id="12" name="object 12"/>
+          <p:cNvSpPr txBox="1"/>
+          <p:nvPr/>
+        </p:nvSpPr>
+        <p:spPr>
+          <a:xfrm>
+            <a:off x="9268738" y="2135238"/>
+            <a:ext cx="3810000" cy="1463040"/>
+          </a:xfrm>
+          <a:prstGeom prst="rect">
+            <a:avLst/>
+          </a:prstGeom>
+          <a:solidFill>
+            <a:srgbClr val="D9D9D9"/>
+          </a:solidFill>
+          <a:ln w="12700">
+            <a:solidFill>
+              <a:srgbClr val="1C7489"/>
+            </a:solidFill>
+          </a:ln>
+        </p:spPr>
+        <p:txBody>
+          <a:bodyPr vert="horz" wrap="square" lIns="0" tIns="168910" rIns="0" bIns="0" rtlCol="0">
+            <a:spAutoFit/>
+          </a:bodyPr>
+          <a:lstStyle/>
+          <a:p>
+            <a:pPr marL="616585" marR="608965" indent="280670">
+              <a:lnSpc>
+                <a:spcPct val="100000"/>
+              </a:lnSpc>
+              <a:spcBef>
+                <a:spcPts val="1330"/>
+              </a:spcBef>
+            </a:pPr>
+            <a:r>
+              <a:rPr sz="3600" b="1" dirty="0">
+                <a:solidFill>
+                  <a:srgbClr val="FFFFFF"/>
+                </a:solidFill>
+                <a:latin typeface="Arial" panose="020B0604020202020204"/>
+                <a:cs typeface="Arial" panose="020B0604020202020204"/>
+              </a:rPr>
+              <a:t>Welcome </a:t>
+            </a:r>
+            <a:r>
+              <a:rPr sz="3600" b="1" spc="5" dirty="0">
+                <a:solidFill>
+                  <a:srgbClr val="FFFFFF"/>
+                </a:solidFill>
+                <a:latin typeface="Arial" panose="020B0604020202020204"/>
+                <a:cs typeface="Arial" panose="020B0604020202020204"/>
+              </a:rPr>
+              <a:t> </a:t>
+            </a:r>
+            <a:r>
+              <a:rPr sz="3600" b="1" spc="30" dirty="0">
+                <a:solidFill>
+                  <a:srgbClr val="FFFFFF"/>
+                </a:solidFill>
+                <a:latin typeface="Arial" panose="020B0604020202020204"/>
+                <a:cs typeface="Arial" panose="020B0604020202020204"/>
+              </a:rPr>
+              <a:t>C</a:t>
+            </a:r>
+            <a:r>
+              <a:rPr sz="3600" b="1" spc="15" dirty="0">
+                <a:solidFill>
+                  <a:srgbClr val="FFFFFF"/>
+                </a:solidFill>
+                <a:latin typeface="Arial" panose="020B0604020202020204"/>
+                <a:cs typeface="Arial" panose="020B0604020202020204"/>
+              </a:rPr>
+              <a:t>o</a:t>
+            </a:r>
+            <a:r>
+              <a:rPr sz="3600" b="1" spc="-95" dirty="0">
+                <a:solidFill>
+                  <a:srgbClr val="FFFFFF"/>
+                </a:solidFill>
+                <a:latin typeface="Arial" panose="020B0604020202020204"/>
+                <a:cs typeface="Arial" panose="020B0604020202020204"/>
+              </a:rPr>
+              <a:t>m</a:t>
+            </a:r>
+            <a:r>
+              <a:rPr sz="3600" b="1" spc="25" dirty="0">
+                <a:solidFill>
+                  <a:srgbClr val="FFFFFF"/>
+                </a:solidFill>
+                <a:latin typeface="Arial" panose="020B0604020202020204"/>
+                <a:cs typeface="Arial" panose="020B0604020202020204"/>
+              </a:rPr>
+              <a:t>p</a:t>
+            </a:r>
+            <a:r>
+              <a:rPr sz="3600" b="1" spc="-45" dirty="0">
+                <a:solidFill>
+                  <a:srgbClr val="FFFFFF"/>
+                </a:solidFill>
+                <a:latin typeface="Arial" panose="020B0604020202020204"/>
+                <a:cs typeface="Arial" panose="020B0604020202020204"/>
+              </a:rPr>
+              <a:t>o</a:t>
+            </a:r>
+            <a:r>
+              <a:rPr sz="3600" b="1" spc="80" dirty="0">
+                <a:solidFill>
+                  <a:srgbClr val="FFFFFF"/>
+                </a:solidFill>
+                <a:latin typeface="Arial" panose="020B0604020202020204"/>
+                <a:cs typeface="Arial" panose="020B0604020202020204"/>
+              </a:rPr>
+              <a:t>nent</a:t>
+            </a:r>
+            <a:endParaRPr sz="3600">
+              <a:latin typeface="Arial" panose="020B0604020202020204"/>
+              <a:cs typeface="Arial" panose="020B0604020202020204"/>
+            </a:endParaRPr>
+          </a:p>
+        </p:txBody>
+      </p:sp>
+      <p:sp>
+        <p:nvSpPr>
+          <p:cNvPr id="13" name="object 13"/>
+          <p:cNvSpPr txBox="1"/>
+          <p:nvPr/>
+        </p:nvSpPr>
+        <p:spPr>
+          <a:xfrm>
+            <a:off x="14579600" y="5254862"/>
+            <a:ext cx="3268979" cy="1463040"/>
+          </a:xfrm>
+          <a:prstGeom prst="rect">
+            <a:avLst/>
+          </a:prstGeom>
+          <a:solidFill>
+            <a:srgbClr val="D9D9D9"/>
+          </a:solidFill>
+          <a:ln w="12700">
+            <a:solidFill>
+              <a:srgbClr val="1C7489"/>
+            </a:solidFill>
+          </a:ln>
+        </p:spPr>
+        <p:txBody>
+          <a:bodyPr vert="horz" wrap="square" lIns="0" tIns="190500" rIns="0" bIns="0" rtlCol="0">
+            <a:spAutoFit/>
+          </a:bodyPr>
+          <a:lstStyle/>
+          <a:p>
+            <a:pPr marL="346075" marR="337820" indent="850900">
+              <a:lnSpc>
+                <a:spcPts val="4300"/>
+              </a:lnSpc>
+              <a:spcBef>
+                <a:spcPts val="1500"/>
+              </a:spcBef>
+            </a:pPr>
+            <a:r>
+              <a:rPr sz="3600" b="1" spc="-35" dirty="0">
+                <a:solidFill>
+                  <a:srgbClr val="FFFFFF"/>
+                </a:solidFill>
+                <a:latin typeface="Arial" panose="020B0604020202020204"/>
+                <a:cs typeface="Arial" panose="020B0604020202020204"/>
+              </a:rPr>
+              <a:t>Star </a:t>
+            </a:r>
+            <a:r>
+              <a:rPr sz="3600" b="1" spc="-30" dirty="0">
+                <a:solidFill>
+                  <a:srgbClr val="FFFFFF"/>
+                </a:solidFill>
+                <a:latin typeface="Arial" panose="020B0604020202020204"/>
+                <a:cs typeface="Arial" panose="020B0604020202020204"/>
+              </a:rPr>
+              <a:t> </a:t>
+            </a:r>
+            <a:r>
+              <a:rPr sz="3600" b="1" spc="30" dirty="0">
+                <a:solidFill>
+                  <a:srgbClr val="FFFFFF"/>
+                </a:solidFill>
+                <a:latin typeface="Arial" panose="020B0604020202020204"/>
+                <a:cs typeface="Arial" panose="020B0604020202020204"/>
+              </a:rPr>
+              <a:t>C</a:t>
+            </a:r>
+            <a:r>
+              <a:rPr sz="3600" b="1" spc="15" dirty="0">
+                <a:solidFill>
+                  <a:srgbClr val="FFFFFF"/>
+                </a:solidFill>
+                <a:latin typeface="Arial" panose="020B0604020202020204"/>
+                <a:cs typeface="Arial" panose="020B0604020202020204"/>
+              </a:rPr>
+              <a:t>o</a:t>
+            </a:r>
+            <a:r>
+              <a:rPr sz="3600" b="1" spc="-95" dirty="0">
+                <a:solidFill>
+                  <a:srgbClr val="FFFFFF"/>
+                </a:solidFill>
+                <a:latin typeface="Arial" panose="020B0604020202020204"/>
+                <a:cs typeface="Arial" panose="020B0604020202020204"/>
+              </a:rPr>
+              <a:t>m</a:t>
+            </a:r>
+            <a:r>
+              <a:rPr sz="3600" b="1" spc="25" dirty="0">
+                <a:solidFill>
+                  <a:srgbClr val="FFFFFF"/>
+                </a:solidFill>
+                <a:latin typeface="Arial" panose="020B0604020202020204"/>
+                <a:cs typeface="Arial" panose="020B0604020202020204"/>
+              </a:rPr>
+              <a:t>p</a:t>
+            </a:r>
+            <a:r>
+              <a:rPr sz="3600" b="1" spc="-45" dirty="0">
+                <a:solidFill>
+                  <a:srgbClr val="FFFFFF"/>
+                </a:solidFill>
+                <a:latin typeface="Arial" panose="020B0604020202020204"/>
+                <a:cs typeface="Arial" panose="020B0604020202020204"/>
+              </a:rPr>
+              <a:t>o</a:t>
+            </a:r>
+            <a:r>
+              <a:rPr sz="3600" b="1" spc="80" dirty="0">
+                <a:solidFill>
+                  <a:srgbClr val="FFFFFF"/>
+                </a:solidFill>
+                <a:latin typeface="Arial" panose="020B0604020202020204"/>
+                <a:cs typeface="Arial" panose="020B0604020202020204"/>
+              </a:rPr>
+              <a:t>nent</a:t>
+            </a:r>
+            <a:endParaRPr sz="3600">
+              <a:latin typeface="Arial" panose="020B0604020202020204"/>
+              <a:cs typeface="Arial" panose="020B0604020202020204"/>
+            </a:endParaRPr>
+          </a:p>
+        </p:txBody>
+      </p:sp>
+      <p:sp>
+        <p:nvSpPr>
+          <p:cNvPr id="14" name="Slide Number Placeholder 13"/>
+          <p:cNvSpPr>
+            <a:spLocks noGrp="1"/>
+          </p:cNvSpPr>
+          <p:nvPr>
+            <p:ph type="sldNum" sz="quarter" idx="7"/>
+          </p:nvPr>
+        </p:nvSpPr>
+        <p:spPr/>
+        <p:txBody>
+          <a:bodyPr/>
+          <a:lstStyle/>
+          <a:p>
+            <a:fld id="{B6F15528-21DE-4FAA-801E-634DDDAF4B2B}" type="slidenum">
+              <a:rPr/>
+            </a:fld>
+            <a:endParaRPr/>
+          </a:p>
+        </p:txBody>
+      </p:sp>
+    </p:spTree>
+  </p:cSld>
+  <p:clrMapOvr>
+    <a:masterClrMapping/>
+  </p:clrMapOvr>
+</p:sld>
+</file>
+
+<file path=ppt/slides/slide44.xml><?xml version="1.0" encoding="utf-8"?>
 <p:sld xmlns:a="http://schemas.openxmlformats.org/drawingml/2006/main" xmlns:r="http://schemas.openxmlformats.org/officeDocument/2006/relationships" xmlns:p="http://schemas.openxmlformats.org/presentationml/2006/main" showMasterSp="0">
   <p:cSld>
     <p:spTree>
